--- a/PosterDayPresentation.pptx
+++ b/PosterDayPresentation.pptx
@@ -620,7 +620,7 @@
           <a:p>
             <a:fld id="{0A365773-F025-47F9-AD04-098374D9E590}" type="datetimeFigureOut">
               <a:rPr lang="en-GB" smtClean="0"/>
-              <a:t>08/01/2019</a:t>
+              <a:t>09/01/2019</a:t>
             </a:fld>
             <a:endParaRPr lang="en-GB"/>
           </a:p>
@@ -916,7 +916,7 @@
           <a:p>
             <a:fld id="{0A365773-F025-47F9-AD04-098374D9E590}" type="datetimeFigureOut">
               <a:rPr lang="en-GB" smtClean="0"/>
-              <a:t>08/01/2019</a:t>
+              <a:t>09/01/2019</a:t>
             </a:fld>
             <a:endParaRPr lang="en-GB"/>
           </a:p>
@@ -1164,7 +1164,7 @@
           <a:p>
             <a:fld id="{0A365773-F025-47F9-AD04-098374D9E590}" type="datetimeFigureOut">
               <a:rPr lang="en-GB" smtClean="0"/>
-              <a:t>08/01/2019</a:t>
+              <a:t>09/01/2019</a:t>
             </a:fld>
             <a:endParaRPr lang="en-GB"/>
           </a:p>
@@ -1704,7 +1704,7 @@
           <a:p>
             <a:fld id="{0A365773-F025-47F9-AD04-098374D9E590}" type="datetimeFigureOut">
               <a:rPr lang="en-GB" smtClean="0"/>
-              <a:t>08/01/2019</a:t>
+              <a:t>09/01/2019</a:t>
             </a:fld>
             <a:endParaRPr lang="en-GB"/>
           </a:p>
@@ -1952,7 +1952,7 @@
           <a:p>
             <a:fld id="{0A365773-F025-47F9-AD04-098374D9E590}" type="datetimeFigureOut">
               <a:rPr lang="en-GB" smtClean="0"/>
-              <a:t>08/01/2019</a:t>
+              <a:t>09/01/2019</a:t>
             </a:fld>
             <a:endParaRPr lang="en-GB"/>
           </a:p>
@@ -2484,7 +2484,7 @@
           <a:p>
             <a:fld id="{0A365773-F025-47F9-AD04-098374D9E590}" type="datetimeFigureOut">
               <a:rPr lang="en-GB" smtClean="0"/>
-              <a:t>08/01/2019</a:t>
+              <a:t>09/01/2019</a:t>
             </a:fld>
             <a:endParaRPr lang="en-GB"/>
           </a:p>
@@ -2781,7 +2781,7 @@
           <a:p>
             <a:fld id="{0A365773-F025-47F9-AD04-098374D9E590}" type="datetimeFigureOut">
               <a:rPr lang="en-GB" smtClean="0"/>
-              <a:t>08/01/2019</a:t>
+              <a:t>09/01/2019</a:t>
             </a:fld>
             <a:endParaRPr lang="en-GB"/>
           </a:p>
@@ -2955,7 +2955,7 @@
           <a:p>
             <a:fld id="{0A365773-F025-47F9-AD04-098374D9E590}" type="datetimeFigureOut">
               <a:rPr lang="en-GB" smtClean="0"/>
-              <a:t>08/01/2019</a:t>
+              <a:t>09/01/2019</a:t>
             </a:fld>
             <a:endParaRPr lang="en-GB"/>
           </a:p>
@@ -3135,7 +3135,7 @@
           <a:p>
             <a:fld id="{0A365773-F025-47F9-AD04-098374D9E590}" type="datetimeFigureOut">
               <a:rPr lang="en-GB" smtClean="0"/>
-              <a:t>08/01/2019</a:t>
+              <a:t>09/01/2019</a:t>
             </a:fld>
             <a:endParaRPr lang="en-GB"/>
           </a:p>
@@ -3305,7 +3305,7 @@
           <a:p>
             <a:fld id="{0A365773-F025-47F9-AD04-098374D9E590}" type="datetimeFigureOut">
               <a:rPr lang="en-GB" smtClean="0"/>
-              <a:t>08/01/2019</a:t>
+              <a:t>09/01/2019</a:t>
             </a:fld>
             <a:endParaRPr lang="en-GB"/>
           </a:p>
@@ -3556,7 +3556,7 @@
           <a:p>
             <a:fld id="{0A365773-F025-47F9-AD04-098374D9E590}" type="datetimeFigureOut">
               <a:rPr lang="en-GB" smtClean="0"/>
-              <a:t>08/01/2019</a:t>
+              <a:t>09/01/2019</a:t>
             </a:fld>
             <a:endParaRPr lang="en-GB"/>
           </a:p>
@@ -3853,7 +3853,7 @@
           <a:p>
             <a:fld id="{0A365773-F025-47F9-AD04-098374D9E590}" type="datetimeFigureOut">
               <a:rPr lang="en-GB" smtClean="0"/>
-              <a:t>08/01/2019</a:t>
+              <a:t>09/01/2019</a:t>
             </a:fld>
             <a:endParaRPr lang="en-GB"/>
           </a:p>
@@ -4295,7 +4295,7 @@
           <a:p>
             <a:fld id="{0A365773-F025-47F9-AD04-098374D9E590}" type="datetimeFigureOut">
               <a:rPr lang="en-GB" smtClean="0"/>
-              <a:t>08/01/2019</a:t>
+              <a:t>09/01/2019</a:t>
             </a:fld>
             <a:endParaRPr lang="en-GB"/>
           </a:p>
@@ -4413,7 +4413,7 @@
           <a:p>
             <a:fld id="{0A365773-F025-47F9-AD04-098374D9E590}" type="datetimeFigureOut">
               <a:rPr lang="en-GB" smtClean="0"/>
-              <a:t>08/01/2019</a:t>
+              <a:t>09/01/2019</a:t>
             </a:fld>
             <a:endParaRPr lang="en-GB"/>
           </a:p>
@@ -4508,7 +4508,7 @@
           <a:p>
             <a:fld id="{0A365773-F025-47F9-AD04-098374D9E590}" type="datetimeFigureOut">
               <a:rPr lang="en-GB" smtClean="0"/>
-              <a:t>08/01/2019</a:t>
+              <a:t>09/01/2019</a:t>
             </a:fld>
             <a:endParaRPr lang="en-GB"/>
           </a:p>
@@ -4791,7 +4791,7 @@
           <a:p>
             <a:fld id="{0A365773-F025-47F9-AD04-098374D9E590}" type="datetimeFigureOut">
               <a:rPr lang="en-GB" smtClean="0"/>
-              <a:t>08/01/2019</a:t>
+              <a:t>09/01/2019</a:t>
             </a:fld>
             <a:endParaRPr lang="en-GB"/>
           </a:p>
@@ -5082,7 +5082,7 @@
           <a:p>
             <a:fld id="{0A365773-F025-47F9-AD04-098374D9E590}" type="datetimeFigureOut">
               <a:rPr lang="en-GB" smtClean="0"/>
-              <a:t>08/01/2019</a:t>
+              <a:t>09/01/2019</a:t>
             </a:fld>
             <a:endParaRPr lang="en-GB"/>
           </a:p>
@@ -5612,7 +5612,7 @@
           <a:p>
             <a:fld id="{0A365773-F025-47F9-AD04-098374D9E590}" type="datetimeFigureOut">
               <a:rPr lang="en-GB" smtClean="0"/>
-              <a:t>08/01/2019</a:t>
+              <a:t>09/01/2019</a:t>
             </a:fld>
             <a:endParaRPr lang="en-GB"/>
           </a:p>
@@ -6573,7 +6573,7 @@
             <a:pPr algn="ctr"/>
             <a:r>
               <a:rPr lang="en-GB" sz="7200" dirty="0"/>
-              <a:t>Ai For Games: </a:t>
+              <a:t>AI For Games: </a:t>
             </a:r>
             <a:br>
               <a:rPr lang="en-GB" sz="7200" dirty="0"/>
@@ -6668,7 +6668,7 @@
           <a:p>
             <a:r>
               <a:rPr lang="en-GB" dirty="0"/>
-              <a:t>Ai are never challenging enough, either far too easy or depressingly strong</a:t>
+              <a:t>AI are never challenging enough, either far too easy or depressingly strong</a:t>
             </a:r>
           </a:p>
           <a:p>
@@ -6687,7 +6687,7 @@
             <a:pPr lvl="1"/>
             <a:r>
               <a:rPr lang="en-GB" dirty="0"/>
-              <a:t>Creating an evaluation function for this game is difficult so heuristic based ai (such as </a:t>
+              <a:t>Creating an evaluation function for this game is difficult so heuristic based AI (such as </a:t>
             </a:r>
             <a:r>
               <a:rPr lang="en-GB" dirty="0" err="1"/>
@@ -8967,7 +8967,7 @@
           <a:p>
             <a:r>
               <a:rPr lang="en-GB" dirty="0"/>
-              <a:t>Random Ai</a:t>
+              <a:t>Random AI</a:t>
             </a:r>
           </a:p>
           <a:p>
@@ -8981,7 +8981,7 @@
             <a:pPr lvl="1"/>
             <a:r>
               <a:rPr lang="en-GB" dirty="0"/>
-              <a:t>Intended to be easiest Ai opponent</a:t>
+              <a:t>Intended to be easiest AI opponent</a:t>
             </a:r>
           </a:p>
           <a:p>
@@ -9007,7 +9007,7 @@
           <a:p>
             <a:r>
               <a:rPr lang="en-GB" dirty="0"/>
-              <a:t>MCTS Ai</a:t>
+              <a:t>MCTS AI</a:t>
             </a:r>
           </a:p>
           <a:p>
@@ -9129,9 +9129,16 @@
             <p:ph idx="1"/>
           </p:nvPr>
         </p:nvSpPr>
-        <p:spPr/>
-        <p:txBody>
-          <a:bodyPr/>
+        <p:spPr>
+          <a:xfrm>
+            <a:off x="1484310" y="2639290"/>
+            <a:ext cx="10707690" cy="4218710"/>
+          </a:xfrm>
+        </p:spPr>
+        <p:txBody>
+          <a:bodyPr>
+            <a:normAutofit/>
+          </a:bodyPr>
           <a:lstStyle/>
           <a:p>
             <a:r>
@@ -9143,7 +9150,7 @@
             <a:pPr lvl="1"/>
             <a:r>
               <a:rPr lang="en-GB" dirty="0"/>
-              <a:t>Through play through sessions</a:t>
+              <a:t>Play through sessions</a:t>
             </a:r>
           </a:p>
           <a:p>
@@ -9152,6 +9159,38 @@
               <a:rPr lang="en-GB" dirty="0"/>
               <a:t>Or online questionnaire after games</a:t>
             </a:r>
+          </a:p>
+          <a:p>
+            <a:r>
+              <a:rPr lang="en-GB" dirty="0"/>
+              <a:t>Experiments</a:t>
+            </a:r>
+          </a:p>
+          <a:p>
+            <a:pPr lvl="1"/>
+            <a:r>
+              <a:rPr lang="en-GB" dirty="0"/>
+              <a:t>Measure player performance (How often they pick the best move, second best etc) let them play a couple games against an AI then measure performance</a:t>
+            </a:r>
+          </a:p>
+          <a:p>
+            <a:pPr lvl="1"/>
+            <a:r>
+              <a:rPr lang="en-GB" dirty="0"/>
+              <a:t>Have player play against an anonymous AI then a second AI and have them comment on how much they enjoyed one game compared to the other</a:t>
+            </a:r>
+          </a:p>
+          <a:p>
+            <a:pPr lvl="1"/>
+            <a:r>
+              <a:rPr lang="en-GB" dirty="0"/>
+              <a:t>Have Good Dad play other AI to measure how well it adjusts </a:t>
+            </a:r>
+            <a:r>
+              <a:rPr lang="en-GB"/>
+              <a:t>its playstyle</a:t>
+            </a:r>
+            <a:endParaRPr lang="en-GB" dirty="0"/>
           </a:p>
           <a:p>
             <a:endParaRPr lang="en-GB" dirty="0"/>

--- a/PosterDayPresentation.pptx
+++ b/PosterDayPresentation.pptx
@@ -9177,19 +9177,16 @@
             <a:pPr lvl="1"/>
             <a:r>
               <a:rPr lang="en-GB" dirty="0"/>
-              <a:t>Have player play against an anonymous AI then a second AI and have them comment on how much they enjoyed one game compared to the other</a:t>
-            </a:r>
+              <a:t>Have Player play against an anonymous AI then a second AI and have them comment on how much they enjoyed one game compared to </a:t>
+            </a:r>
+            <a:r>
+              <a:rPr lang="en-GB"/>
+              <a:t>the other</a:t>
+            </a:r>
+            <a:endParaRPr lang="en-GB" dirty="0"/>
           </a:p>
           <a:p>
             <a:pPr lvl="1"/>
-            <a:r>
-              <a:rPr lang="en-GB" dirty="0"/>
-              <a:t>Have Good Dad play other AI to measure how well it adjusts </a:t>
-            </a:r>
-            <a:r>
-              <a:rPr lang="en-GB"/>
-              <a:t>its playstyle</a:t>
-            </a:r>
             <a:endParaRPr lang="en-GB" dirty="0"/>
           </a:p>
           <a:p>

--- a/PosterDayPresentation.pptx
+++ b/PosterDayPresentation.pptx
@@ -7,11 +7,13 @@
   <p:sldIdLst>
     <p:sldId id="256" r:id="rId2"/>
     <p:sldId id="260" r:id="rId3"/>
-    <p:sldId id="262" r:id="rId4"/>
-    <p:sldId id="261" r:id="rId5"/>
-    <p:sldId id="257" r:id="rId6"/>
-    <p:sldId id="258" r:id="rId7"/>
-    <p:sldId id="259" r:id="rId8"/>
+    <p:sldId id="266" r:id="rId4"/>
+    <p:sldId id="258" r:id="rId5"/>
+    <p:sldId id="263" r:id="rId6"/>
+    <p:sldId id="264" r:id="rId7"/>
+    <p:sldId id="267" r:id="rId8"/>
+    <p:sldId id="268" r:id="rId9"/>
+    <p:sldId id="265" r:id="rId10"/>
   </p:sldIdLst>
   <p:sldSz cx="12192000" cy="6858000"/>
   <p:notesSz cx="6858000" cy="9144000"/>
@@ -116,6 +118,4933 @@
     </p:ext>
   </p:extLst>
 </p:presentation>
+</file>
+
+<file path=ppt/charts/chart1.xml><?xml version="1.0" encoding="utf-8"?>
+<c:chartSpace xmlns:c="http://schemas.openxmlformats.org/drawingml/2006/chart" xmlns:a="http://schemas.openxmlformats.org/drawingml/2006/main" xmlns:r="http://schemas.openxmlformats.org/officeDocument/2006/relationships" xmlns:c16r2="http://schemas.microsoft.com/office/drawing/2015/06/chart">
+  <c:date1904 val="0"/>
+  <c:lang val="en-US"/>
+  <c:roundedCorners val="0"/>
+  <mc:AlternateContent xmlns:mc="http://schemas.openxmlformats.org/markup-compatibility/2006">
+    <mc:Choice xmlns:c14="http://schemas.microsoft.com/office/drawing/2007/8/2/chart" Requires="c14">
+      <c14:style val="102"/>
+    </mc:Choice>
+    <mc:Fallback>
+      <c:style val="2"/>
+    </mc:Fallback>
+  </mc:AlternateContent>
+  <c:chart>
+    <c:title>
+      <c:tx>
+        <c:rich>
+          <a:bodyPr rot="0" spcFirstLastPara="1" vertOverflow="ellipsis" vert="horz" wrap="square" anchor="ctr" anchorCtr="1"/>
+          <a:lstStyle/>
+          <a:p>
+            <a:pPr>
+              <a:defRPr sz="1400" b="0" i="0" u="none" strike="noStrike" kern="1200" spc="0" baseline="0">
+                <a:solidFill>
+                  <a:schemeClr val="tx1">
+                    <a:lumMod val="65000"/>
+                    <a:lumOff val="35000"/>
+                  </a:schemeClr>
+                </a:solidFill>
+                <a:latin typeface="+mn-lt"/>
+                <a:ea typeface="+mn-ea"/>
+                <a:cs typeface="+mn-cs"/>
+              </a:defRPr>
+            </a:pPr>
+            <a:r>
+              <a:rPr lang="en-GB"/>
+              <a:t>MCTS</a:t>
+            </a:r>
+            <a:r>
+              <a:rPr lang="en-GB" baseline="0"/>
+              <a:t> vs Good dad</a:t>
+            </a:r>
+            <a:endParaRPr lang="en-GB"/>
+          </a:p>
+        </c:rich>
+      </c:tx>
+      <c:overlay val="0"/>
+      <c:spPr>
+        <a:noFill/>
+        <a:ln>
+          <a:noFill/>
+        </a:ln>
+        <a:effectLst/>
+      </c:spPr>
+      <c:txPr>
+        <a:bodyPr rot="0" spcFirstLastPara="1" vertOverflow="ellipsis" vert="horz" wrap="square" anchor="ctr" anchorCtr="1"/>
+        <a:lstStyle/>
+        <a:p>
+          <a:pPr>
+            <a:defRPr sz="1400" b="0" i="0" u="none" strike="noStrike" kern="1200" spc="0" baseline="0">
+              <a:solidFill>
+                <a:schemeClr val="tx1">
+                  <a:lumMod val="65000"/>
+                  <a:lumOff val="35000"/>
+                </a:schemeClr>
+              </a:solidFill>
+              <a:latin typeface="+mn-lt"/>
+              <a:ea typeface="+mn-ea"/>
+              <a:cs typeface="+mn-cs"/>
+            </a:defRPr>
+          </a:pPr>
+          <a:endParaRPr lang="en-US"/>
+        </a:p>
+      </c:txPr>
+    </c:title>
+    <c:autoTitleDeleted val="0"/>
+    <c:plotArea>
+      <c:layout/>
+      <c:lineChart>
+        <c:grouping val="standard"/>
+        <c:varyColors val="0"/>
+        <c:ser>
+          <c:idx val="0"/>
+          <c:order val="0"/>
+          <c:tx>
+            <c:strRef>
+              <c:f>'Good dad 80-20 vs MCTS'!$ES$2</c:f>
+              <c:strCache>
+                <c:ptCount val="1"/>
+                <c:pt idx="0">
+                  <c:v>Good dad</c:v>
+                </c:pt>
+              </c:strCache>
+            </c:strRef>
+          </c:tx>
+          <c:spPr>
+            <a:ln w="28575" cap="rnd">
+              <a:solidFill>
+                <a:schemeClr val="accent1"/>
+              </a:solidFill>
+              <a:round/>
+            </a:ln>
+            <a:effectLst/>
+          </c:spPr>
+          <c:marker>
+            <c:symbol val="none"/>
+          </c:marker>
+          <c:val>
+            <c:numRef>
+              <c:f>'Good dad 80-20 vs MCTS'!$ES$3:$ES$26</c:f>
+              <c:numCache>
+                <c:formatCode>General</c:formatCode>
+                <c:ptCount val="24"/>
+                <c:pt idx="0">
+                  <c:v>0.35135135135135098</c:v>
+                </c:pt>
+                <c:pt idx="1">
+                  <c:v>0.123123123123123</c:v>
+                </c:pt>
+                <c:pt idx="2">
+                  <c:v>0.11111111111111099</c:v>
+                </c:pt>
+                <c:pt idx="3">
+                  <c:v>9.8130841121495296E-2</c:v>
+                </c:pt>
+                <c:pt idx="4">
+                  <c:v>0.12266666666666599</c:v>
+                </c:pt>
+                <c:pt idx="5">
+                  <c:v>0.16167664670658599</c:v>
+                </c:pt>
+                <c:pt idx="6">
+                  <c:v>7.1999999999999995E-2</c:v>
+                </c:pt>
+                <c:pt idx="7">
+                  <c:v>8.1081081081081002E-2</c:v>
+                </c:pt>
+                <c:pt idx="8">
+                  <c:v>0.06</c:v>
+                </c:pt>
+                <c:pt idx="9">
+                  <c:v>6.5268065268065195E-2</c:v>
+                </c:pt>
+                <c:pt idx="10">
+                  <c:v>6.9930069930069904E-3</c:v>
+                </c:pt>
+                <c:pt idx="11">
+                  <c:v>8.6448598130841103E-2</c:v>
+                </c:pt>
+                <c:pt idx="12">
+                  <c:v>2.5999999999999999E-2</c:v>
+                </c:pt>
+                <c:pt idx="13">
+                  <c:v>0.104</c:v>
+                </c:pt>
+                <c:pt idx="14">
+                  <c:v>6.9930069930069904E-3</c:v>
+                </c:pt>
+                <c:pt idx="15">
+                  <c:v>8.1775700934579407E-2</c:v>
+                </c:pt>
+                <c:pt idx="16">
+                  <c:v>2.1999999999999999E-2</c:v>
+                </c:pt>
+                <c:pt idx="17">
+                  <c:v>0.05</c:v>
+                </c:pt>
+                <c:pt idx="18">
+                  <c:v>-0.18</c:v>
+                </c:pt>
+                <c:pt idx="19">
+                  <c:v>-4.1666666666666602E-2</c:v>
+                </c:pt>
+                <c:pt idx="20">
+                  <c:v>-0.16083916083916</c:v>
+                </c:pt>
+                <c:pt idx="21">
+                  <c:v>-0.110666666666666</c:v>
+                </c:pt>
+                <c:pt idx="22">
+                  <c:v>-0.151</c:v>
+                </c:pt>
+                <c:pt idx="23">
+                  <c:v>0</c:v>
+                </c:pt>
+              </c:numCache>
+            </c:numRef>
+          </c:val>
+          <c:smooth val="0"/>
+          <c:extLst>
+            <c:ext xmlns:c16="http://schemas.microsoft.com/office/drawing/2014/chart" uri="{C3380CC4-5D6E-409C-BE32-E72D297353CC}">
+              <c16:uniqueId val="{00000000-FFA7-49ED-AE64-754E47AA1595}"/>
+            </c:ext>
+          </c:extLst>
+        </c:ser>
+        <c:ser>
+          <c:idx val="1"/>
+          <c:order val="1"/>
+          <c:tx>
+            <c:strRef>
+              <c:f>'Good dad 80-20 vs MCTS'!$ET$2</c:f>
+              <c:strCache>
+                <c:ptCount val="1"/>
+                <c:pt idx="0">
+                  <c:v>MCTS</c:v>
+                </c:pt>
+              </c:strCache>
+            </c:strRef>
+          </c:tx>
+          <c:spPr>
+            <a:ln w="28575" cap="rnd">
+              <a:solidFill>
+                <a:schemeClr val="accent2"/>
+              </a:solidFill>
+              <a:round/>
+            </a:ln>
+            <a:effectLst/>
+          </c:spPr>
+          <c:marker>
+            <c:symbol val="none"/>
+          </c:marker>
+          <c:val>
+            <c:numRef>
+              <c:f>'Good dad 80-20 vs MCTS'!$ET$3:$ET$26</c:f>
+              <c:numCache>
+                <c:formatCode>General</c:formatCode>
+                <c:ptCount val="24"/>
+                <c:pt idx="0">
+                  <c:v>3.0030030030029999E-2</c:v>
+                </c:pt>
+                <c:pt idx="1">
+                  <c:v>6.2874251497005901E-2</c:v>
+                </c:pt>
+                <c:pt idx="2">
+                  <c:v>0.04</c:v>
+                </c:pt>
+                <c:pt idx="3">
+                  <c:v>-3.0030030030029999E-3</c:v>
+                </c:pt>
+                <c:pt idx="4">
+                  <c:v>4.8000000000000001E-2</c:v>
+                </c:pt>
+                <c:pt idx="5">
+                  <c:v>4.4910179640718501E-2</c:v>
+                </c:pt>
+                <c:pt idx="6">
+                  <c:v>9.3457943925233603E-3</c:v>
+                </c:pt>
+                <c:pt idx="7">
+                  <c:v>-1.8666666666666599E-2</c:v>
+                </c:pt>
+                <c:pt idx="8">
+                  <c:v>5.6000000000000001E-2</c:v>
+                </c:pt>
+                <c:pt idx="9">
+                  <c:v>4.5333333333333302E-2</c:v>
+                </c:pt>
+                <c:pt idx="10">
+                  <c:v>0.16</c:v>
+                </c:pt>
+                <c:pt idx="11">
+                  <c:v>3.5999999999999997E-2</c:v>
+                </c:pt>
+                <c:pt idx="12">
+                  <c:v>7.9439252336448593E-2</c:v>
+                </c:pt>
+                <c:pt idx="13">
+                  <c:v>6.8000000000000005E-2</c:v>
+                </c:pt>
+                <c:pt idx="14">
+                  <c:v>0.112</c:v>
+                </c:pt>
+                <c:pt idx="15">
+                  <c:v>7.5999999999999998E-2</c:v>
+                </c:pt>
+                <c:pt idx="16">
+                  <c:v>5.3333333333333302E-2</c:v>
+                </c:pt>
+                <c:pt idx="17">
+                  <c:v>0.43209876543209802</c:v>
+                </c:pt>
+                <c:pt idx="18">
+                  <c:v>0.30933333333333302</c:v>
+                </c:pt>
+                <c:pt idx="19">
+                  <c:v>0.36666666666666597</c:v>
+                </c:pt>
+                <c:pt idx="20">
+                  <c:v>0.19400000000000001</c:v>
+                </c:pt>
+                <c:pt idx="21">
+                  <c:v>0.181666666666666</c:v>
+                </c:pt>
+                <c:pt idx="22">
+                  <c:v>0.49</c:v>
+                </c:pt>
+              </c:numCache>
+            </c:numRef>
+          </c:val>
+          <c:smooth val="0"/>
+          <c:extLst>
+            <c:ext xmlns:c16="http://schemas.microsoft.com/office/drawing/2014/chart" uri="{C3380CC4-5D6E-409C-BE32-E72D297353CC}">
+              <c16:uniqueId val="{00000001-FFA7-49ED-AE64-754E47AA1595}"/>
+            </c:ext>
+          </c:extLst>
+        </c:ser>
+        <c:dLbls>
+          <c:showLegendKey val="0"/>
+          <c:showVal val="0"/>
+          <c:showCatName val="0"/>
+          <c:showSerName val="0"/>
+          <c:showPercent val="0"/>
+          <c:showBubbleSize val="0"/>
+        </c:dLbls>
+        <c:smooth val="0"/>
+        <c:axId val="794242480"/>
+        <c:axId val="794236248"/>
+      </c:lineChart>
+      <c:catAx>
+        <c:axId val="794242480"/>
+        <c:scaling>
+          <c:orientation val="minMax"/>
+        </c:scaling>
+        <c:delete val="0"/>
+        <c:axPos val="b"/>
+        <c:title>
+          <c:tx>
+            <c:rich>
+              <a:bodyPr rot="0" spcFirstLastPara="1" vertOverflow="ellipsis" vert="horz" wrap="square" anchor="ctr" anchorCtr="1"/>
+              <a:lstStyle/>
+              <a:p>
+                <a:pPr>
+                  <a:defRPr sz="1000" b="0" i="0" u="none" strike="noStrike" kern="1200" baseline="0">
+                    <a:solidFill>
+                      <a:schemeClr val="tx1">
+                        <a:lumMod val="65000"/>
+                        <a:lumOff val="35000"/>
+                      </a:schemeClr>
+                    </a:solidFill>
+                    <a:latin typeface="+mn-lt"/>
+                    <a:ea typeface="+mn-ea"/>
+                    <a:cs typeface="+mn-cs"/>
+                  </a:defRPr>
+                </a:pPr>
+                <a:r>
+                  <a:rPr lang="en-GB" dirty="0"/>
+                  <a:t>Move</a:t>
+                </a:r>
+                <a:r>
+                  <a:rPr lang="en-GB" baseline="0" dirty="0"/>
+                  <a:t> number</a:t>
+                </a:r>
+              </a:p>
+            </c:rich>
+          </c:tx>
+          <c:overlay val="0"/>
+          <c:spPr>
+            <a:noFill/>
+            <a:ln>
+              <a:noFill/>
+            </a:ln>
+            <a:effectLst/>
+          </c:spPr>
+          <c:txPr>
+            <a:bodyPr rot="0" spcFirstLastPara="1" vertOverflow="ellipsis" vert="horz" wrap="square" anchor="ctr" anchorCtr="1"/>
+            <a:lstStyle/>
+            <a:p>
+              <a:pPr>
+                <a:defRPr sz="1000" b="0" i="0" u="none" strike="noStrike" kern="1200" baseline="0">
+                  <a:solidFill>
+                    <a:schemeClr val="tx1">
+                      <a:lumMod val="65000"/>
+                      <a:lumOff val="35000"/>
+                    </a:schemeClr>
+                  </a:solidFill>
+                  <a:latin typeface="+mn-lt"/>
+                  <a:ea typeface="+mn-ea"/>
+                  <a:cs typeface="+mn-cs"/>
+                </a:defRPr>
+              </a:pPr>
+              <a:endParaRPr lang="en-US"/>
+            </a:p>
+          </c:txPr>
+        </c:title>
+        <c:majorTickMark val="none"/>
+        <c:minorTickMark val="none"/>
+        <c:tickLblPos val="nextTo"/>
+        <c:spPr>
+          <a:noFill/>
+          <a:ln w="9525" cap="flat" cmpd="sng" algn="ctr">
+            <a:solidFill>
+              <a:schemeClr val="tx1">
+                <a:lumMod val="15000"/>
+                <a:lumOff val="85000"/>
+              </a:schemeClr>
+            </a:solidFill>
+            <a:round/>
+          </a:ln>
+          <a:effectLst/>
+        </c:spPr>
+        <c:txPr>
+          <a:bodyPr rot="-60000000" spcFirstLastPara="1" vertOverflow="ellipsis" vert="horz" wrap="square" anchor="ctr" anchorCtr="1"/>
+          <a:lstStyle/>
+          <a:p>
+            <a:pPr>
+              <a:defRPr sz="900" b="0" i="0" u="none" strike="noStrike" kern="1200" baseline="0">
+                <a:solidFill>
+                  <a:schemeClr val="tx1">
+                    <a:lumMod val="65000"/>
+                    <a:lumOff val="35000"/>
+                  </a:schemeClr>
+                </a:solidFill>
+                <a:latin typeface="+mn-lt"/>
+                <a:ea typeface="+mn-ea"/>
+                <a:cs typeface="+mn-cs"/>
+              </a:defRPr>
+            </a:pPr>
+            <a:endParaRPr lang="en-US"/>
+          </a:p>
+        </c:txPr>
+        <c:crossAx val="794236248"/>
+        <c:crosses val="autoZero"/>
+        <c:auto val="1"/>
+        <c:lblAlgn val="ctr"/>
+        <c:lblOffset val="100"/>
+        <c:noMultiLvlLbl val="0"/>
+      </c:catAx>
+      <c:valAx>
+        <c:axId val="794236248"/>
+        <c:scaling>
+          <c:orientation val="minMax"/>
+        </c:scaling>
+        <c:delete val="0"/>
+        <c:axPos val="l"/>
+        <c:majorGridlines>
+          <c:spPr>
+            <a:ln w="9525" cap="flat" cmpd="sng" algn="ctr">
+              <a:solidFill>
+                <a:schemeClr val="tx1">
+                  <a:lumMod val="15000"/>
+                  <a:lumOff val="85000"/>
+                </a:schemeClr>
+              </a:solidFill>
+              <a:round/>
+            </a:ln>
+            <a:effectLst/>
+          </c:spPr>
+        </c:majorGridlines>
+        <c:title>
+          <c:tx>
+            <c:rich>
+              <a:bodyPr rot="-5400000" spcFirstLastPara="1" vertOverflow="ellipsis" vert="horz" wrap="square" anchor="ctr" anchorCtr="1"/>
+              <a:lstStyle/>
+              <a:p>
+                <a:pPr>
+                  <a:defRPr sz="1000" b="0" i="0" u="none" strike="noStrike" kern="1200" baseline="0">
+                    <a:solidFill>
+                      <a:schemeClr val="tx1">
+                        <a:lumMod val="65000"/>
+                        <a:lumOff val="35000"/>
+                      </a:schemeClr>
+                    </a:solidFill>
+                    <a:latin typeface="+mn-lt"/>
+                    <a:ea typeface="+mn-ea"/>
+                    <a:cs typeface="+mn-cs"/>
+                  </a:defRPr>
+                </a:pPr>
+                <a:r>
+                  <a:rPr lang="en-GB" dirty="0"/>
+                  <a:t>Reward</a:t>
+                </a:r>
+              </a:p>
+            </c:rich>
+          </c:tx>
+          <c:overlay val="0"/>
+          <c:spPr>
+            <a:noFill/>
+            <a:ln>
+              <a:noFill/>
+            </a:ln>
+            <a:effectLst/>
+          </c:spPr>
+          <c:txPr>
+            <a:bodyPr rot="-5400000" spcFirstLastPara="1" vertOverflow="ellipsis" vert="horz" wrap="square" anchor="ctr" anchorCtr="1"/>
+            <a:lstStyle/>
+            <a:p>
+              <a:pPr>
+                <a:defRPr sz="1000" b="0" i="0" u="none" strike="noStrike" kern="1200" baseline="0">
+                  <a:solidFill>
+                    <a:schemeClr val="tx1">
+                      <a:lumMod val="65000"/>
+                      <a:lumOff val="35000"/>
+                    </a:schemeClr>
+                  </a:solidFill>
+                  <a:latin typeface="+mn-lt"/>
+                  <a:ea typeface="+mn-ea"/>
+                  <a:cs typeface="+mn-cs"/>
+                </a:defRPr>
+              </a:pPr>
+              <a:endParaRPr lang="en-US"/>
+            </a:p>
+          </c:txPr>
+        </c:title>
+        <c:numFmt formatCode="General" sourceLinked="1"/>
+        <c:majorTickMark val="none"/>
+        <c:minorTickMark val="none"/>
+        <c:tickLblPos val="nextTo"/>
+        <c:spPr>
+          <a:noFill/>
+          <a:ln>
+            <a:noFill/>
+          </a:ln>
+          <a:effectLst/>
+        </c:spPr>
+        <c:txPr>
+          <a:bodyPr rot="-60000000" spcFirstLastPara="1" vertOverflow="ellipsis" vert="horz" wrap="square" anchor="ctr" anchorCtr="1"/>
+          <a:lstStyle/>
+          <a:p>
+            <a:pPr>
+              <a:defRPr sz="900" b="0" i="0" u="none" strike="noStrike" kern="1200" baseline="0">
+                <a:solidFill>
+                  <a:schemeClr val="tx1">
+                    <a:lumMod val="65000"/>
+                    <a:lumOff val="35000"/>
+                  </a:schemeClr>
+                </a:solidFill>
+                <a:latin typeface="+mn-lt"/>
+                <a:ea typeface="+mn-ea"/>
+                <a:cs typeface="+mn-cs"/>
+              </a:defRPr>
+            </a:pPr>
+            <a:endParaRPr lang="en-US"/>
+          </a:p>
+        </c:txPr>
+        <c:crossAx val="794242480"/>
+        <c:crosses val="autoZero"/>
+        <c:crossBetween val="between"/>
+      </c:valAx>
+      <c:spPr>
+        <a:noFill/>
+        <a:ln>
+          <a:noFill/>
+        </a:ln>
+        <a:effectLst/>
+      </c:spPr>
+    </c:plotArea>
+    <c:legend>
+      <c:legendPos val="b"/>
+      <c:overlay val="0"/>
+      <c:spPr>
+        <a:noFill/>
+        <a:ln>
+          <a:noFill/>
+        </a:ln>
+        <a:effectLst/>
+      </c:spPr>
+      <c:txPr>
+        <a:bodyPr rot="0" spcFirstLastPara="1" vertOverflow="ellipsis" vert="horz" wrap="square" anchor="ctr" anchorCtr="1"/>
+        <a:lstStyle/>
+        <a:p>
+          <a:pPr>
+            <a:defRPr sz="900" b="0" i="0" u="none" strike="noStrike" kern="1200" baseline="0">
+              <a:solidFill>
+                <a:schemeClr val="tx1">
+                  <a:lumMod val="65000"/>
+                  <a:lumOff val="35000"/>
+                </a:schemeClr>
+              </a:solidFill>
+              <a:latin typeface="+mn-lt"/>
+              <a:ea typeface="+mn-ea"/>
+              <a:cs typeface="+mn-cs"/>
+            </a:defRPr>
+          </a:pPr>
+          <a:endParaRPr lang="en-US"/>
+        </a:p>
+      </c:txPr>
+    </c:legend>
+    <c:plotVisOnly val="1"/>
+    <c:dispBlanksAs val="gap"/>
+    <c:extLst>
+      <c:ext xmlns:c16r3="http://schemas.microsoft.com/office/drawing/2017/03/chart" uri="{56B9EC1D-385E-4148-901F-78D8002777C0}">
+        <c16r3:dataDisplayOptions16>
+          <c16r3:dispNaAsBlank val="1"/>
+        </c16r3:dataDisplayOptions16>
+      </c:ext>
+    </c:extLst>
+    <c:showDLblsOverMax val="0"/>
+  </c:chart>
+  <c:spPr>
+    <a:noFill/>
+    <a:ln>
+      <a:noFill/>
+    </a:ln>
+    <a:effectLst/>
+  </c:spPr>
+  <c:txPr>
+    <a:bodyPr/>
+    <a:lstStyle/>
+    <a:p>
+      <a:pPr>
+        <a:defRPr/>
+      </a:pPr>
+      <a:endParaRPr lang="en-US"/>
+    </a:p>
+  </c:txPr>
+  <c:externalData r:id="rId3">
+    <c:autoUpdate val="0"/>
+  </c:externalData>
+</c:chartSpace>
+</file>
+
+<file path=ppt/charts/chart2.xml><?xml version="1.0" encoding="utf-8"?>
+<c:chartSpace xmlns:c="http://schemas.openxmlformats.org/drawingml/2006/chart" xmlns:a="http://schemas.openxmlformats.org/drawingml/2006/main" xmlns:r="http://schemas.openxmlformats.org/officeDocument/2006/relationships" xmlns:c16r2="http://schemas.microsoft.com/office/drawing/2015/06/chart">
+  <c:date1904 val="0"/>
+  <c:lang val="en-US"/>
+  <c:roundedCorners val="0"/>
+  <mc:AlternateContent xmlns:mc="http://schemas.openxmlformats.org/markup-compatibility/2006">
+    <mc:Choice xmlns:c14="http://schemas.microsoft.com/office/drawing/2007/8/2/chart" Requires="c14">
+      <c14:style val="102"/>
+    </mc:Choice>
+    <mc:Fallback>
+      <c:style val="2"/>
+    </mc:Fallback>
+  </mc:AlternateContent>
+  <c:chart>
+    <c:title>
+      <c:tx>
+        <c:rich>
+          <a:bodyPr rot="0" spcFirstLastPara="1" vertOverflow="ellipsis" vert="horz" wrap="square" anchor="ctr" anchorCtr="1"/>
+          <a:lstStyle/>
+          <a:p>
+            <a:pPr>
+              <a:defRPr sz="1400" b="0" i="0" u="none" strike="noStrike" kern="1200" spc="0" baseline="0">
+                <a:solidFill>
+                  <a:schemeClr val="tx1">
+                    <a:lumMod val="65000"/>
+                    <a:lumOff val="35000"/>
+                  </a:schemeClr>
+                </a:solidFill>
+                <a:latin typeface="+mn-lt"/>
+                <a:ea typeface="+mn-ea"/>
+                <a:cs typeface="+mn-cs"/>
+              </a:defRPr>
+            </a:pPr>
+            <a:r>
+              <a:rPr lang="en-GB"/>
+              <a:t>Good</a:t>
+            </a:r>
+            <a:r>
+              <a:rPr lang="en-GB" baseline="0"/>
+              <a:t> dad v2 vs MCTS</a:t>
+            </a:r>
+            <a:endParaRPr lang="en-GB"/>
+          </a:p>
+        </c:rich>
+      </c:tx>
+      <c:overlay val="0"/>
+      <c:spPr>
+        <a:noFill/>
+        <a:ln>
+          <a:noFill/>
+        </a:ln>
+        <a:effectLst/>
+      </c:spPr>
+      <c:txPr>
+        <a:bodyPr rot="0" spcFirstLastPara="1" vertOverflow="ellipsis" vert="horz" wrap="square" anchor="ctr" anchorCtr="1"/>
+        <a:lstStyle/>
+        <a:p>
+          <a:pPr>
+            <a:defRPr sz="1400" b="0" i="0" u="none" strike="noStrike" kern="1200" spc="0" baseline="0">
+              <a:solidFill>
+                <a:schemeClr val="tx1">
+                  <a:lumMod val="65000"/>
+                  <a:lumOff val="35000"/>
+                </a:schemeClr>
+              </a:solidFill>
+              <a:latin typeface="+mn-lt"/>
+              <a:ea typeface="+mn-ea"/>
+              <a:cs typeface="+mn-cs"/>
+            </a:defRPr>
+          </a:pPr>
+          <a:endParaRPr lang="en-US"/>
+        </a:p>
+      </c:txPr>
+    </c:title>
+    <c:autoTitleDeleted val="0"/>
+    <c:plotArea>
+      <c:layout/>
+      <c:pieChart>
+        <c:varyColors val="1"/>
+        <c:ser>
+          <c:idx val="0"/>
+          <c:order val="0"/>
+          <c:dPt>
+            <c:idx val="0"/>
+            <c:bubble3D val="0"/>
+            <c:spPr>
+              <a:solidFill>
+                <a:schemeClr val="accent1"/>
+              </a:solidFill>
+              <a:ln w="19050">
+                <a:solidFill>
+                  <a:schemeClr val="lt1"/>
+                </a:solidFill>
+              </a:ln>
+              <a:effectLst/>
+            </c:spPr>
+            <c:extLst>
+              <c:ext xmlns:c16="http://schemas.microsoft.com/office/drawing/2014/chart" uri="{C3380CC4-5D6E-409C-BE32-E72D297353CC}">
+                <c16:uniqueId val="{00000001-84B9-4BD9-A850-44FBBB87E466}"/>
+              </c:ext>
+            </c:extLst>
+          </c:dPt>
+          <c:dPt>
+            <c:idx val="1"/>
+            <c:bubble3D val="0"/>
+            <c:spPr>
+              <a:solidFill>
+                <a:schemeClr val="accent2"/>
+              </a:solidFill>
+              <a:ln w="19050">
+                <a:solidFill>
+                  <a:schemeClr val="lt1"/>
+                </a:solidFill>
+              </a:ln>
+              <a:effectLst/>
+            </c:spPr>
+            <c:extLst>
+              <c:ext xmlns:c16="http://schemas.microsoft.com/office/drawing/2014/chart" uri="{C3380CC4-5D6E-409C-BE32-E72D297353CC}">
+                <c16:uniqueId val="{00000003-84B9-4BD9-A850-44FBBB87E466}"/>
+              </c:ext>
+            </c:extLst>
+          </c:dPt>
+          <c:dPt>
+            <c:idx val="2"/>
+            <c:bubble3D val="0"/>
+            <c:spPr>
+              <a:solidFill>
+                <a:schemeClr val="accent3"/>
+              </a:solidFill>
+              <a:ln w="19050">
+                <a:solidFill>
+                  <a:schemeClr val="lt1"/>
+                </a:solidFill>
+              </a:ln>
+              <a:effectLst/>
+            </c:spPr>
+            <c:extLst>
+              <c:ext xmlns:c16="http://schemas.microsoft.com/office/drawing/2014/chart" uri="{C3380CC4-5D6E-409C-BE32-E72D297353CC}">
+                <c16:uniqueId val="{00000005-84B9-4BD9-A850-44FBBB87E466}"/>
+              </c:ext>
+            </c:extLst>
+          </c:dPt>
+          <c:dLbls>
+            <c:spPr>
+              <a:noFill/>
+              <a:ln>
+                <a:noFill/>
+              </a:ln>
+              <a:effectLst/>
+            </c:spPr>
+            <c:txPr>
+              <a:bodyPr rot="0" spcFirstLastPara="1" vertOverflow="ellipsis" vert="horz" wrap="square" lIns="38100" tIns="19050" rIns="38100" bIns="19050" anchor="ctr" anchorCtr="1">
+                <a:spAutoFit/>
+              </a:bodyPr>
+              <a:lstStyle/>
+              <a:p>
+                <a:pPr>
+                  <a:defRPr sz="900" b="0" i="0" u="none" strike="noStrike" kern="1200" baseline="0">
+                    <a:solidFill>
+                      <a:schemeClr val="tx1">
+                        <a:lumMod val="75000"/>
+                        <a:lumOff val="25000"/>
+                      </a:schemeClr>
+                    </a:solidFill>
+                    <a:latin typeface="+mn-lt"/>
+                    <a:ea typeface="+mn-ea"/>
+                    <a:cs typeface="+mn-cs"/>
+                  </a:defRPr>
+                </a:pPr>
+                <a:endParaRPr lang="en-US"/>
+              </a:p>
+            </c:txPr>
+            <c:dLblPos val="bestFit"/>
+            <c:showLegendKey val="0"/>
+            <c:showVal val="1"/>
+            <c:showCatName val="0"/>
+            <c:showSerName val="0"/>
+            <c:showPercent val="0"/>
+            <c:showBubbleSize val="0"/>
+            <c:showLeaderLines val="1"/>
+            <c:leaderLines>
+              <c:spPr>
+                <a:ln w="9525" cap="flat" cmpd="sng" algn="ctr">
+                  <a:solidFill>
+                    <a:schemeClr val="tx1">
+                      <a:lumMod val="35000"/>
+                      <a:lumOff val="65000"/>
+                    </a:schemeClr>
+                  </a:solidFill>
+                  <a:round/>
+                </a:ln>
+                <a:effectLst/>
+              </c:spPr>
+            </c:leaderLines>
+            <c:extLst>
+              <c:ext xmlns:c15="http://schemas.microsoft.com/office/drawing/2012/chart" uri="{CE6537A1-D6FC-4f65-9D91-7224C49458BB}"/>
+            </c:extLst>
+          </c:dLbls>
+          <c:cat>
+            <c:strRef>
+              <c:f>'Good dad v2 vs MCTS Games'!$F$4:$F$6</c:f>
+              <c:strCache>
+                <c:ptCount val="3"/>
+                <c:pt idx="0">
+                  <c:v>MCTS wins</c:v>
+                </c:pt>
+                <c:pt idx="1">
+                  <c:v>Good dad wins</c:v>
+                </c:pt>
+                <c:pt idx="2">
+                  <c:v>draw</c:v>
+                </c:pt>
+              </c:strCache>
+            </c:strRef>
+          </c:cat>
+          <c:val>
+            <c:numRef>
+              <c:f>'Good dad v2 vs MCTS Games'!$G$4:$G$6</c:f>
+              <c:numCache>
+                <c:formatCode>General</c:formatCode>
+                <c:ptCount val="3"/>
+                <c:pt idx="0">
+                  <c:v>22</c:v>
+                </c:pt>
+                <c:pt idx="1">
+                  <c:v>24</c:v>
+                </c:pt>
+                <c:pt idx="2">
+                  <c:v>4</c:v>
+                </c:pt>
+              </c:numCache>
+            </c:numRef>
+          </c:val>
+          <c:extLst>
+            <c:ext xmlns:c16="http://schemas.microsoft.com/office/drawing/2014/chart" uri="{C3380CC4-5D6E-409C-BE32-E72D297353CC}">
+              <c16:uniqueId val="{00000006-84B9-4BD9-A850-44FBBB87E466}"/>
+            </c:ext>
+          </c:extLst>
+        </c:ser>
+        <c:dLbls>
+          <c:dLblPos val="bestFit"/>
+          <c:showLegendKey val="0"/>
+          <c:showVal val="1"/>
+          <c:showCatName val="0"/>
+          <c:showSerName val="0"/>
+          <c:showPercent val="0"/>
+          <c:showBubbleSize val="0"/>
+          <c:showLeaderLines val="1"/>
+        </c:dLbls>
+        <c:firstSliceAng val="0"/>
+      </c:pieChart>
+      <c:spPr>
+        <a:noFill/>
+        <a:ln>
+          <a:noFill/>
+        </a:ln>
+        <a:effectLst/>
+      </c:spPr>
+    </c:plotArea>
+    <c:legend>
+      <c:legendPos val="b"/>
+      <c:overlay val="0"/>
+      <c:spPr>
+        <a:noFill/>
+        <a:ln>
+          <a:noFill/>
+        </a:ln>
+        <a:effectLst/>
+      </c:spPr>
+      <c:txPr>
+        <a:bodyPr rot="0" spcFirstLastPara="1" vertOverflow="ellipsis" vert="horz" wrap="square" anchor="ctr" anchorCtr="1"/>
+        <a:lstStyle/>
+        <a:p>
+          <a:pPr>
+            <a:defRPr sz="900" b="0" i="0" u="none" strike="noStrike" kern="1200" baseline="0">
+              <a:solidFill>
+                <a:schemeClr val="tx1">
+                  <a:lumMod val="65000"/>
+                  <a:lumOff val="35000"/>
+                </a:schemeClr>
+              </a:solidFill>
+              <a:latin typeface="+mn-lt"/>
+              <a:ea typeface="+mn-ea"/>
+              <a:cs typeface="+mn-cs"/>
+            </a:defRPr>
+          </a:pPr>
+          <a:endParaRPr lang="en-US"/>
+        </a:p>
+      </c:txPr>
+    </c:legend>
+    <c:plotVisOnly val="1"/>
+    <c:dispBlanksAs val="gap"/>
+    <c:showDLblsOverMax val="0"/>
+  </c:chart>
+  <c:spPr>
+    <a:noFill/>
+    <a:ln>
+      <a:noFill/>
+    </a:ln>
+    <a:effectLst/>
+  </c:spPr>
+  <c:txPr>
+    <a:bodyPr/>
+    <a:lstStyle/>
+    <a:p>
+      <a:pPr>
+        <a:defRPr/>
+      </a:pPr>
+      <a:endParaRPr lang="en-US"/>
+    </a:p>
+  </c:txPr>
+  <c:externalData r:id="rId3">
+    <c:autoUpdate val="0"/>
+  </c:externalData>
+</c:chartSpace>
+</file>
+
+<file path=ppt/charts/chart3.xml><?xml version="1.0" encoding="utf-8"?>
+<c:chartSpace xmlns:c="http://schemas.openxmlformats.org/drawingml/2006/chart" xmlns:a="http://schemas.openxmlformats.org/drawingml/2006/main" xmlns:r="http://schemas.openxmlformats.org/officeDocument/2006/relationships" xmlns:c16r2="http://schemas.microsoft.com/office/drawing/2015/06/chart">
+  <c:date1904 val="0"/>
+  <c:lang val="en-US"/>
+  <c:roundedCorners val="0"/>
+  <mc:AlternateContent xmlns:mc="http://schemas.openxmlformats.org/markup-compatibility/2006">
+    <mc:Choice xmlns:c14="http://schemas.microsoft.com/office/drawing/2007/8/2/chart" Requires="c14">
+      <c14:style val="102"/>
+    </mc:Choice>
+    <mc:Fallback>
+      <c:style val="2"/>
+    </mc:Fallback>
+  </mc:AlternateContent>
+  <c:chart>
+    <c:title>
+      <c:tx>
+        <c:rich>
+          <a:bodyPr rot="0" spcFirstLastPara="1" vertOverflow="ellipsis" vert="horz" wrap="square" anchor="ctr" anchorCtr="1"/>
+          <a:lstStyle/>
+          <a:p>
+            <a:pPr>
+              <a:defRPr sz="1400" b="0" i="0" u="none" strike="noStrike" kern="1200" spc="0" baseline="0">
+                <a:solidFill>
+                  <a:schemeClr val="tx1">
+                    <a:lumMod val="65000"/>
+                    <a:lumOff val="35000"/>
+                  </a:schemeClr>
+                </a:solidFill>
+                <a:latin typeface="+mn-lt"/>
+                <a:ea typeface="+mn-ea"/>
+                <a:cs typeface="+mn-cs"/>
+              </a:defRPr>
+            </a:pPr>
+            <a:r>
+              <a:rPr lang="en-GB" dirty="0"/>
+              <a:t>Good</a:t>
+            </a:r>
+            <a:r>
+              <a:rPr lang="en-GB" baseline="0" dirty="0"/>
+              <a:t> dad v2 vs Minefield</a:t>
+            </a:r>
+          </a:p>
+        </c:rich>
+      </c:tx>
+      <c:overlay val="0"/>
+      <c:spPr>
+        <a:noFill/>
+        <a:ln>
+          <a:noFill/>
+        </a:ln>
+        <a:effectLst/>
+      </c:spPr>
+      <c:txPr>
+        <a:bodyPr rot="0" spcFirstLastPara="1" vertOverflow="ellipsis" vert="horz" wrap="square" anchor="ctr" anchorCtr="1"/>
+        <a:lstStyle/>
+        <a:p>
+          <a:pPr>
+            <a:defRPr sz="1400" b="0" i="0" u="none" strike="noStrike" kern="1200" spc="0" baseline="0">
+              <a:solidFill>
+                <a:schemeClr val="tx1">
+                  <a:lumMod val="65000"/>
+                  <a:lumOff val="35000"/>
+                </a:schemeClr>
+              </a:solidFill>
+              <a:latin typeface="+mn-lt"/>
+              <a:ea typeface="+mn-ea"/>
+              <a:cs typeface="+mn-cs"/>
+            </a:defRPr>
+          </a:pPr>
+          <a:endParaRPr lang="en-US"/>
+        </a:p>
+      </c:txPr>
+    </c:title>
+    <c:autoTitleDeleted val="0"/>
+    <c:plotArea>
+      <c:layout/>
+      <c:pieChart>
+        <c:varyColors val="1"/>
+        <c:ser>
+          <c:idx val="0"/>
+          <c:order val="0"/>
+          <c:dPt>
+            <c:idx val="0"/>
+            <c:bubble3D val="0"/>
+            <c:spPr>
+              <a:solidFill>
+                <a:schemeClr val="accent1"/>
+              </a:solidFill>
+              <a:ln w="19050">
+                <a:solidFill>
+                  <a:schemeClr val="lt1"/>
+                </a:solidFill>
+              </a:ln>
+              <a:effectLst/>
+            </c:spPr>
+            <c:extLst>
+              <c:ext xmlns:c16="http://schemas.microsoft.com/office/drawing/2014/chart" uri="{C3380CC4-5D6E-409C-BE32-E72D297353CC}">
+                <c16:uniqueId val="{00000001-03CA-4908-9E49-B8EE129C7214}"/>
+              </c:ext>
+            </c:extLst>
+          </c:dPt>
+          <c:dPt>
+            <c:idx val="1"/>
+            <c:bubble3D val="0"/>
+            <c:spPr>
+              <a:solidFill>
+                <a:schemeClr val="accent2"/>
+              </a:solidFill>
+              <a:ln w="19050">
+                <a:solidFill>
+                  <a:schemeClr val="lt1"/>
+                </a:solidFill>
+              </a:ln>
+              <a:effectLst/>
+            </c:spPr>
+            <c:extLst>
+              <c:ext xmlns:c16="http://schemas.microsoft.com/office/drawing/2014/chart" uri="{C3380CC4-5D6E-409C-BE32-E72D297353CC}">
+                <c16:uniqueId val="{00000003-03CA-4908-9E49-B8EE129C7214}"/>
+              </c:ext>
+            </c:extLst>
+          </c:dPt>
+          <c:dLbls>
+            <c:spPr>
+              <a:noFill/>
+              <a:ln>
+                <a:noFill/>
+              </a:ln>
+              <a:effectLst/>
+            </c:spPr>
+            <c:txPr>
+              <a:bodyPr rot="0" spcFirstLastPara="1" vertOverflow="ellipsis" vert="horz" wrap="square" lIns="38100" tIns="19050" rIns="38100" bIns="19050" anchor="ctr" anchorCtr="1">
+                <a:spAutoFit/>
+              </a:bodyPr>
+              <a:lstStyle/>
+              <a:p>
+                <a:pPr>
+                  <a:defRPr sz="900" b="0" i="0" u="none" strike="noStrike" kern="1200" baseline="0">
+                    <a:solidFill>
+                      <a:schemeClr val="tx1">
+                        <a:lumMod val="75000"/>
+                        <a:lumOff val="25000"/>
+                      </a:schemeClr>
+                    </a:solidFill>
+                    <a:latin typeface="+mn-lt"/>
+                    <a:ea typeface="+mn-ea"/>
+                    <a:cs typeface="+mn-cs"/>
+                  </a:defRPr>
+                </a:pPr>
+                <a:endParaRPr lang="en-US"/>
+              </a:p>
+            </c:txPr>
+            <c:dLblPos val="bestFit"/>
+            <c:showLegendKey val="0"/>
+            <c:showVal val="1"/>
+            <c:showCatName val="0"/>
+            <c:showSerName val="0"/>
+            <c:showPercent val="0"/>
+            <c:showBubbleSize val="0"/>
+            <c:showLeaderLines val="1"/>
+            <c:leaderLines>
+              <c:spPr>
+                <a:ln w="9525" cap="flat" cmpd="sng" algn="ctr">
+                  <a:solidFill>
+                    <a:schemeClr val="tx1">
+                      <a:lumMod val="35000"/>
+                      <a:lumOff val="65000"/>
+                    </a:schemeClr>
+                  </a:solidFill>
+                  <a:round/>
+                </a:ln>
+                <a:effectLst/>
+              </c:spPr>
+            </c:leaderLines>
+            <c:extLst>
+              <c:ext xmlns:c15="http://schemas.microsoft.com/office/drawing/2012/chart" uri="{CE6537A1-D6FC-4f65-9D91-7224C49458BB}"/>
+            </c:extLst>
+          </c:dLbls>
+          <c:cat>
+            <c:strRef>
+              <c:f>'Good dad v2 vs MineField'!$F$4:$F$5</c:f>
+              <c:strCache>
+                <c:ptCount val="2"/>
+                <c:pt idx="0">
+                  <c:v>MineField wins</c:v>
+                </c:pt>
+                <c:pt idx="1">
+                  <c:v>Good dad v2 wins</c:v>
+                </c:pt>
+              </c:strCache>
+            </c:strRef>
+          </c:cat>
+          <c:val>
+            <c:numRef>
+              <c:f>'Good dad v2 vs MineField'!$G$4:$G$5</c:f>
+              <c:numCache>
+                <c:formatCode>General</c:formatCode>
+                <c:ptCount val="2"/>
+                <c:pt idx="0">
+                  <c:v>45</c:v>
+                </c:pt>
+                <c:pt idx="1">
+                  <c:v>5</c:v>
+                </c:pt>
+              </c:numCache>
+            </c:numRef>
+          </c:val>
+          <c:extLst>
+            <c:ext xmlns:c16="http://schemas.microsoft.com/office/drawing/2014/chart" uri="{C3380CC4-5D6E-409C-BE32-E72D297353CC}">
+              <c16:uniqueId val="{00000004-03CA-4908-9E49-B8EE129C7214}"/>
+            </c:ext>
+          </c:extLst>
+        </c:ser>
+        <c:dLbls>
+          <c:dLblPos val="bestFit"/>
+          <c:showLegendKey val="0"/>
+          <c:showVal val="1"/>
+          <c:showCatName val="0"/>
+          <c:showSerName val="0"/>
+          <c:showPercent val="0"/>
+          <c:showBubbleSize val="0"/>
+          <c:showLeaderLines val="1"/>
+        </c:dLbls>
+        <c:firstSliceAng val="0"/>
+      </c:pieChart>
+      <c:spPr>
+        <a:noFill/>
+        <a:ln>
+          <a:noFill/>
+        </a:ln>
+        <a:effectLst/>
+      </c:spPr>
+    </c:plotArea>
+    <c:legend>
+      <c:legendPos val="b"/>
+      <c:overlay val="0"/>
+      <c:spPr>
+        <a:noFill/>
+        <a:ln>
+          <a:noFill/>
+        </a:ln>
+        <a:effectLst/>
+      </c:spPr>
+      <c:txPr>
+        <a:bodyPr rot="0" spcFirstLastPara="1" vertOverflow="ellipsis" vert="horz" wrap="square" anchor="ctr" anchorCtr="1"/>
+        <a:lstStyle/>
+        <a:p>
+          <a:pPr>
+            <a:defRPr sz="900" b="0" i="0" u="none" strike="noStrike" kern="1200" baseline="0">
+              <a:solidFill>
+                <a:schemeClr val="tx1">
+                  <a:lumMod val="65000"/>
+                  <a:lumOff val="35000"/>
+                </a:schemeClr>
+              </a:solidFill>
+              <a:latin typeface="+mn-lt"/>
+              <a:ea typeface="+mn-ea"/>
+              <a:cs typeface="+mn-cs"/>
+            </a:defRPr>
+          </a:pPr>
+          <a:endParaRPr lang="en-US"/>
+        </a:p>
+      </c:txPr>
+    </c:legend>
+    <c:plotVisOnly val="1"/>
+    <c:dispBlanksAs val="gap"/>
+    <c:showDLblsOverMax val="0"/>
+  </c:chart>
+  <c:spPr>
+    <a:noFill/>
+    <a:ln>
+      <a:noFill/>
+    </a:ln>
+    <a:effectLst/>
+  </c:spPr>
+  <c:txPr>
+    <a:bodyPr/>
+    <a:lstStyle/>
+    <a:p>
+      <a:pPr>
+        <a:defRPr/>
+      </a:pPr>
+      <a:endParaRPr lang="en-US"/>
+    </a:p>
+  </c:txPr>
+  <c:externalData r:id="rId3">
+    <c:autoUpdate val="0"/>
+  </c:externalData>
+</c:chartSpace>
+</file>
+
+<file path=ppt/charts/chart4.xml><?xml version="1.0" encoding="utf-8"?>
+<c:chartSpace xmlns:c="http://schemas.openxmlformats.org/drawingml/2006/chart" xmlns:a="http://schemas.openxmlformats.org/drawingml/2006/main" xmlns:r="http://schemas.openxmlformats.org/officeDocument/2006/relationships" xmlns:c16r2="http://schemas.microsoft.com/office/drawing/2015/06/chart">
+  <c:date1904 val="0"/>
+  <c:lang val="en-US"/>
+  <c:roundedCorners val="0"/>
+  <mc:AlternateContent xmlns:mc="http://schemas.openxmlformats.org/markup-compatibility/2006">
+    <mc:Choice xmlns:c14="http://schemas.microsoft.com/office/drawing/2007/8/2/chart" Requires="c14">
+      <c14:style val="102"/>
+    </mc:Choice>
+    <mc:Fallback>
+      <c:style val="2"/>
+    </mc:Fallback>
+  </mc:AlternateContent>
+  <c:chart>
+    <c:title>
+      <c:tx>
+        <c:rich>
+          <a:bodyPr rot="0" spcFirstLastPara="1" vertOverflow="ellipsis" vert="horz" wrap="square" anchor="ctr" anchorCtr="1"/>
+          <a:lstStyle/>
+          <a:p>
+            <a:pPr>
+              <a:defRPr sz="1400" b="0" i="0" u="none" strike="noStrike" kern="1200" spc="0" baseline="0">
+                <a:solidFill>
+                  <a:schemeClr val="tx1">
+                    <a:lumMod val="65000"/>
+                    <a:lumOff val="35000"/>
+                  </a:schemeClr>
+                </a:solidFill>
+                <a:latin typeface="+mn-lt"/>
+                <a:ea typeface="+mn-ea"/>
+                <a:cs typeface="+mn-cs"/>
+              </a:defRPr>
+            </a:pPr>
+            <a:r>
+              <a:rPr lang="en-GB" baseline="0"/>
+              <a:t>Difficulty of Game</a:t>
+            </a:r>
+            <a:endParaRPr lang="en-GB"/>
+          </a:p>
+        </c:rich>
+      </c:tx>
+      <c:overlay val="0"/>
+      <c:spPr>
+        <a:noFill/>
+        <a:ln>
+          <a:noFill/>
+        </a:ln>
+        <a:effectLst/>
+      </c:spPr>
+      <c:txPr>
+        <a:bodyPr rot="0" spcFirstLastPara="1" vertOverflow="ellipsis" vert="horz" wrap="square" anchor="ctr" anchorCtr="1"/>
+        <a:lstStyle/>
+        <a:p>
+          <a:pPr>
+            <a:defRPr sz="1400" b="0" i="0" u="none" strike="noStrike" kern="1200" spc="0" baseline="0">
+              <a:solidFill>
+                <a:schemeClr val="tx1">
+                  <a:lumMod val="65000"/>
+                  <a:lumOff val="35000"/>
+                </a:schemeClr>
+              </a:solidFill>
+              <a:latin typeface="+mn-lt"/>
+              <a:ea typeface="+mn-ea"/>
+              <a:cs typeface="+mn-cs"/>
+            </a:defRPr>
+          </a:pPr>
+          <a:endParaRPr lang="en-US"/>
+        </a:p>
+      </c:txPr>
+    </c:title>
+    <c:autoTitleDeleted val="0"/>
+    <c:plotArea>
+      <c:layout/>
+      <c:barChart>
+        <c:barDir val="bar"/>
+        <c:grouping val="clustered"/>
+        <c:varyColors val="0"/>
+        <c:ser>
+          <c:idx val="0"/>
+          <c:order val="0"/>
+          <c:spPr>
+            <a:solidFill>
+              <a:schemeClr val="accent1"/>
+            </a:solidFill>
+            <a:ln>
+              <a:noFill/>
+            </a:ln>
+            <a:effectLst/>
+          </c:spPr>
+          <c:invertIfNegative val="0"/>
+          <c:cat>
+            <c:strRef>
+              <c:f>UserGames!$X$9:$X$13</c:f>
+              <c:strCache>
+                <c:ptCount val="5"/>
+                <c:pt idx="0">
+                  <c:v>very easy</c:v>
+                </c:pt>
+                <c:pt idx="1">
+                  <c:v>easy</c:v>
+                </c:pt>
+                <c:pt idx="2">
+                  <c:v>neutral</c:v>
+                </c:pt>
+                <c:pt idx="3">
+                  <c:v>hard</c:v>
+                </c:pt>
+                <c:pt idx="4">
+                  <c:v>very hard</c:v>
+                </c:pt>
+              </c:strCache>
+            </c:strRef>
+          </c:cat>
+          <c:val>
+            <c:numRef>
+              <c:f>UserGames!$Y$9:$Y$13</c:f>
+              <c:numCache>
+                <c:formatCode>General</c:formatCode>
+                <c:ptCount val="5"/>
+                <c:pt idx="0">
+                  <c:v>2</c:v>
+                </c:pt>
+                <c:pt idx="1">
+                  <c:v>6</c:v>
+                </c:pt>
+                <c:pt idx="2">
+                  <c:v>6</c:v>
+                </c:pt>
+                <c:pt idx="3">
+                  <c:v>7</c:v>
+                </c:pt>
+                <c:pt idx="4">
+                  <c:v>3</c:v>
+                </c:pt>
+              </c:numCache>
+            </c:numRef>
+          </c:val>
+          <c:extLst>
+            <c:ext xmlns:c16="http://schemas.microsoft.com/office/drawing/2014/chart" uri="{C3380CC4-5D6E-409C-BE32-E72D297353CC}">
+              <c16:uniqueId val="{00000000-C49B-439C-B9C7-53BBB623DF53}"/>
+            </c:ext>
+          </c:extLst>
+        </c:ser>
+        <c:dLbls>
+          <c:showLegendKey val="0"/>
+          <c:showVal val="0"/>
+          <c:showCatName val="0"/>
+          <c:showSerName val="0"/>
+          <c:showPercent val="0"/>
+          <c:showBubbleSize val="0"/>
+        </c:dLbls>
+        <c:gapWidth val="182"/>
+        <c:axId val="747027736"/>
+        <c:axId val="747029376"/>
+      </c:barChart>
+      <c:catAx>
+        <c:axId val="747027736"/>
+        <c:scaling>
+          <c:orientation val="minMax"/>
+        </c:scaling>
+        <c:delete val="0"/>
+        <c:axPos val="l"/>
+        <c:numFmt formatCode="General" sourceLinked="1"/>
+        <c:majorTickMark val="none"/>
+        <c:minorTickMark val="none"/>
+        <c:tickLblPos val="nextTo"/>
+        <c:spPr>
+          <a:noFill/>
+          <a:ln w="9525" cap="flat" cmpd="sng" algn="ctr">
+            <a:solidFill>
+              <a:schemeClr val="tx1">
+                <a:lumMod val="15000"/>
+                <a:lumOff val="85000"/>
+              </a:schemeClr>
+            </a:solidFill>
+            <a:round/>
+          </a:ln>
+          <a:effectLst/>
+        </c:spPr>
+        <c:txPr>
+          <a:bodyPr rot="-60000000" spcFirstLastPara="1" vertOverflow="ellipsis" vert="horz" wrap="square" anchor="ctr" anchorCtr="1"/>
+          <a:lstStyle/>
+          <a:p>
+            <a:pPr>
+              <a:defRPr sz="900" b="0" i="0" u="none" strike="noStrike" kern="1200" baseline="0">
+                <a:solidFill>
+                  <a:schemeClr val="tx1">
+                    <a:lumMod val="65000"/>
+                    <a:lumOff val="35000"/>
+                  </a:schemeClr>
+                </a:solidFill>
+                <a:latin typeface="+mn-lt"/>
+                <a:ea typeface="+mn-ea"/>
+                <a:cs typeface="+mn-cs"/>
+              </a:defRPr>
+            </a:pPr>
+            <a:endParaRPr lang="en-US"/>
+          </a:p>
+        </c:txPr>
+        <c:crossAx val="747029376"/>
+        <c:crosses val="autoZero"/>
+        <c:auto val="1"/>
+        <c:lblAlgn val="ctr"/>
+        <c:lblOffset val="100"/>
+        <c:noMultiLvlLbl val="0"/>
+      </c:catAx>
+      <c:valAx>
+        <c:axId val="747029376"/>
+        <c:scaling>
+          <c:orientation val="minMax"/>
+        </c:scaling>
+        <c:delete val="0"/>
+        <c:axPos val="b"/>
+        <c:majorGridlines>
+          <c:spPr>
+            <a:ln w="9525" cap="flat" cmpd="sng" algn="ctr">
+              <a:solidFill>
+                <a:schemeClr val="tx1">
+                  <a:lumMod val="15000"/>
+                  <a:lumOff val="85000"/>
+                </a:schemeClr>
+              </a:solidFill>
+              <a:round/>
+            </a:ln>
+            <a:effectLst/>
+          </c:spPr>
+        </c:majorGridlines>
+        <c:numFmt formatCode="General" sourceLinked="1"/>
+        <c:majorTickMark val="none"/>
+        <c:minorTickMark val="none"/>
+        <c:tickLblPos val="nextTo"/>
+        <c:spPr>
+          <a:noFill/>
+          <a:ln>
+            <a:noFill/>
+          </a:ln>
+          <a:effectLst/>
+        </c:spPr>
+        <c:txPr>
+          <a:bodyPr rot="-60000000" spcFirstLastPara="1" vertOverflow="ellipsis" vert="horz" wrap="square" anchor="ctr" anchorCtr="1"/>
+          <a:lstStyle/>
+          <a:p>
+            <a:pPr>
+              <a:defRPr sz="900" b="0" i="0" u="none" strike="noStrike" kern="1200" baseline="0">
+                <a:solidFill>
+                  <a:schemeClr val="tx1">
+                    <a:lumMod val="65000"/>
+                    <a:lumOff val="35000"/>
+                  </a:schemeClr>
+                </a:solidFill>
+                <a:latin typeface="+mn-lt"/>
+                <a:ea typeface="+mn-ea"/>
+                <a:cs typeface="+mn-cs"/>
+              </a:defRPr>
+            </a:pPr>
+            <a:endParaRPr lang="en-US"/>
+          </a:p>
+        </c:txPr>
+        <c:crossAx val="747027736"/>
+        <c:crosses val="autoZero"/>
+        <c:crossBetween val="between"/>
+      </c:valAx>
+      <c:spPr>
+        <a:noFill/>
+        <a:ln>
+          <a:noFill/>
+        </a:ln>
+        <a:effectLst/>
+      </c:spPr>
+    </c:plotArea>
+    <c:plotVisOnly val="1"/>
+    <c:dispBlanksAs val="gap"/>
+    <c:showDLblsOverMax val="0"/>
+  </c:chart>
+  <c:spPr>
+    <a:noFill/>
+    <a:ln>
+      <a:noFill/>
+    </a:ln>
+    <a:effectLst/>
+  </c:spPr>
+  <c:txPr>
+    <a:bodyPr/>
+    <a:lstStyle/>
+    <a:p>
+      <a:pPr>
+        <a:defRPr/>
+      </a:pPr>
+      <a:endParaRPr lang="en-US"/>
+    </a:p>
+  </c:txPr>
+  <c:externalData r:id="rId3">
+    <c:autoUpdate val="0"/>
+  </c:externalData>
+</c:chartSpace>
+</file>
+
+<file path=ppt/charts/chart5.xml><?xml version="1.0" encoding="utf-8"?>
+<c:chartSpace xmlns:c="http://schemas.openxmlformats.org/drawingml/2006/chart" xmlns:a="http://schemas.openxmlformats.org/drawingml/2006/main" xmlns:r="http://schemas.openxmlformats.org/officeDocument/2006/relationships" xmlns:c16r2="http://schemas.microsoft.com/office/drawing/2015/06/chart">
+  <c:date1904 val="0"/>
+  <c:lang val="en-US"/>
+  <c:roundedCorners val="0"/>
+  <mc:AlternateContent xmlns:mc="http://schemas.openxmlformats.org/markup-compatibility/2006">
+    <mc:Choice xmlns:c14="http://schemas.microsoft.com/office/drawing/2007/8/2/chart" Requires="c14">
+      <c14:style val="102"/>
+    </mc:Choice>
+    <mc:Fallback>
+      <c:style val="2"/>
+    </mc:Fallback>
+  </mc:AlternateContent>
+  <c:chart>
+    <c:title>
+      <c:tx>
+        <c:rich>
+          <a:bodyPr rot="0" spcFirstLastPara="1" vertOverflow="ellipsis" vert="horz" wrap="square" anchor="ctr" anchorCtr="1"/>
+          <a:lstStyle/>
+          <a:p>
+            <a:pPr>
+              <a:defRPr sz="1400" b="0" i="0" u="none" strike="noStrike" kern="1200" spc="0" baseline="0">
+                <a:solidFill>
+                  <a:schemeClr val="tx1">
+                    <a:lumMod val="65000"/>
+                    <a:lumOff val="35000"/>
+                  </a:schemeClr>
+                </a:solidFill>
+                <a:latin typeface="+mn-lt"/>
+                <a:ea typeface="+mn-ea"/>
+                <a:cs typeface="+mn-cs"/>
+              </a:defRPr>
+            </a:pPr>
+            <a:r>
+              <a:rPr lang="en-GB"/>
+              <a:t>Enjoyment</a:t>
+            </a:r>
+            <a:r>
+              <a:rPr lang="en-GB" baseline="0"/>
+              <a:t> of AI</a:t>
+            </a:r>
+            <a:endParaRPr lang="en-GB"/>
+          </a:p>
+        </c:rich>
+      </c:tx>
+      <c:overlay val="0"/>
+      <c:spPr>
+        <a:noFill/>
+        <a:ln>
+          <a:noFill/>
+        </a:ln>
+        <a:effectLst/>
+      </c:spPr>
+      <c:txPr>
+        <a:bodyPr rot="0" spcFirstLastPara="1" vertOverflow="ellipsis" vert="horz" wrap="square" anchor="ctr" anchorCtr="1"/>
+        <a:lstStyle/>
+        <a:p>
+          <a:pPr>
+            <a:defRPr sz="1400" b="0" i="0" u="none" strike="noStrike" kern="1200" spc="0" baseline="0">
+              <a:solidFill>
+                <a:schemeClr val="tx1">
+                  <a:lumMod val="65000"/>
+                  <a:lumOff val="35000"/>
+                </a:schemeClr>
+              </a:solidFill>
+              <a:latin typeface="+mn-lt"/>
+              <a:ea typeface="+mn-ea"/>
+              <a:cs typeface="+mn-cs"/>
+            </a:defRPr>
+          </a:pPr>
+          <a:endParaRPr lang="en-US"/>
+        </a:p>
+      </c:txPr>
+    </c:title>
+    <c:autoTitleDeleted val="0"/>
+    <c:plotArea>
+      <c:layout/>
+      <c:barChart>
+        <c:barDir val="bar"/>
+        <c:grouping val="clustered"/>
+        <c:varyColors val="0"/>
+        <c:ser>
+          <c:idx val="0"/>
+          <c:order val="0"/>
+          <c:tx>
+            <c:strRef>
+              <c:f>UserGames!$R$23</c:f>
+              <c:strCache>
+                <c:ptCount val="1"/>
+                <c:pt idx="0">
+                  <c:v>very boring</c:v>
+                </c:pt>
+              </c:strCache>
+            </c:strRef>
+          </c:tx>
+          <c:spPr>
+            <a:solidFill>
+              <a:schemeClr val="accent1"/>
+            </a:solidFill>
+            <a:ln>
+              <a:noFill/>
+            </a:ln>
+            <a:effectLst/>
+          </c:spPr>
+          <c:invertIfNegative val="0"/>
+          <c:cat>
+            <c:strRef>
+              <c:f>UserGames!$Q$24:$Q$28</c:f>
+              <c:strCache>
+                <c:ptCount val="5"/>
+                <c:pt idx="0">
+                  <c:v>Random</c:v>
+                </c:pt>
+                <c:pt idx="1">
+                  <c:v>MCTS</c:v>
+                </c:pt>
+                <c:pt idx="2">
+                  <c:v>Good dad</c:v>
+                </c:pt>
+                <c:pt idx="3">
+                  <c:v>Good dad v2</c:v>
+                </c:pt>
+                <c:pt idx="4">
+                  <c:v>MineField</c:v>
+                </c:pt>
+              </c:strCache>
+            </c:strRef>
+          </c:cat>
+          <c:val>
+            <c:numRef>
+              <c:f>UserGames!$R$24:$R$28</c:f>
+              <c:numCache>
+                <c:formatCode>General</c:formatCode>
+                <c:ptCount val="5"/>
+                <c:pt idx="0">
+                  <c:v>0</c:v>
+                </c:pt>
+                <c:pt idx="1">
+                  <c:v>0</c:v>
+                </c:pt>
+                <c:pt idx="2">
+                  <c:v>0</c:v>
+                </c:pt>
+                <c:pt idx="3">
+                  <c:v>0</c:v>
+                </c:pt>
+                <c:pt idx="4">
+                  <c:v>0</c:v>
+                </c:pt>
+              </c:numCache>
+            </c:numRef>
+          </c:val>
+          <c:extLst>
+            <c:ext xmlns:c16="http://schemas.microsoft.com/office/drawing/2014/chart" uri="{C3380CC4-5D6E-409C-BE32-E72D297353CC}">
+              <c16:uniqueId val="{00000000-6A9B-4136-BC18-CCD02B1F6648}"/>
+            </c:ext>
+          </c:extLst>
+        </c:ser>
+        <c:ser>
+          <c:idx val="1"/>
+          <c:order val="1"/>
+          <c:tx>
+            <c:strRef>
+              <c:f>UserGames!$S$23</c:f>
+              <c:strCache>
+                <c:ptCount val="1"/>
+                <c:pt idx="0">
+                  <c:v>boring</c:v>
+                </c:pt>
+              </c:strCache>
+            </c:strRef>
+          </c:tx>
+          <c:spPr>
+            <a:solidFill>
+              <a:schemeClr val="accent2"/>
+            </a:solidFill>
+            <a:ln>
+              <a:noFill/>
+            </a:ln>
+            <a:effectLst/>
+          </c:spPr>
+          <c:invertIfNegative val="0"/>
+          <c:cat>
+            <c:strRef>
+              <c:f>UserGames!$Q$24:$Q$28</c:f>
+              <c:strCache>
+                <c:ptCount val="5"/>
+                <c:pt idx="0">
+                  <c:v>Random</c:v>
+                </c:pt>
+                <c:pt idx="1">
+                  <c:v>MCTS</c:v>
+                </c:pt>
+                <c:pt idx="2">
+                  <c:v>Good dad</c:v>
+                </c:pt>
+                <c:pt idx="3">
+                  <c:v>Good dad v2</c:v>
+                </c:pt>
+                <c:pt idx="4">
+                  <c:v>MineField</c:v>
+                </c:pt>
+              </c:strCache>
+            </c:strRef>
+          </c:cat>
+          <c:val>
+            <c:numRef>
+              <c:f>UserGames!$S$24:$S$28</c:f>
+              <c:numCache>
+                <c:formatCode>General</c:formatCode>
+                <c:ptCount val="5"/>
+                <c:pt idx="0">
+                  <c:v>0</c:v>
+                </c:pt>
+                <c:pt idx="1">
+                  <c:v>0</c:v>
+                </c:pt>
+                <c:pt idx="2">
+                  <c:v>0</c:v>
+                </c:pt>
+                <c:pt idx="3">
+                  <c:v>1</c:v>
+                </c:pt>
+                <c:pt idx="4">
+                  <c:v>0</c:v>
+                </c:pt>
+              </c:numCache>
+            </c:numRef>
+          </c:val>
+          <c:extLst>
+            <c:ext xmlns:c16="http://schemas.microsoft.com/office/drawing/2014/chart" uri="{C3380CC4-5D6E-409C-BE32-E72D297353CC}">
+              <c16:uniqueId val="{00000001-6A9B-4136-BC18-CCD02B1F6648}"/>
+            </c:ext>
+          </c:extLst>
+        </c:ser>
+        <c:ser>
+          <c:idx val="2"/>
+          <c:order val="2"/>
+          <c:tx>
+            <c:strRef>
+              <c:f>UserGames!$T$23</c:f>
+              <c:strCache>
+                <c:ptCount val="1"/>
+                <c:pt idx="0">
+                  <c:v>neutral</c:v>
+                </c:pt>
+              </c:strCache>
+            </c:strRef>
+          </c:tx>
+          <c:spPr>
+            <a:solidFill>
+              <a:schemeClr val="accent3"/>
+            </a:solidFill>
+            <a:ln>
+              <a:noFill/>
+            </a:ln>
+            <a:effectLst/>
+          </c:spPr>
+          <c:invertIfNegative val="0"/>
+          <c:cat>
+            <c:strRef>
+              <c:f>UserGames!$Q$24:$Q$28</c:f>
+              <c:strCache>
+                <c:ptCount val="5"/>
+                <c:pt idx="0">
+                  <c:v>Random</c:v>
+                </c:pt>
+                <c:pt idx="1">
+                  <c:v>MCTS</c:v>
+                </c:pt>
+                <c:pt idx="2">
+                  <c:v>Good dad</c:v>
+                </c:pt>
+                <c:pt idx="3">
+                  <c:v>Good dad v2</c:v>
+                </c:pt>
+                <c:pt idx="4">
+                  <c:v>MineField</c:v>
+                </c:pt>
+              </c:strCache>
+            </c:strRef>
+          </c:cat>
+          <c:val>
+            <c:numRef>
+              <c:f>UserGames!$T$24:$T$28</c:f>
+              <c:numCache>
+                <c:formatCode>General</c:formatCode>
+                <c:ptCount val="5"/>
+                <c:pt idx="0">
+                  <c:v>1</c:v>
+                </c:pt>
+                <c:pt idx="1">
+                  <c:v>0</c:v>
+                </c:pt>
+                <c:pt idx="2">
+                  <c:v>0</c:v>
+                </c:pt>
+                <c:pt idx="3">
+                  <c:v>1</c:v>
+                </c:pt>
+                <c:pt idx="4">
+                  <c:v>0</c:v>
+                </c:pt>
+              </c:numCache>
+            </c:numRef>
+          </c:val>
+          <c:extLst>
+            <c:ext xmlns:c16="http://schemas.microsoft.com/office/drawing/2014/chart" uri="{C3380CC4-5D6E-409C-BE32-E72D297353CC}">
+              <c16:uniqueId val="{00000002-6A9B-4136-BC18-CCD02B1F6648}"/>
+            </c:ext>
+          </c:extLst>
+        </c:ser>
+        <c:ser>
+          <c:idx val="3"/>
+          <c:order val="3"/>
+          <c:tx>
+            <c:strRef>
+              <c:f>UserGames!$U$23</c:f>
+              <c:strCache>
+                <c:ptCount val="1"/>
+                <c:pt idx="0">
+                  <c:v>fun</c:v>
+                </c:pt>
+              </c:strCache>
+            </c:strRef>
+          </c:tx>
+          <c:spPr>
+            <a:solidFill>
+              <a:schemeClr val="accent4"/>
+            </a:solidFill>
+            <a:ln>
+              <a:noFill/>
+            </a:ln>
+            <a:effectLst/>
+          </c:spPr>
+          <c:invertIfNegative val="0"/>
+          <c:cat>
+            <c:strRef>
+              <c:f>UserGames!$Q$24:$Q$28</c:f>
+              <c:strCache>
+                <c:ptCount val="5"/>
+                <c:pt idx="0">
+                  <c:v>Random</c:v>
+                </c:pt>
+                <c:pt idx="1">
+                  <c:v>MCTS</c:v>
+                </c:pt>
+                <c:pt idx="2">
+                  <c:v>Good dad</c:v>
+                </c:pt>
+                <c:pt idx="3">
+                  <c:v>Good dad v2</c:v>
+                </c:pt>
+                <c:pt idx="4">
+                  <c:v>MineField</c:v>
+                </c:pt>
+              </c:strCache>
+            </c:strRef>
+          </c:cat>
+          <c:val>
+            <c:numRef>
+              <c:f>UserGames!$U$24:$U$28</c:f>
+              <c:numCache>
+                <c:formatCode>General</c:formatCode>
+                <c:ptCount val="5"/>
+                <c:pt idx="0">
+                  <c:v>3</c:v>
+                </c:pt>
+                <c:pt idx="1">
+                  <c:v>3</c:v>
+                </c:pt>
+                <c:pt idx="2">
+                  <c:v>2</c:v>
+                </c:pt>
+                <c:pt idx="3">
+                  <c:v>5</c:v>
+                </c:pt>
+                <c:pt idx="4">
+                  <c:v>4</c:v>
+                </c:pt>
+              </c:numCache>
+            </c:numRef>
+          </c:val>
+          <c:extLst>
+            <c:ext xmlns:c16="http://schemas.microsoft.com/office/drawing/2014/chart" uri="{C3380CC4-5D6E-409C-BE32-E72D297353CC}">
+              <c16:uniqueId val="{00000003-6A9B-4136-BC18-CCD02B1F6648}"/>
+            </c:ext>
+          </c:extLst>
+        </c:ser>
+        <c:ser>
+          <c:idx val="4"/>
+          <c:order val="4"/>
+          <c:tx>
+            <c:strRef>
+              <c:f>UserGames!$V$23</c:f>
+              <c:strCache>
+                <c:ptCount val="1"/>
+                <c:pt idx="0">
+                  <c:v>very fun</c:v>
+                </c:pt>
+              </c:strCache>
+            </c:strRef>
+          </c:tx>
+          <c:spPr>
+            <a:solidFill>
+              <a:schemeClr val="accent5"/>
+            </a:solidFill>
+            <a:ln>
+              <a:noFill/>
+            </a:ln>
+            <a:effectLst/>
+          </c:spPr>
+          <c:invertIfNegative val="0"/>
+          <c:cat>
+            <c:strRef>
+              <c:f>UserGames!$Q$24:$Q$28</c:f>
+              <c:strCache>
+                <c:ptCount val="5"/>
+                <c:pt idx="0">
+                  <c:v>Random</c:v>
+                </c:pt>
+                <c:pt idx="1">
+                  <c:v>MCTS</c:v>
+                </c:pt>
+                <c:pt idx="2">
+                  <c:v>Good dad</c:v>
+                </c:pt>
+                <c:pt idx="3">
+                  <c:v>Good dad v2</c:v>
+                </c:pt>
+                <c:pt idx="4">
+                  <c:v>MineField</c:v>
+                </c:pt>
+              </c:strCache>
+            </c:strRef>
+          </c:cat>
+          <c:val>
+            <c:numRef>
+              <c:f>UserGames!$V$24:$V$28</c:f>
+              <c:numCache>
+                <c:formatCode>General</c:formatCode>
+                <c:ptCount val="5"/>
+                <c:pt idx="0">
+                  <c:v>0</c:v>
+                </c:pt>
+                <c:pt idx="1">
+                  <c:v>0</c:v>
+                </c:pt>
+                <c:pt idx="2">
+                  <c:v>2</c:v>
+                </c:pt>
+                <c:pt idx="3">
+                  <c:v>1</c:v>
+                </c:pt>
+                <c:pt idx="4">
+                  <c:v>1</c:v>
+                </c:pt>
+              </c:numCache>
+            </c:numRef>
+          </c:val>
+          <c:extLst>
+            <c:ext xmlns:c16="http://schemas.microsoft.com/office/drawing/2014/chart" uri="{C3380CC4-5D6E-409C-BE32-E72D297353CC}">
+              <c16:uniqueId val="{00000004-6A9B-4136-BC18-CCD02B1F6648}"/>
+            </c:ext>
+          </c:extLst>
+        </c:ser>
+        <c:dLbls>
+          <c:showLegendKey val="0"/>
+          <c:showVal val="0"/>
+          <c:showCatName val="0"/>
+          <c:showSerName val="0"/>
+          <c:showPercent val="0"/>
+          <c:showBubbleSize val="0"/>
+        </c:dLbls>
+        <c:gapWidth val="219"/>
+        <c:axId val="745191320"/>
+        <c:axId val="745191648"/>
+      </c:barChart>
+      <c:catAx>
+        <c:axId val="745191320"/>
+        <c:scaling>
+          <c:orientation val="minMax"/>
+        </c:scaling>
+        <c:delete val="0"/>
+        <c:axPos val="l"/>
+        <c:numFmt formatCode="General" sourceLinked="1"/>
+        <c:majorTickMark val="none"/>
+        <c:minorTickMark val="none"/>
+        <c:tickLblPos val="nextTo"/>
+        <c:spPr>
+          <a:noFill/>
+          <a:ln w="9525" cap="flat" cmpd="sng" algn="ctr">
+            <a:solidFill>
+              <a:schemeClr val="tx1">
+                <a:lumMod val="15000"/>
+                <a:lumOff val="85000"/>
+              </a:schemeClr>
+            </a:solidFill>
+            <a:round/>
+          </a:ln>
+          <a:effectLst/>
+        </c:spPr>
+        <c:txPr>
+          <a:bodyPr rot="-60000000" spcFirstLastPara="1" vertOverflow="ellipsis" vert="horz" wrap="square" anchor="ctr" anchorCtr="1"/>
+          <a:lstStyle/>
+          <a:p>
+            <a:pPr>
+              <a:defRPr sz="900" b="0" i="0" u="none" strike="noStrike" kern="1200" baseline="0">
+                <a:solidFill>
+                  <a:schemeClr val="tx1">
+                    <a:lumMod val="65000"/>
+                    <a:lumOff val="35000"/>
+                  </a:schemeClr>
+                </a:solidFill>
+                <a:latin typeface="+mn-lt"/>
+                <a:ea typeface="+mn-ea"/>
+                <a:cs typeface="+mn-cs"/>
+              </a:defRPr>
+            </a:pPr>
+            <a:endParaRPr lang="en-US"/>
+          </a:p>
+        </c:txPr>
+        <c:crossAx val="745191648"/>
+        <c:crosses val="autoZero"/>
+        <c:auto val="1"/>
+        <c:lblAlgn val="ctr"/>
+        <c:lblOffset val="100"/>
+        <c:noMultiLvlLbl val="0"/>
+      </c:catAx>
+      <c:valAx>
+        <c:axId val="745191648"/>
+        <c:scaling>
+          <c:orientation val="minMax"/>
+        </c:scaling>
+        <c:delete val="0"/>
+        <c:axPos val="b"/>
+        <c:majorGridlines>
+          <c:spPr>
+            <a:ln w="9525" cap="flat" cmpd="sng" algn="ctr">
+              <a:solidFill>
+                <a:schemeClr val="tx1">
+                  <a:lumMod val="15000"/>
+                  <a:lumOff val="85000"/>
+                </a:schemeClr>
+              </a:solidFill>
+              <a:round/>
+            </a:ln>
+            <a:effectLst/>
+          </c:spPr>
+        </c:majorGridlines>
+        <c:numFmt formatCode="General" sourceLinked="1"/>
+        <c:majorTickMark val="none"/>
+        <c:minorTickMark val="none"/>
+        <c:tickLblPos val="nextTo"/>
+        <c:spPr>
+          <a:noFill/>
+          <a:ln>
+            <a:noFill/>
+          </a:ln>
+          <a:effectLst/>
+        </c:spPr>
+        <c:txPr>
+          <a:bodyPr rot="-60000000" spcFirstLastPara="1" vertOverflow="ellipsis" vert="horz" wrap="square" anchor="ctr" anchorCtr="1"/>
+          <a:lstStyle/>
+          <a:p>
+            <a:pPr>
+              <a:defRPr sz="900" b="0" i="0" u="none" strike="noStrike" kern="1200" baseline="0">
+                <a:solidFill>
+                  <a:schemeClr val="tx1">
+                    <a:lumMod val="65000"/>
+                    <a:lumOff val="35000"/>
+                  </a:schemeClr>
+                </a:solidFill>
+                <a:latin typeface="+mn-lt"/>
+                <a:ea typeface="+mn-ea"/>
+                <a:cs typeface="+mn-cs"/>
+              </a:defRPr>
+            </a:pPr>
+            <a:endParaRPr lang="en-US"/>
+          </a:p>
+        </c:txPr>
+        <c:crossAx val="745191320"/>
+        <c:crosses val="autoZero"/>
+        <c:crossBetween val="between"/>
+      </c:valAx>
+      <c:spPr>
+        <a:noFill/>
+        <a:ln>
+          <a:noFill/>
+        </a:ln>
+        <a:effectLst/>
+      </c:spPr>
+    </c:plotArea>
+    <c:legend>
+      <c:legendPos val="b"/>
+      <c:overlay val="0"/>
+      <c:spPr>
+        <a:noFill/>
+        <a:ln>
+          <a:noFill/>
+        </a:ln>
+        <a:effectLst/>
+      </c:spPr>
+      <c:txPr>
+        <a:bodyPr rot="0" spcFirstLastPara="1" vertOverflow="ellipsis" vert="horz" wrap="square" anchor="ctr" anchorCtr="1"/>
+        <a:lstStyle/>
+        <a:p>
+          <a:pPr>
+            <a:defRPr sz="900" b="0" i="0" u="none" strike="noStrike" kern="1200" baseline="0">
+              <a:solidFill>
+                <a:schemeClr val="tx1">
+                  <a:lumMod val="65000"/>
+                  <a:lumOff val="35000"/>
+                </a:schemeClr>
+              </a:solidFill>
+              <a:latin typeface="+mn-lt"/>
+              <a:ea typeface="+mn-ea"/>
+              <a:cs typeface="+mn-cs"/>
+            </a:defRPr>
+          </a:pPr>
+          <a:endParaRPr lang="en-US"/>
+        </a:p>
+      </c:txPr>
+    </c:legend>
+    <c:plotVisOnly val="1"/>
+    <c:dispBlanksAs val="gap"/>
+    <c:showDLblsOverMax val="0"/>
+  </c:chart>
+  <c:spPr>
+    <a:noFill/>
+    <a:ln>
+      <a:noFill/>
+    </a:ln>
+    <a:effectLst/>
+  </c:spPr>
+  <c:txPr>
+    <a:bodyPr/>
+    <a:lstStyle/>
+    <a:p>
+      <a:pPr>
+        <a:defRPr/>
+      </a:pPr>
+      <a:endParaRPr lang="en-US"/>
+    </a:p>
+  </c:txPr>
+  <c:externalData r:id="rId3">
+    <c:autoUpdate val="0"/>
+  </c:externalData>
+</c:chartSpace>
+</file>
+
+<file path=ppt/charts/colors1.xml><?xml version="1.0" encoding="utf-8"?>
+<cs:colorStyle xmlns:cs="http://schemas.microsoft.com/office/drawing/2012/chartStyle" xmlns:a="http://schemas.openxmlformats.org/drawingml/2006/main" meth="cycle" id="10">
+  <a:schemeClr val="accent1"/>
+  <a:schemeClr val="accent2"/>
+  <a:schemeClr val="accent3"/>
+  <a:schemeClr val="accent4"/>
+  <a:schemeClr val="accent5"/>
+  <a:schemeClr val="accent6"/>
+  <cs:variation/>
+  <cs:variation>
+    <a:lumMod val="60000"/>
+  </cs:variation>
+  <cs:variation>
+    <a:lumMod val="80000"/>
+    <a:lumOff val="20000"/>
+  </cs:variation>
+  <cs:variation>
+    <a:lumMod val="80000"/>
+  </cs:variation>
+  <cs:variation>
+    <a:lumMod val="60000"/>
+    <a:lumOff val="40000"/>
+  </cs:variation>
+  <cs:variation>
+    <a:lumMod val="50000"/>
+  </cs:variation>
+  <cs:variation>
+    <a:lumMod val="70000"/>
+    <a:lumOff val="30000"/>
+  </cs:variation>
+  <cs:variation>
+    <a:lumMod val="70000"/>
+  </cs:variation>
+  <cs:variation>
+    <a:lumMod val="50000"/>
+    <a:lumOff val="50000"/>
+  </cs:variation>
+</cs:colorStyle>
+</file>
+
+<file path=ppt/charts/colors2.xml><?xml version="1.0" encoding="utf-8"?>
+<cs:colorStyle xmlns:cs="http://schemas.microsoft.com/office/drawing/2012/chartStyle" xmlns:a="http://schemas.openxmlformats.org/drawingml/2006/main" meth="cycle" id="10">
+  <a:schemeClr val="accent1"/>
+  <a:schemeClr val="accent2"/>
+  <a:schemeClr val="accent3"/>
+  <a:schemeClr val="accent4"/>
+  <a:schemeClr val="accent5"/>
+  <a:schemeClr val="accent6"/>
+  <cs:variation/>
+  <cs:variation>
+    <a:lumMod val="60000"/>
+  </cs:variation>
+  <cs:variation>
+    <a:lumMod val="80000"/>
+    <a:lumOff val="20000"/>
+  </cs:variation>
+  <cs:variation>
+    <a:lumMod val="80000"/>
+  </cs:variation>
+  <cs:variation>
+    <a:lumMod val="60000"/>
+    <a:lumOff val="40000"/>
+  </cs:variation>
+  <cs:variation>
+    <a:lumMod val="50000"/>
+  </cs:variation>
+  <cs:variation>
+    <a:lumMod val="70000"/>
+    <a:lumOff val="30000"/>
+  </cs:variation>
+  <cs:variation>
+    <a:lumMod val="70000"/>
+  </cs:variation>
+  <cs:variation>
+    <a:lumMod val="50000"/>
+    <a:lumOff val="50000"/>
+  </cs:variation>
+</cs:colorStyle>
+</file>
+
+<file path=ppt/charts/colors3.xml><?xml version="1.0" encoding="utf-8"?>
+<cs:colorStyle xmlns:cs="http://schemas.microsoft.com/office/drawing/2012/chartStyle" xmlns:a="http://schemas.openxmlformats.org/drawingml/2006/main" meth="cycle" id="10">
+  <a:schemeClr val="accent1"/>
+  <a:schemeClr val="accent2"/>
+  <a:schemeClr val="accent3"/>
+  <a:schemeClr val="accent4"/>
+  <a:schemeClr val="accent5"/>
+  <a:schemeClr val="accent6"/>
+  <cs:variation/>
+  <cs:variation>
+    <a:lumMod val="60000"/>
+  </cs:variation>
+  <cs:variation>
+    <a:lumMod val="80000"/>
+    <a:lumOff val="20000"/>
+  </cs:variation>
+  <cs:variation>
+    <a:lumMod val="80000"/>
+  </cs:variation>
+  <cs:variation>
+    <a:lumMod val="60000"/>
+    <a:lumOff val="40000"/>
+  </cs:variation>
+  <cs:variation>
+    <a:lumMod val="50000"/>
+  </cs:variation>
+  <cs:variation>
+    <a:lumMod val="70000"/>
+    <a:lumOff val="30000"/>
+  </cs:variation>
+  <cs:variation>
+    <a:lumMod val="70000"/>
+  </cs:variation>
+  <cs:variation>
+    <a:lumMod val="50000"/>
+    <a:lumOff val="50000"/>
+  </cs:variation>
+</cs:colorStyle>
+</file>
+
+<file path=ppt/charts/colors4.xml><?xml version="1.0" encoding="utf-8"?>
+<cs:colorStyle xmlns:cs="http://schemas.microsoft.com/office/drawing/2012/chartStyle" xmlns:a="http://schemas.openxmlformats.org/drawingml/2006/main" meth="cycle" id="10">
+  <a:schemeClr val="accent1"/>
+  <a:schemeClr val="accent2"/>
+  <a:schemeClr val="accent3"/>
+  <a:schemeClr val="accent4"/>
+  <a:schemeClr val="accent5"/>
+  <a:schemeClr val="accent6"/>
+  <cs:variation/>
+  <cs:variation>
+    <a:lumMod val="60000"/>
+  </cs:variation>
+  <cs:variation>
+    <a:lumMod val="80000"/>
+    <a:lumOff val="20000"/>
+  </cs:variation>
+  <cs:variation>
+    <a:lumMod val="80000"/>
+  </cs:variation>
+  <cs:variation>
+    <a:lumMod val="60000"/>
+    <a:lumOff val="40000"/>
+  </cs:variation>
+  <cs:variation>
+    <a:lumMod val="50000"/>
+  </cs:variation>
+  <cs:variation>
+    <a:lumMod val="70000"/>
+    <a:lumOff val="30000"/>
+  </cs:variation>
+  <cs:variation>
+    <a:lumMod val="70000"/>
+  </cs:variation>
+  <cs:variation>
+    <a:lumMod val="50000"/>
+    <a:lumOff val="50000"/>
+  </cs:variation>
+</cs:colorStyle>
+</file>
+
+<file path=ppt/charts/colors5.xml><?xml version="1.0" encoding="utf-8"?>
+<cs:colorStyle xmlns:cs="http://schemas.microsoft.com/office/drawing/2012/chartStyle" xmlns:a="http://schemas.openxmlformats.org/drawingml/2006/main" meth="cycle" id="10">
+  <a:schemeClr val="accent1"/>
+  <a:schemeClr val="accent2"/>
+  <a:schemeClr val="accent3"/>
+  <a:schemeClr val="accent4"/>
+  <a:schemeClr val="accent5"/>
+  <a:schemeClr val="accent6"/>
+  <cs:variation/>
+  <cs:variation>
+    <a:lumMod val="60000"/>
+  </cs:variation>
+  <cs:variation>
+    <a:lumMod val="80000"/>
+    <a:lumOff val="20000"/>
+  </cs:variation>
+  <cs:variation>
+    <a:lumMod val="80000"/>
+  </cs:variation>
+  <cs:variation>
+    <a:lumMod val="60000"/>
+    <a:lumOff val="40000"/>
+  </cs:variation>
+  <cs:variation>
+    <a:lumMod val="50000"/>
+  </cs:variation>
+  <cs:variation>
+    <a:lumMod val="70000"/>
+    <a:lumOff val="30000"/>
+  </cs:variation>
+  <cs:variation>
+    <a:lumMod val="70000"/>
+  </cs:variation>
+  <cs:variation>
+    <a:lumMod val="50000"/>
+    <a:lumOff val="50000"/>
+  </cs:variation>
+</cs:colorStyle>
+</file>
+
+<file path=ppt/charts/style1.xml><?xml version="1.0" encoding="utf-8"?>
+<cs:chartStyle xmlns:cs="http://schemas.microsoft.com/office/drawing/2012/chartStyle" xmlns:a="http://schemas.openxmlformats.org/drawingml/2006/main" id="227">
+  <cs:axisTitle>
+    <cs:lnRef idx="0"/>
+    <cs:fillRef idx="0"/>
+    <cs:effectRef idx="0"/>
+    <cs:fontRef idx="minor">
+      <a:schemeClr val="tx1">
+        <a:lumMod val="65000"/>
+        <a:lumOff val="35000"/>
+      </a:schemeClr>
+    </cs:fontRef>
+    <cs:defRPr sz="1000" kern="1200"/>
+  </cs:axisTitle>
+  <cs:categoryAxis>
+    <cs:lnRef idx="0"/>
+    <cs:fillRef idx="0"/>
+    <cs:effectRef idx="0"/>
+    <cs:fontRef idx="minor">
+      <a:schemeClr val="tx1">
+        <a:lumMod val="65000"/>
+        <a:lumOff val="35000"/>
+      </a:schemeClr>
+    </cs:fontRef>
+    <cs:spPr>
+      <a:ln w="9525" cap="flat" cmpd="sng" algn="ctr">
+        <a:solidFill>
+          <a:schemeClr val="tx1">
+            <a:lumMod val="15000"/>
+            <a:lumOff val="85000"/>
+          </a:schemeClr>
+        </a:solidFill>
+        <a:round/>
+      </a:ln>
+    </cs:spPr>
+    <cs:defRPr sz="900" kern="1200"/>
+  </cs:categoryAxis>
+  <cs:chartArea mods="allowNoFillOverride allowNoLineOverride">
+    <cs:lnRef idx="0"/>
+    <cs:fillRef idx="0"/>
+    <cs:effectRef idx="0"/>
+    <cs:fontRef idx="minor">
+      <a:schemeClr val="tx1"/>
+    </cs:fontRef>
+    <cs:spPr>
+      <a:solidFill>
+        <a:schemeClr val="bg1"/>
+      </a:solidFill>
+      <a:ln w="9525" cap="flat" cmpd="sng" algn="ctr">
+        <a:solidFill>
+          <a:schemeClr val="tx1">
+            <a:lumMod val="15000"/>
+            <a:lumOff val="85000"/>
+          </a:schemeClr>
+        </a:solidFill>
+        <a:round/>
+      </a:ln>
+    </cs:spPr>
+    <cs:defRPr sz="1000" kern="1200"/>
+  </cs:chartArea>
+  <cs:dataLabel>
+    <cs:lnRef idx="0"/>
+    <cs:fillRef idx="0"/>
+    <cs:effectRef idx="0"/>
+    <cs:fontRef idx="minor">
+      <a:schemeClr val="tx1">
+        <a:lumMod val="75000"/>
+        <a:lumOff val="25000"/>
+      </a:schemeClr>
+    </cs:fontRef>
+    <cs:defRPr sz="900" kern="1200"/>
+  </cs:dataLabel>
+  <cs:dataLabelCallout>
+    <cs:lnRef idx="0"/>
+    <cs:fillRef idx="0"/>
+    <cs:effectRef idx="0"/>
+    <cs:fontRef idx="minor">
+      <a:schemeClr val="dk1">
+        <a:lumMod val="65000"/>
+        <a:lumOff val="35000"/>
+      </a:schemeClr>
+    </cs:fontRef>
+    <cs:spPr>
+      <a:solidFill>
+        <a:schemeClr val="lt1"/>
+      </a:solidFill>
+      <a:ln>
+        <a:solidFill>
+          <a:schemeClr val="dk1">
+            <a:lumMod val="25000"/>
+            <a:lumOff val="75000"/>
+          </a:schemeClr>
+        </a:solidFill>
+      </a:ln>
+    </cs:spPr>
+    <cs:defRPr sz="900" kern="1200"/>
+    <cs:bodyPr rot="0" spcFirstLastPara="1" vertOverflow="clip" horzOverflow="clip" vert="horz" wrap="square" lIns="36576" tIns="18288" rIns="36576" bIns="18288" anchor="ctr" anchorCtr="1">
+      <a:spAutoFit/>
+    </cs:bodyPr>
+  </cs:dataLabelCallout>
+  <cs:dataPoint>
+    <cs:lnRef idx="0"/>
+    <cs:fillRef idx="1">
+      <cs:styleClr val="auto"/>
+    </cs:fillRef>
+    <cs:effectRef idx="0"/>
+    <cs:fontRef idx="minor">
+      <a:schemeClr val="tx1"/>
+    </cs:fontRef>
+    <cs:spPr>
+      <a:solidFill>
+        <a:schemeClr val="phClr"/>
+      </a:solidFill>
+    </cs:spPr>
+  </cs:dataPoint>
+  <cs:dataPoint3D>
+    <cs:lnRef idx="0"/>
+    <cs:fillRef idx="1">
+      <cs:styleClr val="auto"/>
+    </cs:fillRef>
+    <cs:effectRef idx="0"/>
+    <cs:fontRef idx="minor">
+      <a:schemeClr val="tx1"/>
+    </cs:fontRef>
+    <cs:spPr>
+      <a:solidFill>
+        <a:schemeClr val="phClr"/>
+      </a:solidFill>
+    </cs:spPr>
+  </cs:dataPoint3D>
+  <cs:dataPointLine>
+    <cs:lnRef idx="0">
+      <cs:styleClr val="auto"/>
+    </cs:lnRef>
+    <cs:fillRef idx="1"/>
+    <cs:effectRef idx="0"/>
+    <cs:fontRef idx="minor">
+      <a:schemeClr val="tx1"/>
+    </cs:fontRef>
+    <cs:spPr>
+      <a:ln w="28575" cap="rnd">
+        <a:solidFill>
+          <a:schemeClr val="phClr"/>
+        </a:solidFill>
+        <a:round/>
+      </a:ln>
+    </cs:spPr>
+  </cs:dataPointLine>
+  <cs:dataPointMarker>
+    <cs:lnRef idx="0">
+      <cs:styleClr val="auto"/>
+    </cs:lnRef>
+    <cs:fillRef idx="1">
+      <cs:styleClr val="auto"/>
+    </cs:fillRef>
+    <cs:effectRef idx="0"/>
+    <cs:fontRef idx="minor">
+      <a:schemeClr val="tx1"/>
+    </cs:fontRef>
+    <cs:spPr>
+      <a:solidFill>
+        <a:schemeClr val="phClr"/>
+      </a:solidFill>
+      <a:ln w="9525">
+        <a:solidFill>
+          <a:schemeClr val="phClr"/>
+        </a:solidFill>
+      </a:ln>
+    </cs:spPr>
+  </cs:dataPointMarker>
+  <cs:dataPointMarkerLayout symbol="circle" size="5"/>
+  <cs:dataPointWireframe>
+    <cs:lnRef idx="0">
+      <cs:styleClr val="auto"/>
+    </cs:lnRef>
+    <cs:fillRef idx="1"/>
+    <cs:effectRef idx="0"/>
+    <cs:fontRef idx="minor">
+      <a:schemeClr val="tx1"/>
+    </cs:fontRef>
+    <cs:spPr>
+      <a:ln w="9525" cap="rnd">
+        <a:solidFill>
+          <a:schemeClr val="phClr"/>
+        </a:solidFill>
+        <a:round/>
+      </a:ln>
+    </cs:spPr>
+  </cs:dataPointWireframe>
+  <cs:dataTable>
+    <cs:lnRef idx="0"/>
+    <cs:fillRef idx="0"/>
+    <cs:effectRef idx="0"/>
+    <cs:fontRef idx="minor">
+      <a:schemeClr val="tx1">
+        <a:lumMod val="65000"/>
+        <a:lumOff val="35000"/>
+      </a:schemeClr>
+    </cs:fontRef>
+    <cs:spPr>
+      <a:noFill/>
+      <a:ln w="9525" cap="flat" cmpd="sng" algn="ctr">
+        <a:solidFill>
+          <a:schemeClr val="tx1">
+            <a:lumMod val="15000"/>
+            <a:lumOff val="85000"/>
+          </a:schemeClr>
+        </a:solidFill>
+        <a:round/>
+      </a:ln>
+    </cs:spPr>
+    <cs:defRPr sz="900" kern="1200"/>
+  </cs:dataTable>
+  <cs:downBar>
+    <cs:lnRef idx="0"/>
+    <cs:fillRef idx="0"/>
+    <cs:effectRef idx="0"/>
+    <cs:fontRef idx="minor">
+      <a:schemeClr val="dk1"/>
+    </cs:fontRef>
+    <cs:spPr>
+      <a:solidFill>
+        <a:schemeClr val="dk1">
+          <a:lumMod val="65000"/>
+          <a:lumOff val="35000"/>
+        </a:schemeClr>
+      </a:solidFill>
+      <a:ln w="9525">
+        <a:solidFill>
+          <a:schemeClr val="tx1">
+            <a:lumMod val="65000"/>
+            <a:lumOff val="35000"/>
+          </a:schemeClr>
+        </a:solidFill>
+      </a:ln>
+    </cs:spPr>
+  </cs:downBar>
+  <cs:dropLine>
+    <cs:lnRef idx="0"/>
+    <cs:fillRef idx="0"/>
+    <cs:effectRef idx="0"/>
+    <cs:fontRef idx="minor">
+      <a:schemeClr val="tx1"/>
+    </cs:fontRef>
+    <cs:spPr>
+      <a:ln w="9525" cap="flat" cmpd="sng" algn="ctr">
+        <a:solidFill>
+          <a:schemeClr val="tx1">
+            <a:lumMod val="35000"/>
+            <a:lumOff val="65000"/>
+          </a:schemeClr>
+        </a:solidFill>
+        <a:round/>
+      </a:ln>
+    </cs:spPr>
+  </cs:dropLine>
+  <cs:errorBar>
+    <cs:lnRef idx="0"/>
+    <cs:fillRef idx="0"/>
+    <cs:effectRef idx="0"/>
+    <cs:fontRef idx="minor">
+      <a:schemeClr val="tx1"/>
+    </cs:fontRef>
+    <cs:spPr>
+      <a:ln w="9525" cap="flat" cmpd="sng" algn="ctr">
+        <a:solidFill>
+          <a:schemeClr val="tx1">
+            <a:lumMod val="65000"/>
+            <a:lumOff val="35000"/>
+          </a:schemeClr>
+        </a:solidFill>
+        <a:round/>
+      </a:ln>
+    </cs:spPr>
+  </cs:errorBar>
+  <cs:floor>
+    <cs:lnRef idx="0"/>
+    <cs:fillRef idx="0"/>
+    <cs:effectRef idx="0"/>
+    <cs:fontRef idx="minor">
+      <a:schemeClr val="tx1"/>
+    </cs:fontRef>
+    <cs:spPr>
+      <a:noFill/>
+      <a:ln>
+        <a:noFill/>
+      </a:ln>
+    </cs:spPr>
+  </cs:floor>
+  <cs:gridlineMajor>
+    <cs:lnRef idx="0"/>
+    <cs:fillRef idx="0"/>
+    <cs:effectRef idx="0"/>
+    <cs:fontRef idx="minor">
+      <a:schemeClr val="tx1"/>
+    </cs:fontRef>
+    <cs:spPr>
+      <a:ln w="9525" cap="flat" cmpd="sng" algn="ctr">
+        <a:solidFill>
+          <a:schemeClr val="tx1">
+            <a:lumMod val="15000"/>
+            <a:lumOff val="85000"/>
+          </a:schemeClr>
+        </a:solidFill>
+        <a:round/>
+      </a:ln>
+    </cs:spPr>
+  </cs:gridlineMajor>
+  <cs:gridlineMinor>
+    <cs:lnRef idx="0"/>
+    <cs:fillRef idx="0"/>
+    <cs:effectRef idx="0"/>
+    <cs:fontRef idx="minor">
+      <a:schemeClr val="tx1"/>
+    </cs:fontRef>
+    <cs:spPr>
+      <a:ln w="9525" cap="flat" cmpd="sng" algn="ctr">
+        <a:solidFill>
+          <a:schemeClr val="tx1">
+            <a:lumMod val="5000"/>
+            <a:lumOff val="95000"/>
+          </a:schemeClr>
+        </a:solidFill>
+        <a:round/>
+      </a:ln>
+    </cs:spPr>
+  </cs:gridlineMinor>
+  <cs:hiLoLine>
+    <cs:lnRef idx="0"/>
+    <cs:fillRef idx="0"/>
+    <cs:effectRef idx="0"/>
+    <cs:fontRef idx="minor">
+      <a:schemeClr val="tx1"/>
+    </cs:fontRef>
+    <cs:spPr>
+      <a:ln w="9525" cap="flat" cmpd="sng" algn="ctr">
+        <a:solidFill>
+          <a:schemeClr val="tx1">
+            <a:lumMod val="75000"/>
+            <a:lumOff val="25000"/>
+          </a:schemeClr>
+        </a:solidFill>
+        <a:round/>
+      </a:ln>
+    </cs:spPr>
+  </cs:hiLoLine>
+  <cs:leaderLine>
+    <cs:lnRef idx="0"/>
+    <cs:fillRef idx="0"/>
+    <cs:effectRef idx="0"/>
+    <cs:fontRef idx="minor">
+      <a:schemeClr val="tx1"/>
+    </cs:fontRef>
+    <cs:spPr>
+      <a:ln w="9525" cap="flat" cmpd="sng" algn="ctr">
+        <a:solidFill>
+          <a:schemeClr val="tx1">
+            <a:lumMod val="35000"/>
+            <a:lumOff val="65000"/>
+          </a:schemeClr>
+        </a:solidFill>
+        <a:round/>
+      </a:ln>
+    </cs:spPr>
+  </cs:leaderLine>
+  <cs:legend>
+    <cs:lnRef idx="0"/>
+    <cs:fillRef idx="0"/>
+    <cs:effectRef idx="0"/>
+    <cs:fontRef idx="minor">
+      <a:schemeClr val="tx1">
+        <a:lumMod val="65000"/>
+        <a:lumOff val="35000"/>
+      </a:schemeClr>
+    </cs:fontRef>
+    <cs:defRPr sz="900" kern="1200"/>
+  </cs:legend>
+  <cs:plotArea mods="allowNoFillOverride allowNoLineOverride">
+    <cs:lnRef idx="0"/>
+    <cs:fillRef idx="0"/>
+    <cs:effectRef idx="0"/>
+    <cs:fontRef idx="minor">
+      <a:schemeClr val="tx1"/>
+    </cs:fontRef>
+  </cs:plotArea>
+  <cs:plotArea3D mods="allowNoFillOverride allowNoLineOverride">
+    <cs:lnRef idx="0"/>
+    <cs:fillRef idx="0"/>
+    <cs:effectRef idx="0"/>
+    <cs:fontRef idx="minor">
+      <a:schemeClr val="tx1"/>
+    </cs:fontRef>
+  </cs:plotArea3D>
+  <cs:seriesAxis>
+    <cs:lnRef idx="0"/>
+    <cs:fillRef idx="0"/>
+    <cs:effectRef idx="0"/>
+    <cs:fontRef idx="minor">
+      <a:schemeClr val="tx1">
+        <a:lumMod val="65000"/>
+        <a:lumOff val="35000"/>
+      </a:schemeClr>
+    </cs:fontRef>
+    <cs:defRPr sz="900" kern="1200"/>
+  </cs:seriesAxis>
+  <cs:seriesLine>
+    <cs:lnRef idx="0"/>
+    <cs:fillRef idx="0"/>
+    <cs:effectRef idx="0"/>
+    <cs:fontRef idx="minor">
+      <a:schemeClr val="tx1"/>
+    </cs:fontRef>
+    <cs:spPr>
+      <a:ln w="9525" cap="flat" cmpd="sng" algn="ctr">
+        <a:solidFill>
+          <a:schemeClr val="tx1">
+            <a:lumMod val="35000"/>
+            <a:lumOff val="65000"/>
+          </a:schemeClr>
+        </a:solidFill>
+        <a:round/>
+      </a:ln>
+    </cs:spPr>
+  </cs:seriesLine>
+  <cs:title>
+    <cs:lnRef idx="0"/>
+    <cs:fillRef idx="0"/>
+    <cs:effectRef idx="0"/>
+    <cs:fontRef idx="minor">
+      <a:schemeClr val="tx1">
+        <a:lumMod val="65000"/>
+        <a:lumOff val="35000"/>
+      </a:schemeClr>
+    </cs:fontRef>
+    <cs:defRPr sz="1400" b="0" kern="1200" spc="0" baseline="0"/>
+  </cs:title>
+  <cs:trendline>
+    <cs:lnRef idx="0">
+      <cs:styleClr val="auto"/>
+    </cs:lnRef>
+    <cs:fillRef idx="0"/>
+    <cs:effectRef idx="0"/>
+    <cs:fontRef idx="minor">
+      <a:schemeClr val="tx1"/>
+    </cs:fontRef>
+    <cs:spPr>
+      <a:ln w="19050" cap="rnd">
+        <a:solidFill>
+          <a:schemeClr val="phClr"/>
+        </a:solidFill>
+        <a:prstDash val="sysDot"/>
+      </a:ln>
+    </cs:spPr>
+  </cs:trendline>
+  <cs:trendlineLabel>
+    <cs:lnRef idx="0"/>
+    <cs:fillRef idx="0"/>
+    <cs:effectRef idx="0"/>
+    <cs:fontRef idx="minor">
+      <a:schemeClr val="tx1">
+        <a:lumMod val="65000"/>
+        <a:lumOff val="35000"/>
+      </a:schemeClr>
+    </cs:fontRef>
+    <cs:defRPr sz="900" kern="1200"/>
+  </cs:trendlineLabel>
+  <cs:upBar>
+    <cs:lnRef idx="0"/>
+    <cs:fillRef idx="0"/>
+    <cs:effectRef idx="0"/>
+    <cs:fontRef idx="minor">
+      <a:schemeClr val="dk1"/>
+    </cs:fontRef>
+    <cs:spPr>
+      <a:solidFill>
+        <a:schemeClr val="lt1"/>
+      </a:solidFill>
+      <a:ln w="9525">
+        <a:solidFill>
+          <a:schemeClr val="tx1">
+            <a:lumMod val="15000"/>
+            <a:lumOff val="85000"/>
+          </a:schemeClr>
+        </a:solidFill>
+      </a:ln>
+    </cs:spPr>
+  </cs:upBar>
+  <cs:valueAxis>
+    <cs:lnRef idx="0"/>
+    <cs:fillRef idx="0"/>
+    <cs:effectRef idx="0"/>
+    <cs:fontRef idx="minor">
+      <a:schemeClr val="tx1">
+        <a:lumMod val="65000"/>
+        <a:lumOff val="35000"/>
+      </a:schemeClr>
+    </cs:fontRef>
+    <cs:defRPr sz="900" kern="1200"/>
+  </cs:valueAxis>
+  <cs:wall>
+    <cs:lnRef idx="0"/>
+    <cs:fillRef idx="0"/>
+    <cs:effectRef idx="0"/>
+    <cs:fontRef idx="minor">
+      <a:schemeClr val="tx1"/>
+    </cs:fontRef>
+    <cs:spPr>
+      <a:noFill/>
+      <a:ln>
+        <a:noFill/>
+      </a:ln>
+    </cs:spPr>
+  </cs:wall>
+</cs:chartStyle>
+</file>
+
+<file path=ppt/charts/style2.xml><?xml version="1.0" encoding="utf-8"?>
+<cs:chartStyle xmlns:cs="http://schemas.microsoft.com/office/drawing/2012/chartStyle" xmlns:a="http://schemas.openxmlformats.org/drawingml/2006/main" id="251">
+  <cs:axisTitle>
+    <cs:lnRef idx="0"/>
+    <cs:fillRef idx="0"/>
+    <cs:effectRef idx="0"/>
+    <cs:fontRef idx="minor">
+      <a:schemeClr val="tx1">
+        <a:lumMod val="65000"/>
+        <a:lumOff val="35000"/>
+      </a:schemeClr>
+    </cs:fontRef>
+    <cs:defRPr sz="1000" kern="1200"/>
+  </cs:axisTitle>
+  <cs:categoryAxis>
+    <cs:lnRef idx="0"/>
+    <cs:fillRef idx="0"/>
+    <cs:effectRef idx="0"/>
+    <cs:fontRef idx="minor">
+      <a:schemeClr val="tx1">
+        <a:lumMod val="65000"/>
+        <a:lumOff val="35000"/>
+      </a:schemeClr>
+    </cs:fontRef>
+    <cs:spPr>
+      <a:ln w="9525" cap="flat" cmpd="sng" algn="ctr">
+        <a:solidFill>
+          <a:schemeClr val="tx1">
+            <a:lumMod val="15000"/>
+            <a:lumOff val="85000"/>
+          </a:schemeClr>
+        </a:solidFill>
+        <a:round/>
+      </a:ln>
+    </cs:spPr>
+    <cs:defRPr sz="900" kern="1200"/>
+  </cs:categoryAxis>
+  <cs:chartArea mods="allowNoFillOverride allowNoLineOverride">
+    <cs:lnRef idx="0"/>
+    <cs:fillRef idx="0"/>
+    <cs:effectRef idx="0"/>
+    <cs:fontRef idx="minor">
+      <a:schemeClr val="tx1"/>
+    </cs:fontRef>
+    <cs:spPr>
+      <a:solidFill>
+        <a:schemeClr val="bg1"/>
+      </a:solidFill>
+      <a:ln w="9525" cap="flat" cmpd="sng" algn="ctr">
+        <a:solidFill>
+          <a:schemeClr val="tx1">
+            <a:lumMod val="15000"/>
+            <a:lumOff val="85000"/>
+          </a:schemeClr>
+        </a:solidFill>
+        <a:round/>
+      </a:ln>
+    </cs:spPr>
+    <cs:defRPr sz="900" kern="1200"/>
+  </cs:chartArea>
+  <cs:dataLabel>
+    <cs:lnRef idx="0"/>
+    <cs:fillRef idx="0"/>
+    <cs:effectRef idx="0"/>
+    <cs:fontRef idx="minor">
+      <a:schemeClr val="tx1">
+        <a:lumMod val="75000"/>
+        <a:lumOff val="25000"/>
+      </a:schemeClr>
+    </cs:fontRef>
+    <cs:defRPr sz="900" kern="1200"/>
+  </cs:dataLabel>
+  <cs:dataLabelCallout>
+    <cs:lnRef idx="0"/>
+    <cs:fillRef idx="0"/>
+    <cs:effectRef idx="0"/>
+    <cs:fontRef idx="minor">
+      <a:schemeClr val="dk1">
+        <a:lumMod val="65000"/>
+        <a:lumOff val="35000"/>
+      </a:schemeClr>
+    </cs:fontRef>
+    <cs:spPr>
+      <a:solidFill>
+        <a:schemeClr val="lt1"/>
+      </a:solidFill>
+      <a:ln>
+        <a:solidFill>
+          <a:schemeClr val="dk1">
+            <a:lumMod val="25000"/>
+            <a:lumOff val="75000"/>
+          </a:schemeClr>
+        </a:solidFill>
+      </a:ln>
+    </cs:spPr>
+    <cs:defRPr sz="900" kern="1200"/>
+    <cs:bodyPr rot="0" spcFirstLastPara="1" vertOverflow="clip" horzOverflow="clip" vert="horz" wrap="square" lIns="36576" tIns="18288" rIns="36576" bIns="18288" anchor="ctr" anchorCtr="1">
+      <a:spAutoFit/>
+    </cs:bodyPr>
+  </cs:dataLabelCallout>
+  <cs:dataPoint>
+    <cs:lnRef idx="0"/>
+    <cs:fillRef idx="1">
+      <cs:styleClr val="auto"/>
+    </cs:fillRef>
+    <cs:effectRef idx="0"/>
+    <cs:fontRef idx="minor">
+      <a:schemeClr val="tx1"/>
+    </cs:fontRef>
+    <cs:spPr>
+      <a:ln w="19050">
+        <a:solidFill>
+          <a:schemeClr val="lt1"/>
+        </a:solidFill>
+      </a:ln>
+    </cs:spPr>
+  </cs:dataPoint>
+  <cs:dataPoint3D>
+    <cs:lnRef idx="0"/>
+    <cs:fillRef idx="1">
+      <cs:styleClr val="auto"/>
+    </cs:fillRef>
+    <cs:effectRef idx="0"/>
+    <cs:fontRef idx="minor">
+      <a:schemeClr val="tx1"/>
+    </cs:fontRef>
+    <cs:spPr>
+      <a:ln w="25400">
+        <a:solidFill>
+          <a:schemeClr val="lt1"/>
+        </a:solidFill>
+      </a:ln>
+    </cs:spPr>
+  </cs:dataPoint3D>
+  <cs:dataPointLine>
+    <cs:lnRef idx="0">
+      <cs:styleClr val="auto"/>
+    </cs:lnRef>
+    <cs:fillRef idx="0"/>
+    <cs:effectRef idx="0"/>
+    <cs:fontRef idx="minor">
+      <a:schemeClr val="tx1"/>
+    </cs:fontRef>
+    <cs:spPr>
+      <a:ln w="28575" cap="rnd">
+        <a:solidFill>
+          <a:schemeClr val="phClr"/>
+        </a:solidFill>
+        <a:round/>
+      </a:ln>
+    </cs:spPr>
+  </cs:dataPointLine>
+  <cs:dataPointMarker>
+    <cs:lnRef idx="0">
+      <cs:styleClr val="auto"/>
+    </cs:lnRef>
+    <cs:fillRef idx="1">
+      <cs:styleClr val="auto"/>
+    </cs:fillRef>
+    <cs:effectRef idx="0"/>
+    <cs:fontRef idx="minor">
+      <a:schemeClr val="tx1"/>
+    </cs:fontRef>
+    <cs:spPr>
+      <a:ln w="9525">
+        <a:solidFill>
+          <a:schemeClr val="phClr"/>
+        </a:solidFill>
+      </a:ln>
+    </cs:spPr>
+  </cs:dataPointMarker>
+  <cs:dataPointMarkerLayout symbol="circle" size="5"/>
+  <cs:dataPointWireframe>
+    <cs:lnRef idx="0">
+      <cs:styleClr val="auto"/>
+    </cs:lnRef>
+    <cs:fillRef idx="0"/>
+    <cs:effectRef idx="0"/>
+    <cs:fontRef idx="minor">
+      <a:schemeClr val="tx1"/>
+    </cs:fontRef>
+    <cs:spPr>
+      <a:ln w="9525" cap="rnd">
+        <a:solidFill>
+          <a:schemeClr val="phClr"/>
+        </a:solidFill>
+        <a:round/>
+      </a:ln>
+    </cs:spPr>
+  </cs:dataPointWireframe>
+  <cs:dataTable>
+    <cs:lnRef idx="0"/>
+    <cs:fillRef idx="0"/>
+    <cs:effectRef idx="0"/>
+    <cs:fontRef idx="minor">
+      <a:schemeClr val="tx1">
+        <a:lumMod val="65000"/>
+        <a:lumOff val="35000"/>
+      </a:schemeClr>
+    </cs:fontRef>
+    <cs:spPr>
+      <a:noFill/>
+      <a:ln w="9525" cap="flat" cmpd="sng" algn="ctr">
+        <a:solidFill>
+          <a:schemeClr val="tx1">
+            <a:lumMod val="15000"/>
+            <a:lumOff val="85000"/>
+          </a:schemeClr>
+        </a:solidFill>
+        <a:round/>
+      </a:ln>
+    </cs:spPr>
+    <cs:defRPr sz="900" kern="1200"/>
+  </cs:dataTable>
+  <cs:downBar>
+    <cs:lnRef idx="0"/>
+    <cs:fillRef idx="0"/>
+    <cs:effectRef idx="0"/>
+    <cs:fontRef idx="minor">
+      <a:schemeClr val="tx1"/>
+    </cs:fontRef>
+    <cs:spPr>
+      <a:solidFill>
+        <a:schemeClr val="dk1">
+          <a:lumMod val="75000"/>
+          <a:lumOff val="25000"/>
+        </a:schemeClr>
+      </a:solidFill>
+      <a:ln w="9525" cap="flat" cmpd="sng" algn="ctr">
+        <a:solidFill>
+          <a:schemeClr val="tx1">
+            <a:lumMod val="65000"/>
+            <a:lumOff val="35000"/>
+          </a:schemeClr>
+        </a:solidFill>
+        <a:round/>
+      </a:ln>
+    </cs:spPr>
+  </cs:downBar>
+  <cs:dropLine>
+    <cs:lnRef idx="0"/>
+    <cs:fillRef idx="0"/>
+    <cs:effectRef idx="0"/>
+    <cs:fontRef idx="minor">
+      <a:schemeClr val="tx1"/>
+    </cs:fontRef>
+    <cs:spPr>
+      <a:ln w="9525" cap="flat" cmpd="sng" algn="ctr">
+        <a:solidFill>
+          <a:schemeClr val="tx1">
+            <a:lumMod val="35000"/>
+            <a:lumOff val="65000"/>
+          </a:schemeClr>
+        </a:solidFill>
+        <a:round/>
+      </a:ln>
+    </cs:spPr>
+  </cs:dropLine>
+  <cs:errorBar>
+    <cs:lnRef idx="0"/>
+    <cs:fillRef idx="0"/>
+    <cs:effectRef idx="0"/>
+    <cs:fontRef idx="minor">
+      <a:schemeClr val="tx1"/>
+    </cs:fontRef>
+    <cs:spPr>
+      <a:ln w="9525" cap="flat" cmpd="sng" algn="ctr">
+        <a:solidFill>
+          <a:schemeClr val="tx1">
+            <a:lumMod val="65000"/>
+            <a:lumOff val="35000"/>
+          </a:schemeClr>
+        </a:solidFill>
+        <a:round/>
+      </a:ln>
+    </cs:spPr>
+  </cs:errorBar>
+  <cs:floor>
+    <cs:lnRef idx="0"/>
+    <cs:fillRef idx="0"/>
+    <cs:effectRef idx="0"/>
+    <cs:fontRef idx="minor">
+      <a:schemeClr val="tx1"/>
+    </cs:fontRef>
+    <cs:spPr>
+      <a:noFill/>
+      <a:ln>
+        <a:noFill/>
+      </a:ln>
+    </cs:spPr>
+  </cs:floor>
+  <cs:gridlineMajor>
+    <cs:lnRef idx="0"/>
+    <cs:fillRef idx="0"/>
+    <cs:effectRef idx="0"/>
+    <cs:fontRef idx="minor">
+      <a:schemeClr val="tx1"/>
+    </cs:fontRef>
+    <cs:spPr>
+      <a:ln w="9525" cap="flat" cmpd="sng" algn="ctr">
+        <a:solidFill>
+          <a:schemeClr val="tx1">
+            <a:lumMod val="15000"/>
+            <a:lumOff val="85000"/>
+          </a:schemeClr>
+        </a:solidFill>
+        <a:round/>
+      </a:ln>
+    </cs:spPr>
+  </cs:gridlineMajor>
+  <cs:gridlineMinor>
+    <cs:lnRef idx="0"/>
+    <cs:fillRef idx="0"/>
+    <cs:effectRef idx="0"/>
+    <cs:fontRef idx="minor">
+      <a:schemeClr val="tx1"/>
+    </cs:fontRef>
+    <cs:spPr>
+      <a:ln w="9525" cap="flat" cmpd="sng" algn="ctr">
+        <a:solidFill>
+          <a:schemeClr val="tx1">
+            <a:lumMod val="5000"/>
+            <a:lumOff val="95000"/>
+          </a:schemeClr>
+        </a:solidFill>
+        <a:round/>
+      </a:ln>
+    </cs:spPr>
+  </cs:gridlineMinor>
+  <cs:hiLoLine>
+    <cs:lnRef idx="0"/>
+    <cs:fillRef idx="0"/>
+    <cs:effectRef idx="0"/>
+    <cs:fontRef idx="minor">
+      <a:schemeClr val="tx1"/>
+    </cs:fontRef>
+    <cs:spPr>
+      <a:ln w="9525" cap="flat" cmpd="sng" algn="ctr">
+        <a:solidFill>
+          <a:schemeClr val="tx1">
+            <a:lumMod val="50000"/>
+            <a:lumOff val="50000"/>
+          </a:schemeClr>
+        </a:solidFill>
+        <a:round/>
+      </a:ln>
+    </cs:spPr>
+  </cs:hiLoLine>
+  <cs:leaderLine>
+    <cs:lnRef idx="0"/>
+    <cs:fillRef idx="0"/>
+    <cs:effectRef idx="0"/>
+    <cs:fontRef idx="minor">
+      <a:schemeClr val="tx1"/>
+    </cs:fontRef>
+    <cs:spPr>
+      <a:ln w="9525" cap="flat" cmpd="sng" algn="ctr">
+        <a:solidFill>
+          <a:schemeClr val="tx1">
+            <a:lumMod val="35000"/>
+            <a:lumOff val="65000"/>
+          </a:schemeClr>
+        </a:solidFill>
+        <a:round/>
+      </a:ln>
+    </cs:spPr>
+  </cs:leaderLine>
+  <cs:legend>
+    <cs:lnRef idx="0"/>
+    <cs:fillRef idx="0"/>
+    <cs:effectRef idx="0"/>
+    <cs:fontRef idx="minor">
+      <a:schemeClr val="tx1">
+        <a:lumMod val="65000"/>
+        <a:lumOff val="35000"/>
+      </a:schemeClr>
+    </cs:fontRef>
+    <cs:defRPr sz="900" kern="1200"/>
+  </cs:legend>
+  <cs:plotArea mods="allowNoFillOverride allowNoLineOverride">
+    <cs:lnRef idx="0"/>
+    <cs:fillRef idx="0"/>
+    <cs:effectRef idx="0"/>
+    <cs:fontRef idx="minor">
+      <a:schemeClr val="tx1"/>
+    </cs:fontRef>
+  </cs:plotArea>
+  <cs:plotArea3D mods="allowNoFillOverride allowNoLineOverride">
+    <cs:lnRef idx="0"/>
+    <cs:fillRef idx="0"/>
+    <cs:effectRef idx="0"/>
+    <cs:fontRef idx="minor">
+      <a:schemeClr val="tx1"/>
+    </cs:fontRef>
+  </cs:plotArea3D>
+  <cs:seriesAxis>
+    <cs:lnRef idx="0"/>
+    <cs:fillRef idx="0"/>
+    <cs:effectRef idx="0"/>
+    <cs:fontRef idx="minor">
+      <a:schemeClr val="tx1">
+        <a:lumMod val="65000"/>
+        <a:lumOff val="35000"/>
+      </a:schemeClr>
+    </cs:fontRef>
+    <cs:defRPr sz="900" kern="1200"/>
+  </cs:seriesAxis>
+  <cs:seriesLine>
+    <cs:lnRef idx="0"/>
+    <cs:fillRef idx="0"/>
+    <cs:effectRef idx="0"/>
+    <cs:fontRef idx="minor">
+      <a:schemeClr val="tx1"/>
+    </cs:fontRef>
+    <cs:spPr>
+      <a:ln w="9525" cap="flat" cmpd="sng" algn="ctr">
+        <a:solidFill>
+          <a:schemeClr val="tx1">
+            <a:lumMod val="35000"/>
+            <a:lumOff val="65000"/>
+          </a:schemeClr>
+        </a:solidFill>
+        <a:round/>
+      </a:ln>
+    </cs:spPr>
+  </cs:seriesLine>
+  <cs:title>
+    <cs:lnRef idx="0"/>
+    <cs:fillRef idx="0"/>
+    <cs:effectRef idx="0"/>
+    <cs:fontRef idx="minor">
+      <a:schemeClr val="tx1">
+        <a:lumMod val="65000"/>
+        <a:lumOff val="35000"/>
+      </a:schemeClr>
+    </cs:fontRef>
+    <cs:defRPr sz="1400" b="0" kern="1200" spc="0" baseline="0"/>
+  </cs:title>
+  <cs:trendline>
+    <cs:lnRef idx="0">
+      <cs:styleClr val="auto"/>
+    </cs:lnRef>
+    <cs:fillRef idx="0"/>
+    <cs:effectRef idx="0"/>
+    <cs:fontRef idx="minor">
+      <a:schemeClr val="tx1"/>
+    </cs:fontRef>
+    <cs:spPr>
+      <a:ln w="19050" cap="rnd">
+        <a:solidFill>
+          <a:schemeClr val="phClr"/>
+        </a:solidFill>
+        <a:prstDash val="sysDot"/>
+      </a:ln>
+    </cs:spPr>
+  </cs:trendline>
+  <cs:trendlineLabel>
+    <cs:lnRef idx="0"/>
+    <cs:fillRef idx="0"/>
+    <cs:effectRef idx="0"/>
+    <cs:fontRef idx="minor">
+      <a:schemeClr val="tx1">
+        <a:lumMod val="65000"/>
+        <a:lumOff val="35000"/>
+      </a:schemeClr>
+    </cs:fontRef>
+    <cs:defRPr sz="900" kern="1200"/>
+  </cs:trendlineLabel>
+  <cs:upBar>
+    <cs:lnRef idx="0"/>
+    <cs:fillRef idx="0"/>
+    <cs:effectRef idx="0"/>
+    <cs:fontRef idx="minor">
+      <a:schemeClr val="tx1"/>
+    </cs:fontRef>
+    <cs:spPr>
+      <a:solidFill>
+        <a:schemeClr val="lt1"/>
+      </a:solidFill>
+      <a:ln w="9525" cap="flat" cmpd="sng" algn="ctr">
+        <a:solidFill>
+          <a:schemeClr val="tx1">
+            <a:lumMod val="65000"/>
+            <a:lumOff val="35000"/>
+          </a:schemeClr>
+        </a:solidFill>
+        <a:round/>
+      </a:ln>
+    </cs:spPr>
+  </cs:upBar>
+  <cs:valueAxis>
+    <cs:lnRef idx="0"/>
+    <cs:fillRef idx="0"/>
+    <cs:effectRef idx="0"/>
+    <cs:fontRef idx="minor">
+      <a:schemeClr val="tx1">
+        <a:lumMod val="65000"/>
+        <a:lumOff val="35000"/>
+      </a:schemeClr>
+    </cs:fontRef>
+    <cs:defRPr sz="900" kern="1200"/>
+  </cs:valueAxis>
+  <cs:wall>
+    <cs:lnRef idx="0"/>
+    <cs:fillRef idx="0"/>
+    <cs:effectRef idx="0"/>
+    <cs:fontRef idx="minor">
+      <a:schemeClr val="tx1"/>
+    </cs:fontRef>
+    <cs:spPr>
+      <a:noFill/>
+      <a:ln>
+        <a:noFill/>
+      </a:ln>
+    </cs:spPr>
+  </cs:wall>
+</cs:chartStyle>
+</file>
+
+<file path=ppt/charts/style3.xml><?xml version="1.0" encoding="utf-8"?>
+<cs:chartStyle xmlns:cs="http://schemas.microsoft.com/office/drawing/2012/chartStyle" xmlns:a="http://schemas.openxmlformats.org/drawingml/2006/main" id="251">
+  <cs:axisTitle>
+    <cs:lnRef idx="0"/>
+    <cs:fillRef idx="0"/>
+    <cs:effectRef idx="0"/>
+    <cs:fontRef idx="minor">
+      <a:schemeClr val="tx1">
+        <a:lumMod val="65000"/>
+        <a:lumOff val="35000"/>
+      </a:schemeClr>
+    </cs:fontRef>
+    <cs:defRPr sz="1000" kern="1200"/>
+  </cs:axisTitle>
+  <cs:categoryAxis>
+    <cs:lnRef idx="0"/>
+    <cs:fillRef idx="0"/>
+    <cs:effectRef idx="0"/>
+    <cs:fontRef idx="minor">
+      <a:schemeClr val="tx1">
+        <a:lumMod val="65000"/>
+        <a:lumOff val="35000"/>
+      </a:schemeClr>
+    </cs:fontRef>
+    <cs:spPr>
+      <a:ln w="9525" cap="flat" cmpd="sng" algn="ctr">
+        <a:solidFill>
+          <a:schemeClr val="tx1">
+            <a:lumMod val="15000"/>
+            <a:lumOff val="85000"/>
+          </a:schemeClr>
+        </a:solidFill>
+        <a:round/>
+      </a:ln>
+    </cs:spPr>
+    <cs:defRPr sz="900" kern="1200"/>
+  </cs:categoryAxis>
+  <cs:chartArea mods="allowNoFillOverride allowNoLineOverride">
+    <cs:lnRef idx="0"/>
+    <cs:fillRef idx="0"/>
+    <cs:effectRef idx="0"/>
+    <cs:fontRef idx="minor">
+      <a:schemeClr val="tx1"/>
+    </cs:fontRef>
+    <cs:spPr>
+      <a:solidFill>
+        <a:schemeClr val="bg1"/>
+      </a:solidFill>
+      <a:ln w="9525" cap="flat" cmpd="sng" algn="ctr">
+        <a:solidFill>
+          <a:schemeClr val="tx1">
+            <a:lumMod val="15000"/>
+            <a:lumOff val="85000"/>
+          </a:schemeClr>
+        </a:solidFill>
+        <a:round/>
+      </a:ln>
+    </cs:spPr>
+    <cs:defRPr sz="900" kern="1200"/>
+  </cs:chartArea>
+  <cs:dataLabel>
+    <cs:lnRef idx="0"/>
+    <cs:fillRef idx="0"/>
+    <cs:effectRef idx="0"/>
+    <cs:fontRef idx="minor">
+      <a:schemeClr val="tx1">
+        <a:lumMod val="75000"/>
+        <a:lumOff val="25000"/>
+      </a:schemeClr>
+    </cs:fontRef>
+    <cs:defRPr sz="900" kern="1200"/>
+  </cs:dataLabel>
+  <cs:dataLabelCallout>
+    <cs:lnRef idx="0"/>
+    <cs:fillRef idx="0"/>
+    <cs:effectRef idx="0"/>
+    <cs:fontRef idx="minor">
+      <a:schemeClr val="dk1">
+        <a:lumMod val="65000"/>
+        <a:lumOff val="35000"/>
+      </a:schemeClr>
+    </cs:fontRef>
+    <cs:spPr>
+      <a:solidFill>
+        <a:schemeClr val="lt1"/>
+      </a:solidFill>
+      <a:ln>
+        <a:solidFill>
+          <a:schemeClr val="dk1">
+            <a:lumMod val="25000"/>
+            <a:lumOff val="75000"/>
+          </a:schemeClr>
+        </a:solidFill>
+      </a:ln>
+    </cs:spPr>
+    <cs:defRPr sz="900" kern="1200"/>
+    <cs:bodyPr rot="0" spcFirstLastPara="1" vertOverflow="clip" horzOverflow="clip" vert="horz" wrap="square" lIns="36576" tIns="18288" rIns="36576" bIns="18288" anchor="ctr" anchorCtr="1">
+      <a:spAutoFit/>
+    </cs:bodyPr>
+  </cs:dataLabelCallout>
+  <cs:dataPoint>
+    <cs:lnRef idx="0"/>
+    <cs:fillRef idx="1">
+      <cs:styleClr val="auto"/>
+    </cs:fillRef>
+    <cs:effectRef idx="0"/>
+    <cs:fontRef idx="minor">
+      <a:schemeClr val="tx1"/>
+    </cs:fontRef>
+    <cs:spPr>
+      <a:ln w="19050">
+        <a:solidFill>
+          <a:schemeClr val="lt1"/>
+        </a:solidFill>
+      </a:ln>
+    </cs:spPr>
+  </cs:dataPoint>
+  <cs:dataPoint3D>
+    <cs:lnRef idx="0"/>
+    <cs:fillRef idx="1">
+      <cs:styleClr val="auto"/>
+    </cs:fillRef>
+    <cs:effectRef idx="0"/>
+    <cs:fontRef idx="minor">
+      <a:schemeClr val="tx1"/>
+    </cs:fontRef>
+    <cs:spPr>
+      <a:ln w="25400">
+        <a:solidFill>
+          <a:schemeClr val="lt1"/>
+        </a:solidFill>
+      </a:ln>
+    </cs:spPr>
+  </cs:dataPoint3D>
+  <cs:dataPointLine>
+    <cs:lnRef idx="0">
+      <cs:styleClr val="auto"/>
+    </cs:lnRef>
+    <cs:fillRef idx="0"/>
+    <cs:effectRef idx="0"/>
+    <cs:fontRef idx="minor">
+      <a:schemeClr val="tx1"/>
+    </cs:fontRef>
+    <cs:spPr>
+      <a:ln w="28575" cap="rnd">
+        <a:solidFill>
+          <a:schemeClr val="phClr"/>
+        </a:solidFill>
+        <a:round/>
+      </a:ln>
+    </cs:spPr>
+  </cs:dataPointLine>
+  <cs:dataPointMarker>
+    <cs:lnRef idx="0">
+      <cs:styleClr val="auto"/>
+    </cs:lnRef>
+    <cs:fillRef idx="1">
+      <cs:styleClr val="auto"/>
+    </cs:fillRef>
+    <cs:effectRef idx="0"/>
+    <cs:fontRef idx="minor">
+      <a:schemeClr val="tx1"/>
+    </cs:fontRef>
+    <cs:spPr>
+      <a:ln w="9525">
+        <a:solidFill>
+          <a:schemeClr val="phClr"/>
+        </a:solidFill>
+      </a:ln>
+    </cs:spPr>
+  </cs:dataPointMarker>
+  <cs:dataPointMarkerLayout symbol="circle" size="5"/>
+  <cs:dataPointWireframe>
+    <cs:lnRef idx="0">
+      <cs:styleClr val="auto"/>
+    </cs:lnRef>
+    <cs:fillRef idx="0"/>
+    <cs:effectRef idx="0"/>
+    <cs:fontRef idx="minor">
+      <a:schemeClr val="tx1"/>
+    </cs:fontRef>
+    <cs:spPr>
+      <a:ln w="9525" cap="rnd">
+        <a:solidFill>
+          <a:schemeClr val="phClr"/>
+        </a:solidFill>
+        <a:round/>
+      </a:ln>
+    </cs:spPr>
+  </cs:dataPointWireframe>
+  <cs:dataTable>
+    <cs:lnRef idx="0"/>
+    <cs:fillRef idx="0"/>
+    <cs:effectRef idx="0"/>
+    <cs:fontRef idx="minor">
+      <a:schemeClr val="tx1">
+        <a:lumMod val="65000"/>
+        <a:lumOff val="35000"/>
+      </a:schemeClr>
+    </cs:fontRef>
+    <cs:spPr>
+      <a:noFill/>
+      <a:ln w="9525" cap="flat" cmpd="sng" algn="ctr">
+        <a:solidFill>
+          <a:schemeClr val="tx1">
+            <a:lumMod val="15000"/>
+            <a:lumOff val="85000"/>
+          </a:schemeClr>
+        </a:solidFill>
+        <a:round/>
+      </a:ln>
+    </cs:spPr>
+    <cs:defRPr sz="900" kern="1200"/>
+  </cs:dataTable>
+  <cs:downBar>
+    <cs:lnRef idx="0"/>
+    <cs:fillRef idx="0"/>
+    <cs:effectRef idx="0"/>
+    <cs:fontRef idx="minor">
+      <a:schemeClr val="tx1"/>
+    </cs:fontRef>
+    <cs:spPr>
+      <a:solidFill>
+        <a:schemeClr val="dk1">
+          <a:lumMod val="75000"/>
+          <a:lumOff val="25000"/>
+        </a:schemeClr>
+      </a:solidFill>
+      <a:ln w="9525" cap="flat" cmpd="sng" algn="ctr">
+        <a:solidFill>
+          <a:schemeClr val="tx1">
+            <a:lumMod val="65000"/>
+            <a:lumOff val="35000"/>
+          </a:schemeClr>
+        </a:solidFill>
+        <a:round/>
+      </a:ln>
+    </cs:spPr>
+  </cs:downBar>
+  <cs:dropLine>
+    <cs:lnRef idx="0"/>
+    <cs:fillRef idx="0"/>
+    <cs:effectRef idx="0"/>
+    <cs:fontRef idx="minor">
+      <a:schemeClr val="tx1"/>
+    </cs:fontRef>
+    <cs:spPr>
+      <a:ln w="9525" cap="flat" cmpd="sng" algn="ctr">
+        <a:solidFill>
+          <a:schemeClr val="tx1">
+            <a:lumMod val="35000"/>
+            <a:lumOff val="65000"/>
+          </a:schemeClr>
+        </a:solidFill>
+        <a:round/>
+      </a:ln>
+    </cs:spPr>
+  </cs:dropLine>
+  <cs:errorBar>
+    <cs:lnRef idx="0"/>
+    <cs:fillRef idx="0"/>
+    <cs:effectRef idx="0"/>
+    <cs:fontRef idx="minor">
+      <a:schemeClr val="tx1"/>
+    </cs:fontRef>
+    <cs:spPr>
+      <a:ln w="9525" cap="flat" cmpd="sng" algn="ctr">
+        <a:solidFill>
+          <a:schemeClr val="tx1">
+            <a:lumMod val="65000"/>
+            <a:lumOff val="35000"/>
+          </a:schemeClr>
+        </a:solidFill>
+        <a:round/>
+      </a:ln>
+    </cs:spPr>
+  </cs:errorBar>
+  <cs:floor>
+    <cs:lnRef idx="0"/>
+    <cs:fillRef idx="0"/>
+    <cs:effectRef idx="0"/>
+    <cs:fontRef idx="minor">
+      <a:schemeClr val="tx1"/>
+    </cs:fontRef>
+    <cs:spPr>
+      <a:noFill/>
+      <a:ln>
+        <a:noFill/>
+      </a:ln>
+    </cs:spPr>
+  </cs:floor>
+  <cs:gridlineMajor>
+    <cs:lnRef idx="0"/>
+    <cs:fillRef idx="0"/>
+    <cs:effectRef idx="0"/>
+    <cs:fontRef idx="minor">
+      <a:schemeClr val="tx1"/>
+    </cs:fontRef>
+    <cs:spPr>
+      <a:ln w="9525" cap="flat" cmpd="sng" algn="ctr">
+        <a:solidFill>
+          <a:schemeClr val="tx1">
+            <a:lumMod val="15000"/>
+            <a:lumOff val="85000"/>
+          </a:schemeClr>
+        </a:solidFill>
+        <a:round/>
+      </a:ln>
+    </cs:spPr>
+  </cs:gridlineMajor>
+  <cs:gridlineMinor>
+    <cs:lnRef idx="0"/>
+    <cs:fillRef idx="0"/>
+    <cs:effectRef idx="0"/>
+    <cs:fontRef idx="minor">
+      <a:schemeClr val="tx1"/>
+    </cs:fontRef>
+    <cs:spPr>
+      <a:ln w="9525" cap="flat" cmpd="sng" algn="ctr">
+        <a:solidFill>
+          <a:schemeClr val="tx1">
+            <a:lumMod val="5000"/>
+            <a:lumOff val="95000"/>
+          </a:schemeClr>
+        </a:solidFill>
+        <a:round/>
+      </a:ln>
+    </cs:spPr>
+  </cs:gridlineMinor>
+  <cs:hiLoLine>
+    <cs:lnRef idx="0"/>
+    <cs:fillRef idx="0"/>
+    <cs:effectRef idx="0"/>
+    <cs:fontRef idx="minor">
+      <a:schemeClr val="tx1"/>
+    </cs:fontRef>
+    <cs:spPr>
+      <a:ln w="9525" cap="flat" cmpd="sng" algn="ctr">
+        <a:solidFill>
+          <a:schemeClr val="tx1">
+            <a:lumMod val="50000"/>
+            <a:lumOff val="50000"/>
+          </a:schemeClr>
+        </a:solidFill>
+        <a:round/>
+      </a:ln>
+    </cs:spPr>
+  </cs:hiLoLine>
+  <cs:leaderLine>
+    <cs:lnRef idx="0"/>
+    <cs:fillRef idx="0"/>
+    <cs:effectRef idx="0"/>
+    <cs:fontRef idx="minor">
+      <a:schemeClr val="tx1"/>
+    </cs:fontRef>
+    <cs:spPr>
+      <a:ln w="9525" cap="flat" cmpd="sng" algn="ctr">
+        <a:solidFill>
+          <a:schemeClr val="tx1">
+            <a:lumMod val="35000"/>
+            <a:lumOff val="65000"/>
+          </a:schemeClr>
+        </a:solidFill>
+        <a:round/>
+      </a:ln>
+    </cs:spPr>
+  </cs:leaderLine>
+  <cs:legend>
+    <cs:lnRef idx="0"/>
+    <cs:fillRef idx="0"/>
+    <cs:effectRef idx="0"/>
+    <cs:fontRef idx="minor">
+      <a:schemeClr val="tx1">
+        <a:lumMod val="65000"/>
+        <a:lumOff val="35000"/>
+      </a:schemeClr>
+    </cs:fontRef>
+    <cs:defRPr sz="900" kern="1200"/>
+  </cs:legend>
+  <cs:plotArea mods="allowNoFillOverride allowNoLineOverride">
+    <cs:lnRef idx="0"/>
+    <cs:fillRef idx="0"/>
+    <cs:effectRef idx="0"/>
+    <cs:fontRef idx="minor">
+      <a:schemeClr val="tx1"/>
+    </cs:fontRef>
+  </cs:plotArea>
+  <cs:plotArea3D mods="allowNoFillOverride allowNoLineOverride">
+    <cs:lnRef idx="0"/>
+    <cs:fillRef idx="0"/>
+    <cs:effectRef idx="0"/>
+    <cs:fontRef idx="minor">
+      <a:schemeClr val="tx1"/>
+    </cs:fontRef>
+  </cs:plotArea3D>
+  <cs:seriesAxis>
+    <cs:lnRef idx="0"/>
+    <cs:fillRef idx="0"/>
+    <cs:effectRef idx="0"/>
+    <cs:fontRef idx="minor">
+      <a:schemeClr val="tx1">
+        <a:lumMod val="65000"/>
+        <a:lumOff val="35000"/>
+      </a:schemeClr>
+    </cs:fontRef>
+    <cs:defRPr sz="900" kern="1200"/>
+  </cs:seriesAxis>
+  <cs:seriesLine>
+    <cs:lnRef idx="0"/>
+    <cs:fillRef idx="0"/>
+    <cs:effectRef idx="0"/>
+    <cs:fontRef idx="minor">
+      <a:schemeClr val="tx1"/>
+    </cs:fontRef>
+    <cs:spPr>
+      <a:ln w="9525" cap="flat" cmpd="sng" algn="ctr">
+        <a:solidFill>
+          <a:schemeClr val="tx1">
+            <a:lumMod val="35000"/>
+            <a:lumOff val="65000"/>
+          </a:schemeClr>
+        </a:solidFill>
+        <a:round/>
+      </a:ln>
+    </cs:spPr>
+  </cs:seriesLine>
+  <cs:title>
+    <cs:lnRef idx="0"/>
+    <cs:fillRef idx="0"/>
+    <cs:effectRef idx="0"/>
+    <cs:fontRef idx="minor">
+      <a:schemeClr val="tx1">
+        <a:lumMod val="65000"/>
+        <a:lumOff val="35000"/>
+      </a:schemeClr>
+    </cs:fontRef>
+    <cs:defRPr sz="1400" b="0" kern="1200" spc="0" baseline="0"/>
+  </cs:title>
+  <cs:trendline>
+    <cs:lnRef idx="0">
+      <cs:styleClr val="auto"/>
+    </cs:lnRef>
+    <cs:fillRef idx="0"/>
+    <cs:effectRef idx="0"/>
+    <cs:fontRef idx="minor">
+      <a:schemeClr val="tx1"/>
+    </cs:fontRef>
+    <cs:spPr>
+      <a:ln w="19050" cap="rnd">
+        <a:solidFill>
+          <a:schemeClr val="phClr"/>
+        </a:solidFill>
+        <a:prstDash val="sysDot"/>
+      </a:ln>
+    </cs:spPr>
+  </cs:trendline>
+  <cs:trendlineLabel>
+    <cs:lnRef idx="0"/>
+    <cs:fillRef idx="0"/>
+    <cs:effectRef idx="0"/>
+    <cs:fontRef idx="minor">
+      <a:schemeClr val="tx1">
+        <a:lumMod val="65000"/>
+        <a:lumOff val="35000"/>
+      </a:schemeClr>
+    </cs:fontRef>
+    <cs:defRPr sz="900" kern="1200"/>
+  </cs:trendlineLabel>
+  <cs:upBar>
+    <cs:lnRef idx="0"/>
+    <cs:fillRef idx="0"/>
+    <cs:effectRef idx="0"/>
+    <cs:fontRef idx="minor">
+      <a:schemeClr val="tx1"/>
+    </cs:fontRef>
+    <cs:spPr>
+      <a:solidFill>
+        <a:schemeClr val="lt1"/>
+      </a:solidFill>
+      <a:ln w="9525" cap="flat" cmpd="sng" algn="ctr">
+        <a:solidFill>
+          <a:schemeClr val="tx1">
+            <a:lumMod val="65000"/>
+            <a:lumOff val="35000"/>
+          </a:schemeClr>
+        </a:solidFill>
+        <a:round/>
+      </a:ln>
+    </cs:spPr>
+  </cs:upBar>
+  <cs:valueAxis>
+    <cs:lnRef idx="0"/>
+    <cs:fillRef idx="0"/>
+    <cs:effectRef idx="0"/>
+    <cs:fontRef idx="minor">
+      <a:schemeClr val="tx1">
+        <a:lumMod val="65000"/>
+        <a:lumOff val="35000"/>
+      </a:schemeClr>
+    </cs:fontRef>
+    <cs:defRPr sz="900" kern="1200"/>
+  </cs:valueAxis>
+  <cs:wall>
+    <cs:lnRef idx="0"/>
+    <cs:fillRef idx="0"/>
+    <cs:effectRef idx="0"/>
+    <cs:fontRef idx="minor">
+      <a:schemeClr val="tx1"/>
+    </cs:fontRef>
+    <cs:spPr>
+      <a:noFill/>
+      <a:ln>
+        <a:noFill/>
+      </a:ln>
+    </cs:spPr>
+  </cs:wall>
+</cs:chartStyle>
+</file>
+
+<file path=ppt/charts/style4.xml><?xml version="1.0" encoding="utf-8"?>
+<cs:chartStyle xmlns:cs="http://schemas.microsoft.com/office/drawing/2012/chartStyle" xmlns:a="http://schemas.openxmlformats.org/drawingml/2006/main" id="216">
+  <cs:axisTitle>
+    <cs:lnRef idx="0"/>
+    <cs:fillRef idx="0"/>
+    <cs:effectRef idx="0"/>
+    <cs:fontRef idx="minor">
+      <a:schemeClr val="tx1">
+        <a:lumMod val="65000"/>
+        <a:lumOff val="35000"/>
+      </a:schemeClr>
+    </cs:fontRef>
+    <cs:defRPr sz="1000" kern="1200"/>
+  </cs:axisTitle>
+  <cs:categoryAxis>
+    <cs:lnRef idx="0"/>
+    <cs:fillRef idx="0"/>
+    <cs:effectRef idx="0"/>
+    <cs:fontRef idx="minor">
+      <a:schemeClr val="tx1">
+        <a:lumMod val="65000"/>
+        <a:lumOff val="35000"/>
+      </a:schemeClr>
+    </cs:fontRef>
+    <cs:spPr>
+      <a:ln w="9525" cap="flat" cmpd="sng" algn="ctr">
+        <a:solidFill>
+          <a:schemeClr val="tx1">
+            <a:lumMod val="15000"/>
+            <a:lumOff val="85000"/>
+          </a:schemeClr>
+        </a:solidFill>
+        <a:round/>
+      </a:ln>
+    </cs:spPr>
+    <cs:defRPr sz="900" kern="1200"/>
+  </cs:categoryAxis>
+  <cs:chartArea mods="allowNoFillOverride allowNoLineOverride">
+    <cs:lnRef idx="0"/>
+    <cs:fillRef idx="0"/>
+    <cs:effectRef idx="0"/>
+    <cs:fontRef idx="minor">
+      <a:schemeClr val="tx1"/>
+    </cs:fontRef>
+    <cs:spPr>
+      <a:solidFill>
+        <a:schemeClr val="bg1"/>
+      </a:solidFill>
+      <a:ln w="9525" cap="flat" cmpd="sng" algn="ctr">
+        <a:solidFill>
+          <a:schemeClr val="tx1">
+            <a:lumMod val="15000"/>
+            <a:lumOff val="85000"/>
+          </a:schemeClr>
+        </a:solidFill>
+        <a:round/>
+      </a:ln>
+    </cs:spPr>
+    <cs:defRPr sz="1000" kern="1200"/>
+  </cs:chartArea>
+  <cs:dataLabel>
+    <cs:lnRef idx="0"/>
+    <cs:fillRef idx="0"/>
+    <cs:effectRef idx="0"/>
+    <cs:fontRef idx="minor">
+      <a:schemeClr val="tx1">
+        <a:lumMod val="75000"/>
+        <a:lumOff val="25000"/>
+      </a:schemeClr>
+    </cs:fontRef>
+    <cs:defRPr sz="900" kern="1200"/>
+  </cs:dataLabel>
+  <cs:dataLabelCallout>
+    <cs:lnRef idx="0"/>
+    <cs:fillRef idx="0"/>
+    <cs:effectRef idx="0"/>
+    <cs:fontRef idx="minor">
+      <a:schemeClr val="dk1">
+        <a:lumMod val="65000"/>
+        <a:lumOff val="35000"/>
+      </a:schemeClr>
+    </cs:fontRef>
+    <cs:spPr>
+      <a:solidFill>
+        <a:schemeClr val="lt1"/>
+      </a:solidFill>
+      <a:ln>
+        <a:solidFill>
+          <a:schemeClr val="dk1">
+            <a:lumMod val="25000"/>
+            <a:lumOff val="75000"/>
+          </a:schemeClr>
+        </a:solidFill>
+      </a:ln>
+    </cs:spPr>
+    <cs:defRPr sz="900" kern="1200"/>
+    <cs:bodyPr rot="0" spcFirstLastPara="1" vertOverflow="clip" horzOverflow="clip" vert="horz" wrap="square" lIns="36576" tIns="18288" rIns="36576" bIns="18288" anchor="ctr" anchorCtr="1">
+      <a:spAutoFit/>
+    </cs:bodyPr>
+  </cs:dataLabelCallout>
+  <cs:dataPoint>
+    <cs:lnRef idx="0"/>
+    <cs:fillRef idx="1">
+      <cs:styleClr val="auto"/>
+    </cs:fillRef>
+    <cs:effectRef idx="0"/>
+    <cs:fontRef idx="minor">
+      <a:schemeClr val="tx1"/>
+    </cs:fontRef>
+  </cs:dataPoint>
+  <cs:dataPoint3D>
+    <cs:lnRef idx="0"/>
+    <cs:fillRef idx="1">
+      <cs:styleClr val="auto"/>
+    </cs:fillRef>
+    <cs:effectRef idx="0"/>
+    <cs:fontRef idx="minor">
+      <a:schemeClr val="tx1"/>
+    </cs:fontRef>
+  </cs:dataPoint3D>
+  <cs:dataPointLine>
+    <cs:lnRef idx="0">
+      <cs:styleClr val="auto"/>
+    </cs:lnRef>
+    <cs:fillRef idx="1"/>
+    <cs:effectRef idx="0"/>
+    <cs:fontRef idx="minor">
+      <a:schemeClr val="tx1"/>
+    </cs:fontRef>
+    <cs:spPr>
+      <a:ln w="28575" cap="rnd">
+        <a:solidFill>
+          <a:schemeClr val="phClr"/>
+        </a:solidFill>
+        <a:round/>
+      </a:ln>
+    </cs:spPr>
+  </cs:dataPointLine>
+  <cs:dataPointMarker>
+    <cs:lnRef idx="0">
+      <cs:styleClr val="auto"/>
+    </cs:lnRef>
+    <cs:fillRef idx="1">
+      <cs:styleClr val="auto"/>
+    </cs:fillRef>
+    <cs:effectRef idx="0"/>
+    <cs:fontRef idx="minor">
+      <a:schemeClr val="tx1"/>
+    </cs:fontRef>
+    <cs:spPr>
+      <a:ln w="9525">
+        <a:solidFill>
+          <a:schemeClr val="phClr"/>
+        </a:solidFill>
+      </a:ln>
+    </cs:spPr>
+  </cs:dataPointMarker>
+  <cs:dataPointMarkerLayout symbol="circle" size="5"/>
+  <cs:dataPointWireframe>
+    <cs:lnRef idx="0">
+      <cs:styleClr val="auto"/>
+    </cs:lnRef>
+    <cs:fillRef idx="1"/>
+    <cs:effectRef idx="0"/>
+    <cs:fontRef idx="minor">
+      <a:schemeClr val="tx1"/>
+    </cs:fontRef>
+    <cs:spPr>
+      <a:ln w="9525" cap="rnd">
+        <a:solidFill>
+          <a:schemeClr val="phClr"/>
+        </a:solidFill>
+        <a:round/>
+      </a:ln>
+    </cs:spPr>
+  </cs:dataPointWireframe>
+  <cs:dataTable>
+    <cs:lnRef idx="0"/>
+    <cs:fillRef idx="0"/>
+    <cs:effectRef idx="0"/>
+    <cs:fontRef idx="minor">
+      <a:schemeClr val="tx1">
+        <a:lumMod val="65000"/>
+        <a:lumOff val="35000"/>
+      </a:schemeClr>
+    </cs:fontRef>
+    <cs:spPr>
+      <a:noFill/>
+      <a:ln w="9525" cap="flat" cmpd="sng" algn="ctr">
+        <a:solidFill>
+          <a:schemeClr val="tx1">
+            <a:lumMod val="15000"/>
+            <a:lumOff val="85000"/>
+          </a:schemeClr>
+        </a:solidFill>
+        <a:round/>
+      </a:ln>
+    </cs:spPr>
+    <cs:defRPr sz="900" kern="1200"/>
+  </cs:dataTable>
+  <cs:downBar>
+    <cs:lnRef idx="0"/>
+    <cs:fillRef idx="0"/>
+    <cs:effectRef idx="0"/>
+    <cs:fontRef idx="minor">
+      <a:schemeClr val="tx1"/>
+    </cs:fontRef>
+    <cs:spPr>
+      <a:solidFill>
+        <a:schemeClr val="dk1">
+          <a:lumMod val="75000"/>
+          <a:lumOff val="25000"/>
+        </a:schemeClr>
+      </a:solidFill>
+      <a:ln w="9525" cap="flat" cmpd="sng" algn="ctr">
+        <a:solidFill>
+          <a:schemeClr val="tx1">
+            <a:lumMod val="65000"/>
+            <a:lumOff val="35000"/>
+          </a:schemeClr>
+        </a:solidFill>
+        <a:round/>
+      </a:ln>
+    </cs:spPr>
+  </cs:downBar>
+  <cs:dropLine>
+    <cs:lnRef idx="0"/>
+    <cs:fillRef idx="0"/>
+    <cs:effectRef idx="0"/>
+    <cs:fontRef idx="minor">
+      <a:schemeClr val="tx1"/>
+    </cs:fontRef>
+    <cs:spPr>
+      <a:ln w="9525" cap="flat" cmpd="sng" algn="ctr">
+        <a:solidFill>
+          <a:schemeClr val="tx1">
+            <a:lumMod val="35000"/>
+            <a:lumOff val="65000"/>
+          </a:schemeClr>
+        </a:solidFill>
+        <a:round/>
+      </a:ln>
+    </cs:spPr>
+  </cs:dropLine>
+  <cs:errorBar>
+    <cs:lnRef idx="0"/>
+    <cs:fillRef idx="0"/>
+    <cs:effectRef idx="0"/>
+    <cs:fontRef idx="minor">
+      <a:schemeClr val="tx1"/>
+    </cs:fontRef>
+    <cs:spPr>
+      <a:ln w="9525" cap="flat" cmpd="sng" algn="ctr">
+        <a:solidFill>
+          <a:schemeClr val="tx1">
+            <a:lumMod val="65000"/>
+            <a:lumOff val="35000"/>
+          </a:schemeClr>
+        </a:solidFill>
+        <a:round/>
+      </a:ln>
+    </cs:spPr>
+  </cs:errorBar>
+  <cs:floor>
+    <cs:lnRef idx="0"/>
+    <cs:fillRef idx="0"/>
+    <cs:effectRef idx="0"/>
+    <cs:fontRef idx="minor">
+      <a:schemeClr val="tx1"/>
+    </cs:fontRef>
+    <cs:spPr>
+      <a:noFill/>
+      <a:ln>
+        <a:noFill/>
+      </a:ln>
+    </cs:spPr>
+  </cs:floor>
+  <cs:gridlineMajor>
+    <cs:lnRef idx="0"/>
+    <cs:fillRef idx="0"/>
+    <cs:effectRef idx="0"/>
+    <cs:fontRef idx="minor">
+      <a:schemeClr val="tx1"/>
+    </cs:fontRef>
+    <cs:spPr>
+      <a:ln w="9525" cap="flat" cmpd="sng" algn="ctr">
+        <a:solidFill>
+          <a:schemeClr val="tx1">
+            <a:lumMod val="15000"/>
+            <a:lumOff val="85000"/>
+          </a:schemeClr>
+        </a:solidFill>
+        <a:round/>
+      </a:ln>
+    </cs:spPr>
+  </cs:gridlineMajor>
+  <cs:gridlineMinor>
+    <cs:lnRef idx="0"/>
+    <cs:fillRef idx="0"/>
+    <cs:effectRef idx="0"/>
+    <cs:fontRef idx="minor">
+      <a:schemeClr val="tx1"/>
+    </cs:fontRef>
+    <cs:spPr>
+      <a:ln w="9525" cap="flat" cmpd="sng" algn="ctr">
+        <a:solidFill>
+          <a:schemeClr val="tx1">
+            <a:lumMod val="5000"/>
+            <a:lumOff val="95000"/>
+          </a:schemeClr>
+        </a:solidFill>
+        <a:round/>
+      </a:ln>
+    </cs:spPr>
+  </cs:gridlineMinor>
+  <cs:hiLoLine>
+    <cs:lnRef idx="0"/>
+    <cs:fillRef idx="0"/>
+    <cs:effectRef idx="0"/>
+    <cs:fontRef idx="minor">
+      <a:schemeClr val="tx1"/>
+    </cs:fontRef>
+    <cs:spPr>
+      <a:ln w="9525" cap="flat" cmpd="sng" algn="ctr">
+        <a:solidFill>
+          <a:schemeClr val="tx1">
+            <a:lumMod val="50000"/>
+            <a:lumOff val="50000"/>
+          </a:schemeClr>
+        </a:solidFill>
+        <a:round/>
+      </a:ln>
+    </cs:spPr>
+  </cs:hiLoLine>
+  <cs:leaderLine>
+    <cs:lnRef idx="0"/>
+    <cs:fillRef idx="0"/>
+    <cs:effectRef idx="0"/>
+    <cs:fontRef idx="minor">
+      <a:schemeClr val="tx1"/>
+    </cs:fontRef>
+    <cs:spPr>
+      <a:ln w="9525" cap="flat" cmpd="sng" algn="ctr">
+        <a:solidFill>
+          <a:schemeClr val="tx1">
+            <a:lumMod val="35000"/>
+            <a:lumOff val="65000"/>
+          </a:schemeClr>
+        </a:solidFill>
+        <a:round/>
+      </a:ln>
+    </cs:spPr>
+  </cs:leaderLine>
+  <cs:legend>
+    <cs:lnRef idx="0"/>
+    <cs:fillRef idx="0"/>
+    <cs:effectRef idx="0"/>
+    <cs:fontRef idx="minor">
+      <a:schemeClr val="tx1">
+        <a:lumMod val="65000"/>
+        <a:lumOff val="35000"/>
+      </a:schemeClr>
+    </cs:fontRef>
+    <cs:defRPr sz="900" kern="1200"/>
+  </cs:legend>
+  <cs:plotArea mods="allowNoFillOverride allowNoLineOverride">
+    <cs:lnRef idx="0"/>
+    <cs:fillRef idx="0"/>
+    <cs:effectRef idx="0"/>
+    <cs:fontRef idx="minor">
+      <a:schemeClr val="tx1"/>
+    </cs:fontRef>
+  </cs:plotArea>
+  <cs:plotArea3D mods="allowNoFillOverride allowNoLineOverride">
+    <cs:lnRef idx="0"/>
+    <cs:fillRef idx="0"/>
+    <cs:effectRef idx="0"/>
+    <cs:fontRef idx="minor">
+      <a:schemeClr val="tx1"/>
+    </cs:fontRef>
+  </cs:plotArea3D>
+  <cs:seriesAxis>
+    <cs:lnRef idx="0"/>
+    <cs:fillRef idx="0"/>
+    <cs:effectRef idx="0"/>
+    <cs:fontRef idx="minor">
+      <a:schemeClr val="tx1">
+        <a:lumMod val="65000"/>
+        <a:lumOff val="35000"/>
+      </a:schemeClr>
+    </cs:fontRef>
+    <cs:defRPr sz="900" kern="1200"/>
+  </cs:seriesAxis>
+  <cs:seriesLine>
+    <cs:lnRef idx="0"/>
+    <cs:fillRef idx="0"/>
+    <cs:effectRef idx="0"/>
+    <cs:fontRef idx="minor">
+      <a:schemeClr val="tx1"/>
+    </cs:fontRef>
+    <cs:spPr>
+      <a:ln w="9525" cap="flat" cmpd="sng" algn="ctr">
+        <a:solidFill>
+          <a:schemeClr val="tx1">
+            <a:lumMod val="35000"/>
+            <a:lumOff val="65000"/>
+          </a:schemeClr>
+        </a:solidFill>
+        <a:round/>
+      </a:ln>
+    </cs:spPr>
+  </cs:seriesLine>
+  <cs:title>
+    <cs:lnRef idx="0"/>
+    <cs:fillRef idx="0"/>
+    <cs:effectRef idx="0"/>
+    <cs:fontRef idx="minor">
+      <a:schemeClr val="tx1">
+        <a:lumMod val="65000"/>
+        <a:lumOff val="35000"/>
+      </a:schemeClr>
+    </cs:fontRef>
+    <cs:defRPr sz="1400" b="0" kern="1200" spc="0" baseline="0"/>
+  </cs:title>
+  <cs:trendline>
+    <cs:lnRef idx="0">
+      <cs:styleClr val="auto"/>
+    </cs:lnRef>
+    <cs:fillRef idx="0"/>
+    <cs:effectRef idx="0"/>
+    <cs:fontRef idx="minor">
+      <a:schemeClr val="tx1"/>
+    </cs:fontRef>
+    <cs:spPr>
+      <a:ln w="19050" cap="rnd">
+        <a:solidFill>
+          <a:schemeClr val="phClr"/>
+        </a:solidFill>
+        <a:prstDash val="sysDot"/>
+      </a:ln>
+    </cs:spPr>
+  </cs:trendline>
+  <cs:trendlineLabel>
+    <cs:lnRef idx="0"/>
+    <cs:fillRef idx="0"/>
+    <cs:effectRef idx="0"/>
+    <cs:fontRef idx="minor">
+      <a:schemeClr val="tx1">
+        <a:lumMod val="65000"/>
+        <a:lumOff val="35000"/>
+      </a:schemeClr>
+    </cs:fontRef>
+    <cs:defRPr sz="900" kern="1200"/>
+  </cs:trendlineLabel>
+  <cs:upBar>
+    <cs:lnRef idx="0"/>
+    <cs:fillRef idx="0"/>
+    <cs:effectRef idx="0"/>
+    <cs:fontRef idx="minor">
+      <a:schemeClr val="tx1"/>
+    </cs:fontRef>
+    <cs:spPr>
+      <a:solidFill>
+        <a:schemeClr val="lt1"/>
+      </a:solidFill>
+      <a:ln w="9525" cap="flat" cmpd="sng" algn="ctr">
+        <a:solidFill>
+          <a:schemeClr val="tx1">
+            <a:lumMod val="65000"/>
+            <a:lumOff val="35000"/>
+          </a:schemeClr>
+        </a:solidFill>
+        <a:round/>
+      </a:ln>
+    </cs:spPr>
+  </cs:upBar>
+  <cs:valueAxis>
+    <cs:lnRef idx="0"/>
+    <cs:fillRef idx="0"/>
+    <cs:effectRef idx="0"/>
+    <cs:fontRef idx="minor">
+      <a:schemeClr val="tx1">
+        <a:lumMod val="65000"/>
+        <a:lumOff val="35000"/>
+      </a:schemeClr>
+    </cs:fontRef>
+    <cs:defRPr sz="900" kern="1200"/>
+  </cs:valueAxis>
+  <cs:wall>
+    <cs:lnRef idx="0"/>
+    <cs:fillRef idx="0"/>
+    <cs:effectRef idx="0"/>
+    <cs:fontRef idx="minor">
+      <a:schemeClr val="tx1"/>
+    </cs:fontRef>
+    <cs:spPr>
+      <a:noFill/>
+      <a:ln>
+        <a:noFill/>
+      </a:ln>
+    </cs:spPr>
+  </cs:wall>
+</cs:chartStyle>
+</file>
+
+<file path=ppt/charts/style5.xml><?xml version="1.0" encoding="utf-8"?>
+<cs:chartStyle xmlns:cs="http://schemas.microsoft.com/office/drawing/2012/chartStyle" xmlns:a="http://schemas.openxmlformats.org/drawingml/2006/main" id="201">
+  <cs:axisTitle>
+    <cs:lnRef idx="0"/>
+    <cs:fillRef idx="0"/>
+    <cs:effectRef idx="0"/>
+    <cs:fontRef idx="minor">
+      <a:schemeClr val="tx1">
+        <a:lumMod val="65000"/>
+        <a:lumOff val="35000"/>
+      </a:schemeClr>
+    </cs:fontRef>
+    <cs:defRPr sz="1000" kern="1200"/>
+  </cs:axisTitle>
+  <cs:categoryAxis>
+    <cs:lnRef idx="0"/>
+    <cs:fillRef idx="0"/>
+    <cs:effectRef idx="0"/>
+    <cs:fontRef idx="minor">
+      <a:schemeClr val="tx1">
+        <a:lumMod val="65000"/>
+        <a:lumOff val="35000"/>
+      </a:schemeClr>
+    </cs:fontRef>
+    <cs:spPr>
+      <a:ln w="9525" cap="flat" cmpd="sng" algn="ctr">
+        <a:solidFill>
+          <a:schemeClr val="tx1">
+            <a:lumMod val="15000"/>
+            <a:lumOff val="85000"/>
+          </a:schemeClr>
+        </a:solidFill>
+        <a:round/>
+      </a:ln>
+    </cs:spPr>
+    <cs:defRPr sz="900" kern="1200"/>
+  </cs:categoryAxis>
+  <cs:chartArea mods="allowNoFillOverride allowNoLineOverride">
+    <cs:lnRef idx="0"/>
+    <cs:fillRef idx="0"/>
+    <cs:effectRef idx="0"/>
+    <cs:fontRef idx="minor">
+      <a:schemeClr val="tx1"/>
+    </cs:fontRef>
+    <cs:spPr>
+      <a:solidFill>
+        <a:schemeClr val="bg1"/>
+      </a:solidFill>
+      <a:ln w="9525" cap="flat" cmpd="sng" algn="ctr">
+        <a:solidFill>
+          <a:schemeClr val="tx1">
+            <a:lumMod val="15000"/>
+            <a:lumOff val="85000"/>
+          </a:schemeClr>
+        </a:solidFill>
+        <a:round/>
+      </a:ln>
+    </cs:spPr>
+    <cs:defRPr sz="1000" kern="1200"/>
+  </cs:chartArea>
+  <cs:dataLabel>
+    <cs:lnRef idx="0"/>
+    <cs:fillRef idx="0"/>
+    <cs:effectRef idx="0"/>
+    <cs:fontRef idx="minor">
+      <a:schemeClr val="tx1">
+        <a:lumMod val="75000"/>
+        <a:lumOff val="25000"/>
+      </a:schemeClr>
+    </cs:fontRef>
+    <cs:defRPr sz="900" kern="1200"/>
+  </cs:dataLabel>
+  <cs:dataLabelCallout>
+    <cs:lnRef idx="0"/>
+    <cs:fillRef idx="0"/>
+    <cs:effectRef idx="0"/>
+    <cs:fontRef idx="minor">
+      <a:schemeClr val="dk1">
+        <a:lumMod val="65000"/>
+        <a:lumOff val="35000"/>
+      </a:schemeClr>
+    </cs:fontRef>
+    <cs:spPr>
+      <a:solidFill>
+        <a:schemeClr val="lt1"/>
+      </a:solidFill>
+      <a:ln>
+        <a:solidFill>
+          <a:schemeClr val="dk1">
+            <a:lumMod val="25000"/>
+            <a:lumOff val="75000"/>
+          </a:schemeClr>
+        </a:solidFill>
+      </a:ln>
+    </cs:spPr>
+    <cs:defRPr sz="900" kern="1200"/>
+    <cs:bodyPr rot="0" spcFirstLastPara="1" vertOverflow="clip" horzOverflow="clip" vert="horz" wrap="square" lIns="36576" tIns="18288" rIns="36576" bIns="18288" anchor="ctr" anchorCtr="1">
+      <a:spAutoFit/>
+    </cs:bodyPr>
+  </cs:dataLabelCallout>
+  <cs:dataPoint>
+    <cs:lnRef idx="0"/>
+    <cs:fillRef idx="1">
+      <cs:styleClr val="auto"/>
+    </cs:fillRef>
+    <cs:effectRef idx="0"/>
+    <cs:fontRef idx="minor">
+      <a:schemeClr val="tx1"/>
+    </cs:fontRef>
+  </cs:dataPoint>
+  <cs:dataPoint3D>
+    <cs:lnRef idx="0"/>
+    <cs:fillRef idx="1">
+      <cs:styleClr val="auto"/>
+    </cs:fillRef>
+    <cs:effectRef idx="0"/>
+    <cs:fontRef idx="minor">
+      <a:schemeClr val="tx1"/>
+    </cs:fontRef>
+  </cs:dataPoint3D>
+  <cs:dataPointLine>
+    <cs:lnRef idx="0">
+      <cs:styleClr val="auto"/>
+    </cs:lnRef>
+    <cs:fillRef idx="1"/>
+    <cs:effectRef idx="0"/>
+    <cs:fontRef idx="minor">
+      <a:schemeClr val="tx1"/>
+    </cs:fontRef>
+    <cs:spPr>
+      <a:ln w="28575" cap="rnd">
+        <a:solidFill>
+          <a:schemeClr val="phClr"/>
+        </a:solidFill>
+        <a:round/>
+      </a:ln>
+    </cs:spPr>
+  </cs:dataPointLine>
+  <cs:dataPointMarker>
+    <cs:lnRef idx="0">
+      <cs:styleClr val="auto"/>
+    </cs:lnRef>
+    <cs:fillRef idx="1">
+      <cs:styleClr val="auto"/>
+    </cs:fillRef>
+    <cs:effectRef idx="0"/>
+    <cs:fontRef idx="minor">
+      <a:schemeClr val="tx1"/>
+    </cs:fontRef>
+    <cs:spPr>
+      <a:ln w="9525">
+        <a:solidFill>
+          <a:schemeClr val="phClr"/>
+        </a:solidFill>
+      </a:ln>
+    </cs:spPr>
+  </cs:dataPointMarker>
+  <cs:dataPointMarkerLayout symbol="circle" size="5"/>
+  <cs:dataPointWireframe>
+    <cs:lnRef idx="0">
+      <cs:styleClr val="auto"/>
+    </cs:lnRef>
+    <cs:fillRef idx="1"/>
+    <cs:effectRef idx="0"/>
+    <cs:fontRef idx="minor">
+      <a:schemeClr val="tx1"/>
+    </cs:fontRef>
+    <cs:spPr>
+      <a:ln w="9525" cap="rnd">
+        <a:solidFill>
+          <a:schemeClr val="phClr"/>
+        </a:solidFill>
+        <a:round/>
+      </a:ln>
+    </cs:spPr>
+  </cs:dataPointWireframe>
+  <cs:dataTable>
+    <cs:lnRef idx="0"/>
+    <cs:fillRef idx="0"/>
+    <cs:effectRef idx="0"/>
+    <cs:fontRef idx="minor">
+      <a:schemeClr val="tx1">
+        <a:lumMod val="65000"/>
+        <a:lumOff val="35000"/>
+      </a:schemeClr>
+    </cs:fontRef>
+    <cs:spPr>
+      <a:noFill/>
+      <a:ln w="9525" cap="flat" cmpd="sng" algn="ctr">
+        <a:solidFill>
+          <a:schemeClr val="tx1">
+            <a:lumMod val="15000"/>
+            <a:lumOff val="85000"/>
+          </a:schemeClr>
+        </a:solidFill>
+        <a:round/>
+      </a:ln>
+    </cs:spPr>
+    <cs:defRPr sz="900" kern="1200"/>
+  </cs:dataTable>
+  <cs:downBar>
+    <cs:lnRef idx="0"/>
+    <cs:fillRef idx="0"/>
+    <cs:effectRef idx="0"/>
+    <cs:fontRef idx="minor">
+      <a:schemeClr val="dk1"/>
+    </cs:fontRef>
+    <cs:spPr>
+      <a:solidFill>
+        <a:schemeClr val="dk1">
+          <a:lumMod val="65000"/>
+          <a:lumOff val="35000"/>
+        </a:schemeClr>
+      </a:solidFill>
+      <a:ln w="9525">
+        <a:solidFill>
+          <a:schemeClr val="tx1">
+            <a:lumMod val="65000"/>
+            <a:lumOff val="35000"/>
+          </a:schemeClr>
+        </a:solidFill>
+      </a:ln>
+    </cs:spPr>
+  </cs:downBar>
+  <cs:dropLine>
+    <cs:lnRef idx="0"/>
+    <cs:fillRef idx="0"/>
+    <cs:effectRef idx="0"/>
+    <cs:fontRef idx="minor">
+      <a:schemeClr val="tx1"/>
+    </cs:fontRef>
+    <cs:spPr>
+      <a:ln w="9525" cap="flat" cmpd="sng" algn="ctr">
+        <a:solidFill>
+          <a:schemeClr val="tx1">
+            <a:lumMod val="35000"/>
+            <a:lumOff val="65000"/>
+          </a:schemeClr>
+        </a:solidFill>
+        <a:round/>
+      </a:ln>
+    </cs:spPr>
+  </cs:dropLine>
+  <cs:errorBar>
+    <cs:lnRef idx="0"/>
+    <cs:fillRef idx="0"/>
+    <cs:effectRef idx="0"/>
+    <cs:fontRef idx="minor">
+      <a:schemeClr val="tx1"/>
+    </cs:fontRef>
+    <cs:spPr>
+      <a:ln w="9525" cap="flat" cmpd="sng" algn="ctr">
+        <a:solidFill>
+          <a:schemeClr val="tx1">
+            <a:lumMod val="65000"/>
+            <a:lumOff val="35000"/>
+          </a:schemeClr>
+        </a:solidFill>
+        <a:round/>
+      </a:ln>
+    </cs:spPr>
+  </cs:errorBar>
+  <cs:floor>
+    <cs:lnRef idx="0"/>
+    <cs:fillRef idx="0"/>
+    <cs:effectRef idx="0"/>
+    <cs:fontRef idx="minor">
+      <a:schemeClr val="tx1"/>
+    </cs:fontRef>
+    <cs:spPr>
+      <a:noFill/>
+      <a:ln>
+        <a:noFill/>
+      </a:ln>
+    </cs:spPr>
+  </cs:floor>
+  <cs:gridlineMajor>
+    <cs:lnRef idx="0"/>
+    <cs:fillRef idx="0"/>
+    <cs:effectRef idx="0"/>
+    <cs:fontRef idx="minor">
+      <a:schemeClr val="tx1"/>
+    </cs:fontRef>
+    <cs:spPr>
+      <a:ln w="9525" cap="flat" cmpd="sng" algn="ctr">
+        <a:solidFill>
+          <a:schemeClr val="tx1">
+            <a:lumMod val="15000"/>
+            <a:lumOff val="85000"/>
+          </a:schemeClr>
+        </a:solidFill>
+        <a:round/>
+      </a:ln>
+    </cs:spPr>
+  </cs:gridlineMajor>
+  <cs:gridlineMinor>
+    <cs:lnRef idx="0"/>
+    <cs:fillRef idx="0"/>
+    <cs:effectRef idx="0"/>
+    <cs:fontRef idx="minor">
+      <a:schemeClr val="tx1"/>
+    </cs:fontRef>
+    <cs:spPr>
+      <a:ln w="9525" cap="flat" cmpd="sng" algn="ctr">
+        <a:solidFill>
+          <a:schemeClr val="tx1">
+            <a:lumMod val="5000"/>
+            <a:lumOff val="95000"/>
+          </a:schemeClr>
+        </a:solidFill>
+        <a:round/>
+      </a:ln>
+    </cs:spPr>
+  </cs:gridlineMinor>
+  <cs:hiLoLine>
+    <cs:lnRef idx="0"/>
+    <cs:fillRef idx="0"/>
+    <cs:effectRef idx="0"/>
+    <cs:fontRef idx="minor">
+      <a:schemeClr val="tx1"/>
+    </cs:fontRef>
+    <cs:spPr>
+      <a:ln w="9525" cap="flat" cmpd="sng" algn="ctr">
+        <a:solidFill>
+          <a:schemeClr val="tx1">
+            <a:lumMod val="75000"/>
+            <a:lumOff val="25000"/>
+          </a:schemeClr>
+        </a:solidFill>
+        <a:round/>
+      </a:ln>
+    </cs:spPr>
+  </cs:hiLoLine>
+  <cs:leaderLine>
+    <cs:lnRef idx="0"/>
+    <cs:fillRef idx="0"/>
+    <cs:effectRef idx="0"/>
+    <cs:fontRef idx="minor">
+      <a:schemeClr val="tx1"/>
+    </cs:fontRef>
+    <cs:spPr>
+      <a:ln w="9525" cap="flat" cmpd="sng" algn="ctr">
+        <a:solidFill>
+          <a:schemeClr val="tx1">
+            <a:lumMod val="35000"/>
+            <a:lumOff val="65000"/>
+          </a:schemeClr>
+        </a:solidFill>
+        <a:round/>
+      </a:ln>
+    </cs:spPr>
+  </cs:leaderLine>
+  <cs:legend>
+    <cs:lnRef idx="0"/>
+    <cs:fillRef idx="0"/>
+    <cs:effectRef idx="0"/>
+    <cs:fontRef idx="minor">
+      <a:schemeClr val="tx1">
+        <a:lumMod val="65000"/>
+        <a:lumOff val="35000"/>
+      </a:schemeClr>
+    </cs:fontRef>
+    <cs:defRPr sz="900" kern="1200"/>
+  </cs:legend>
+  <cs:plotArea mods="allowNoFillOverride allowNoLineOverride">
+    <cs:lnRef idx="0"/>
+    <cs:fillRef idx="0"/>
+    <cs:effectRef idx="0"/>
+    <cs:fontRef idx="minor">
+      <a:schemeClr val="tx1"/>
+    </cs:fontRef>
+  </cs:plotArea>
+  <cs:plotArea3D mods="allowNoFillOverride allowNoLineOverride">
+    <cs:lnRef idx="0"/>
+    <cs:fillRef idx="0"/>
+    <cs:effectRef idx="0"/>
+    <cs:fontRef idx="minor">
+      <a:schemeClr val="tx1"/>
+    </cs:fontRef>
+  </cs:plotArea3D>
+  <cs:seriesAxis>
+    <cs:lnRef idx="0"/>
+    <cs:fillRef idx="0"/>
+    <cs:effectRef idx="0"/>
+    <cs:fontRef idx="minor">
+      <a:schemeClr val="tx1">
+        <a:lumMod val="65000"/>
+        <a:lumOff val="35000"/>
+      </a:schemeClr>
+    </cs:fontRef>
+    <cs:defRPr sz="900" kern="1200"/>
+  </cs:seriesAxis>
+  <cs:seriesLine>
+    <cs:lnRef idx="0"/>
+    <cs:fillRef idx="0"/>
+    <cs:effectRef idx="0"/>
+    <cs:fontRef idx="minor">
+      <a:schemeClr val="tx1"/>
+    </cs:fontRef>
+    <cs:spPr>
+      <a:ln w="9525" cap="flat" cmpd="sng" algn="ctr">
+        <a:solidFill>
+          <a:schemeClr val="tx1">
+            <a:lumMod val="35000"/>
+            <a:lumOff val="65000"/>
+          </a:schemeClr>
+        </a:solidFill>
+        <a:round/>
+      </a:ln>
+    </cs:spPr>
+  </cs:seriesLine>
+  <cs:title>
+    <cs:lnRef idx="0"/>
+    <cs:fillRef idx="0"/>
+    <cs:effectRef idx="0"/>
+    <cs:fontRef idx="minor">
+      <a:schemeClr val="tx1">
+        <a:lumMod val="65000"/>
+        <a:lumOff val="35000"/>
+      </a:schemeClr>
+    </cs:fontRef>
+    <cs:defRPr sz="1400" b="0" kern="1200" spc="0" baseline="0"/>
+  </cs:title>
+  <cs:trendline>
+    <cs:lnRef idx="0">
+      <cs:styleClr val="auto"/>
+    </cs:lnRef>
+    <cs:fillRef idx="0"/>
+    <cs:effectRef idx="0"/>
+    <cs:fontRef idx="minor">
+      <a:schemeClr val="tx1"/>
+    </cs:fontRef>
+    <cs:spPr>
+      <a:ln w="19050" cap="rnd">
+        <a:solidFill>
+          <a:schemeClr val="phClr"/>
+        </a:solidFill>
+        <a:prstDash val="sysDot"/>
+      </a:ln>
+    </cs:spPr>
+  </cs:trendline>
+  <cs:trendlineLabel>
+    <cs:lnRef idx="0"/>
+    <cs:fillRef idx="0"/>
+    <cs:effectRef idx="0"/>
+    <cs:fontRef idx="minor">
+      <a:schemeClr val="tx1">
+        <a:lumMod val="65000"/>
+        <a:lumOff val="35000"/>
+      </a:schemeClr>
+    </cs:fontRef>
+    <cs:defRPr sz="900" kern="1200"/>
+  </cs:trendlineLabel>
+  <cs:upBar>
+    <cs:lnRef idx="0"/>
+    <cs:fillRef idx="0"/>
+    <cs:effectRef idx="0"/>
+    <cs:fontRef idx="minor">
+      <a:schemeClr val="dk1"/>
+    </cs:fontRef>
+    <cs:spPr>
+      <a:solidFill>
+        <a:schemeClr val="lt1"/>
+      </a:solidFill>
+      <a:ln w="9525">
+        <a:solidFill>
+          <a:schemeClr val="tx1">
+            <a:lumMod val="15000"/>
+            <a:lumOff val="85000"/>
+          </a:schemeClr>
+        </a:solidFill>
+      </a:ln>
+    </cs:spPr>
+  </cs:upBar>
+  <cs:valueAxis>
+    <cs:lnRef idx="0"/>
+    <cs:fillRef idx="0"/>
+    <cs:effectRef idx="0"/>
+    <cs:fontRef idx="minor">
+      <a:schemeClr val="tx1">
+        <a:lumMod val="65000"/>
+        <a:lumOff val="35000"/>
+      </a:schemeClr>
+    </cs:fontRef>
+    <cs:defRPr sz="900" kern="1200"/>
+  </cs:valueAxis>
+  <cs:wall>
+    <cs:lnRef idx="0"/>
+    <cs:fillRef idx="0"/>
+    <cs:effectRef idx="0"/>
+    <cs:fontRef idx="minor">
+      <a:schemeClr val="tx1"/>
+    </cs:fontRef>
+    <cs:spPr>
+      <a:noFill/>
+      <a:ln>
+        <a:noFill/>
+      </a:ln>
+    </cs:spPr>
+  </cs:wall>
+</cs:chartStyle>
 </file>
 
 <file path=ppt/slideLayouts/slideLayout1.xml><?xml version="1.0" encoding="utf-8"?>
@@ -620,7 +5549,7 @@
           <a:p>
             <a:fld id="{0A365773-F025-47F9-AD04-098374D9E590}" type="datetimeFigureOut">
               <a:rPr lang="en-GB" smtClean="0"/>
-              <a:t>09/01/2019</a:t>
+              <a:t>26/03/2019</a:t>
             </a:fld>
             <a:endParaRPr lang="en-GB"/>
           </a:p>
@@ -916,7 +5845,7 @@
           <a:p>
             <a:fld id="{0A365773-F025-47F9-AD04-098374D9E590}" type="datetimeFigureOut">
               <a:rPr lang="en-GB" smtClean="0"/>
-              <a:t>09/01/2019</a:t>
+              <a:t>26/03/2019</a:t>
             </a:fld>
             <a:endParaRPr lang="en-GB"/>
           </a:p>
@@ -1164,7 +6093,7 @@
           <a:p>
             <a:fld id="{0A365773-F025-47F9-AD04-098374D9E590}" type="datetimeFigureOut">
               <a:rPr lang="en-GB" smtClean="0"/>
-              <a:t>09/01/2019</a:t>
+              <a:t>26/03/2019</a:t>
             </a:fld>
             <a:endParaRPr lang="en-GB"/>
           </a:p>
@@ -1704,7 +6633,7 @@
           <a:p>
             <a:fld id="{0A365773-F025-47F9-AD04-098374D9E590}" type="datetimeFigureOut">
               <a:rPr lang="en-GB" smtClean="0"/>
-              <a:t>09/01/2019</a:t>
+              <a:t>26/03/2019</a:t>
             </a:fld>
             <a:endParaRPr lang="en-GB"/>
           </a:p>
@@ -1952,7 +6881,7 @@
           <a:p>
             <a:fld id="{0A365773-F025-47F9-AD04-098374D9E590}" type="datetimeFigureOut">
               <a:rPr lang="en-GB" smtClean="0"/>
-              <a:t>09/01/2019</a:t>
+              <a:t>26/03/2019</a:t>
             </a:fld>
             <a:endParaRPr lang="en-GB"/>
           </a:p>
@@ -2484,7 +7413,7 @@
           <a:p>
             <a:fld id="{0A365773-F025-47F9-AD04-098374D9E590}" type="datetimeFigureOut">
               <a:rPr lang="en-GB" smtClean="0"/>
-              <a:t>09/01/2019</a:t>
+              <a:t>26/03/2019</a:t>
             </a:fld>
             <a:endParaRPr lang="en-GB"/>
           </a:p>
@@ -2781,7 +7710,7 @@
           <a:p>
             <a:fld id="{0A365773-F025-47F9-AD04-098374D9E590}" type="datetimeFigureOut">
               <a:rPr lang="en-GB" smtClean="0"/>
-              <a:t>09/01/2019</a:t>
+              <a:t>26/03/2019</a:t>
             </a:fld>
             <a:endParaRPr lang="en-GB"/>
           </a:p>
@@ -2955,7 +7884,7 @@
           <a:p>
             <a:fld id="{0A365773-F025-47F9-AD04-098374D9E590}" type="datetimeFigureOut">
               <a:rPr lang="en-GB" smtClean="0"/>
-              <a:t>09/01/2019</a:t>
+              <a:t>26/03/2019</a:t>
             </a:fld>
             <a:endParaRPr lang="en-GB"/>
           </a:p>
@@ -3135,7 +8064,7 @@
           <a:p>
             <a:fld id="{0A365773-F025-47F9-AD04-098374D9E590}" type="datetimeFigureOut">
               <a:rPr lang="en-GB" smtClean="0"/>
-              <a:t>09/01/2019</a:t>
+              <a:t>26/03/2019</a:t>
             </a:fld>
             <a:endParaRPr lang="en-GB"/>
           </a:p>
@@ -3305,7 +8234,7 @@
           <a:p>
             <a:fld id="{0A365773-F025-47F9-AD04-098374D9E590}" type="datetimeFigureOut">
               <a:rPr lang="en-GB" smtClean="0"/>
-              <a:t>09/01/2019</a:t>
+              <a:t>26/03/2019</a:t>
             </a:fld>
             <a:endParaRPr lang="en-GB"/>
           </a:p>
@@ -3556,7 +8485,7 @@
           <a:p>
             <a:fld id="{0A365773-F025-47F9-AD04-098374D9E590}" type="datetimeFigureOut">
               <a:rPr lang="en-GB" smtClean="0"/>
-              <a:t>09/01/2019</a:t>
+              <a:t>26/03/2019</a:t>
             </a:fld>
             <a:endParaRPr lang="en-GB"/>
           </a:p>
@@ -3853,7 +8782,7 @@
           <a:p>
             <a:fld id="{0A365773-F025-47F9-AD04-098374D9E590}" type="datetimeFigureOut">
               <a:rPr lang="en-GB" smtClean="0"/>
-              <a:t>09/01/2019</a:t>
+              <a:t>26/03/2019</a:t>
             </a:fld>
             <a:endParaRPr lang="en-GB"/>
           </a:p>
@@ -4295,7 +9224,7 @@
           <a:p>
             <a:fld id="{0A365773-F025-47F9-AD04-098374D9E590}" type="datetimeFigureOut">
               <a:rPr lang="en-GB" smtClean="0"/>
-              <a:t>09/01/2019</a:t>
+              <a:t>26/03/2019</a:t>
             </a:fld>
             <a:endParaRPr lang="en-GB"/>
           </a:p>
@@ -4413,7 +9342,7 @@
           <a:p>
             <a:fld id="{0A365773-F025-47F9-AD04-098374D9E590}" type="datetimeFigureOut">
               <a:rPr lang="en-GB" smtClean="0"/>
-              <a:t>09/01/2019</a:t>
+              <a:t>26/03/2019</a:t>
             </a:fld>
             <a:endParaRPr lang="en-GB"/>
           </a:p>
@@ -4508,7 +9437,7 @@
           <a:p>
             <a:fld id="{0A365773-F025-47F9-AD04-098374D9E590}" type="datetimeFigureOut">
               <a:rPr lang="en-GB" smtClean="0"/>
-              <a:t>09/01/2019</a:t>
+              <a:t>26/03/2019</a:t>
             </a:fld>
             <a:endParaRPr lang="en-GB"/>
           </a:p>
@@ -4791,7 +9720,7 @@
           <a:p>
             <a:fld id="{0A365773-F025-47F9-AD04-098374D9E590}" type="datetimeFigureOut">
               <a:rPr lang="en-GB" smtClean="0"/>
-              <a:t>09/01/2019</a:t>
+              <a:t>26/03/2019</a:t>
             </a:fld>
             <a:endParaRPr lang="en-GB"/>
           </a:p>
@@ -5082,7 +10011,7 @@
           <a:p>
             <a:fld id="{0A365773-F025-47F9-AD04-098374D9E590}" type="datetimeFigureOut">
               <a:rPr lang="en-GB" smtClean="0"/>
-              <a:t>09/01/2019</a:t>
+              <a:t>26/03/2019</a:t>
             </a:fld>
             <a:endParaRPr lang="en-GB"/>
           </a:p>
@@ -5612,7 +10541,7 @@
           <a:p>
             <a:fld id="{0A365773-F025-47F9-AD04-098374D9E590}" type="datetimeFigureOut">
               <a:rPr lang="en-GB" smtClean="0"/>
-              <a:t>09/01/2019</a:t>
+              <a:t>26/03/2019</a:t>
             </a:fld>
             <a:endParaRPr lang="en-GB"/>
           </a:p>
@@ -6631,7 +11560,12 @@
             <p:ph type="title"/>
           </p:nvPr>
         </p:nvSpPr>
-        <p:spPr/>
+        <p:spPr>
+          <a:xfrm>
+            <a:off x="1484310" y="0"/>
+            <a:ext cx="10018713" cy="1752599"/>
+          </a:xfrm>
+        </p:spPr>
         <p:txBody>
           <a:bodyPr/>
           <a:lstStyle/>
@@ -6659,16 +11593,21 @@
             <p:ph idx="1"/>
           </p:nvPr>
         </p:nvSpPr>
-        <p:spPr/>
+        <p:spPr>
+          <a:xfrm>
+            <a:off x="1484310" y="1696279"/>
+            <a:ext cx="10018713" cy="4094922"/>
+          </a:xfrm>
+        </p:spPr>
         <p:txBody>
           <a:bodyPr>
-            <a:normAutofit fontScale="92500" lnSpcReduction="10000"/>
+            <a:normAutofit/>
           </a:bodyPr>
           <a:lstStyle/>
           <a:p>
             <a:r>
               <a:rPr lang="en-GB" dirty="0"/>
-              <a:t>AI are never challenging enough, either far too easy or depressingly strong</a:t>
+              <a:t>AI are never challenging enough, either boringly easy or depressingly strong</a:t>
             </a:r>
           </a:p>
           <a:p>
@@ -6680,44 +11619,43 @@
           <a:p>
             <a:r>
               <a:rPr lang="en-GB" dirty="0"/>
-              <a:t>Developing AI</a:t>
+              <a:t>Developed AI</a:t>
             </a:r>
           </a:p>
           <a:p>
             <a:pPr lvl="1"/>
             <a:r>
               <a:rPr lang="en-GB" dirty="0"/>
-              <a:t>Creating an evaluation function for this game is difficult so heuristic based AI (such as </a:t>
+              <a:t>Random AI, simply chooses moves randomly</a:t>
+            </a:r>
+          </a:p>
+          <a:p>
+            <a:pPr lvl="1"/>
+            <a:r>
+              <a:rPr lang="en-GB" dirty="0"/>
+              <a:t>MCTS AI, chooses moves based on MCTS algorithm</a:t>
+            </a:r>
+          </a:p>
+          <a:p>
+            <a:pPr lvl="1"/>
+            <a:r>
+              <a:rPr lang="en-GB" dirty="0"/>
+              <a:t>Two different implementations of Adaptive AI</a:t>
+            </a:r>
+          </a:p>
+          <a:p>
+            <a:pPr lvl="1"/>
+            <a:r>
+              <a:rPr lang="en-GB" dirty="0"/>
+              <a:t>Minefield AI, designed to play of users emotions using techniques inspired by Artificial Stupidity: The Art of Intentional Mistakes (</a:t>
             </a:r>
             <a:r>
               <a:rPr lang="en-GB" dirty="0" err="1"/>
-              <a:t>MiniMax</a:t>
+              <a:t>Lidén</a:t>
             </a:r>
             <a:r>
               <a:rPr lang="en-GB" dirty="0"/>
-              <a:t>) are not feasible </a:t>
-            </a:r>
-          </a:p>
-          <a:p>
-            <a:pPr lvl="1"/>
-            <a:r>
-              <a:rPr lang="en-GB" dirty="0"/>
-              <a:t>Instead monte </a:t>
-            </a:r>
-            <a:r>
-              <a:rPr lang="en-GB" dirty="0" err="1"/>
-              <a:t>carlo</a:t>
-            </a:r>
-            <a:r>
-              <a:rPr lang="en-GB" dirty="0"/>
-              <a:t> tree search will be implemented for asymmetric tree search</a:t>
-            </a:r>
-          </a:p>
-          <a:p>
-            <a:pPr lvl="1"/>
-            <a:r>
-              <a:rPr lang="en-GB" dirty="0"/>
-              <a:t>A brute force method may be possible but will not be developed</a:t>
+              <a:t>, 2004)</a:t>
             </a:r>
           </a:p>
         </p:txBody>
@@ -6738,28 +11676,6 @@
 <file path=ppt/slides/slide3.xml><?xml version="1.0" encoding="utf-8"?>
 <p:sld xmlns:a="http://schemas.openxmlformats.org/drawingml/2006/main" xmlns:r="http://schemas.openxmlformats.org/officeDocument/2006/relationships" xmlns:p="http://schemas.openxmlformats.org/presentationml/2006/main">
   <p:cSld>
-    <p:bg>
-      <p:bgPr>
-        <a:blipFill rotWithShape="1">
-          <a:blip r:embed="rId2">
-            <a:duotone>
-              <a:schemeClr val="bg2">
-                <a:shade val="76000"/>
-                <a:satMod val="180000"/>
-              </a:schemeClr>
-              <a:schemeClr val="bg2">
-                <a:tint val="80000"/>
-                <a:satMod val="120000"/>
-                <a:lumMod val="180000"/>
-              </a:schemeClr>
-            </a:duotone>
-            <a:extLst/>
-          </a:blip>
-          <a:stretch/>
-        </a:blipFill>
-        <a:effectLst/>
-      </p:bgPr>
-    </p:bg>
     <p:spTree>
       <p:nvGrpSpPr>
         <p:cNvPr id="1" name=""/>
@@ -6774,1185 +11690,12 @@
           <a:chExt cx="0" cy="0"/>
         </a:xfrm>
       </p:grpSpPr>
-      <p:sp useBgFill="1">
-        <p:nvSpPr>
-          <p:cNvPr id="25" name="Rectangle 11">
-            <a:extLst>
-              <a:ext uri="{FF2B5EF4-FFF2-40B4-BE49-F238E27FC236}">
-                <a16:creationId xmlns:a16="http://schemas.microsoft.com/office/drawing/2014/main" id="{85428F22-76B3-4107-AADE-3F9EC95FD325}"/>
-              </a:ext>
-              <a:ext uri="{C183D7F6-B498-43B3-948B-1728B52AA6E4}">
-                <adec:decorative xmlns:adec="http://schemas.microsoft.com/office/drawing/2017/decorative" val="1"/>
-              </a:ext>
-            </a:extLst>
-          </p:cNvPr>
-          <p:cNvSpPr>
-            <a:spLocks noGrp="1" noRot="1" noChangeAspect="1" noMove="1" noResize="1" noEditPoints="1" noAdjustHandles="1" noChangeArrowheads="1" noChangeShapeType="1" noTextEdit="1"/>
-          </p:cNvSpPr>
-          <p:nvPr>
-            <p:extLst>
-              <p:ext uri="{386F3935-93C4-4BCD-93E2-E3B085C9AB24}">
-                <p16:designElem xmlns:p16="http://schemas.microsoft.com/office/powerpoint/2015/main" val="1"/>
-              </p:ext>
-            </p:extLst>
-          </p:nvPr>
-        </p:nvSpPr>
-        <p:spPr>
-          <a:xfrm>
-            <a:off x="0" y="0"/>
-            <a:ext cx="12192000" cy="6858000"/>
-          </a:xfrm>
-          <a:prstGeom prst="rect">
-            <a:avLst/>
-          </a:prstGeom>
-          <a:ln>
-            <a:noFill/>
-          </a:ln>
-        </p:spPr>
-        <p:style>
-          <a:lnRef idx="2">
-            <a:schemeClr val="accent1">
-              <a:shade val="50000"/>
-            </a:schemeClr>
-          </a:lnRef>
-          <a:fillRef idx="1">
-            <a:schemeClr val="accent1"/>
-          </a:fillRef>
-          <a:effectRef idx="0">
-            <a:schemeClr val="accent1"/>
-          </a:effectRef>
-          <a:fontRef idx="minor">
-            <a:schemeClr val="lt1"/>
-          </a:fontRef>
-        </p:style>
-        <p:txBody>
-          <a:bodyPr rtlCol="0" anchor="ctr"/>
-          <a:lstStyle/>
-          <a:p>
-            <a:pPr algn="ctr"/>
-            <a:endParaRPr lang="en-US"/>
-          </a:p>
-        </p:txBody>
-      </p:sp>
-      <p:grpSp>
-        <p:nvGrpSpPr>
-          <p:cNvPr id="26" name="Group 13">
-            <a:extLst>
-              <a:ext uri="{FF2B5EF4-FFF2-40B4-BE49-F238E27FC236}">
-                <a16:creationId xmlns:a16="http://schemas.microsoft.com/office/drawing/2014/main" id="{5346FBCF-5353-4172-96F5-4B7EB07777C4}"/>
-              </a:ext>
-              <a:ext uri="{C183D7F6-B498-43B3-948B-1728B52AA6E4}">
-                <adec:decorative xmlns:adec="http://schemas.microsoft.com/office/drawing/2017/decorative" val="1"/>
-              </a:ext>
-            </a:extLst>
-          </p:cNvPr>
-          <p:cNvGrpSpPr>
-            <a:grpSpLocks noGrp="1" noUngrp="1" noRot="1" noChangeAspect="1" noMove="1" noResize="1"/>
-          </p:cNvGrpSpPr>
-          <p:nvPr>
-            <p:extLst>
-              <p:ext uri="{386F3935-93C4-4BCD-93E2-E3B085C9AB24}">
-                <p16:designElem xmlns:p16="http://schemas.microsoft.com/office/powerpoint/2015/main" val="1"/>
-              </p:ext>
-            </p:extLst>
-          </p:nvPr>
-        </p:nvGrpSpPr>
-        <p:grpSpPr>
-          <a:xfrm>
-            <a:off x="2290265" y="-12875"/>
-            <a:ext cx="2604396" cy="6890194"/>
-            <a:chOff x="2199787" y="-12875"/>
-            <a:chExt cx="2679011" cy="6890194"/>
-          </a:xfrm>
-        </p:grpSpPr>
-        <p:sp useBgFill="1">
-          <p:nvSpPr>
-            <p:cNvPr id="15" name="Rectangle 19">
-              <a:extLst>
-                <a:ext uri="{FF2B5EF4-FFF2-40B4-BE49-F238E27FC236}">
-                  <a16:creationId xmlns:a16="http://schemas.microsoft.com/office/drawing/2014/main" id="{343F3E6D-808D-43AD-9485-AD0014BEAE2A}"/>
-                </a:ext>
-                <a:ext uri="{C183D7F6-B498-43B3-948B-1728B52AA6E4}">
-                  <adec:decorative xmlns:adec="http://schemas.microsoft.com/office/drawing/2017/decorative" val="1"/>
-                </a:ext>
-              </a:extLst>
-            </p:cNvPr>
-            <p:cNvSpPr/>
-            <p:nvPr>
-              <p:extLst>
-                <p:ext uri="{386F3935-93C4-4BCD-93E2-E3B085C9AB24}">
-                  <p16:designElem xmlns:p16="http://schemas.microsoft.com/office/powerpoint/2015/main" val="1"/>
-                </p:ext>
-              </p:extLst>
-            </p:nvPr>
-          </p:nvSpPr>
-          <p:spPr bwMode="white">
-            <a:xfrm>
-              <a:off x="2199787" y="-12875"/>
-              <a:ext cx="2679011" cy="5301468"/>
-            </a:xfrm>
-            <a:custGeom>
-              <a:avLst/>
-              <a:gdLst>
-                <a:gd name="connsiteX0" fmla="*/ 0 w 2570017"/>
-                <a:gd name="connsiteY0" fmla="*/ 0 h 2554287"/>
-                <a:gd name="connsiteX1" fmla="*/ 2570017 w 2570017"/>
-                <a:gd name="connsiteY1" fmla="*/ 0 h 2554287"/>
-                <a:gd name="connsiteX2" fmla="*/ 2570017 w 2570017"/>
-                <a:gd name="connsiteY2" fmla="*/ 2554287 h 2554287"/>
-                <a:gd name="connsiteX3" fmla="*/ 0 w 2570017"/>
-                <a:gd name="connsiteY3" fmla="*/ 2554287 h 2554287"/>
-                <a:gd name="connsiteX4" fmla="*/ 0 w 2570017"/>
-                <a:gd name="connsiteY4" fmla="*/ 0 h 2554287"/>
-                <a:gd name="connsiteX0" fmla="*/ 904009 w 2570017"/>
-                <a:gd name="connsiteY0" fmla="*/ 0 h 2554287"/>
-                <a:gd name="connsiteX1" fmla="*/ 2570017 w 2570017"/>
-                <a:gd name="connsiteY1" fmla="*/ 0 h 2554287"/>
-                <a:gd name="connsiteX2" fmla="*/ 2570017 w 2570017"/>
-                <a:gd name="connsiteY2" fmla="*/ 2554287 h 2554287"/>
-                <a:gd name="connsiteX3" fmla="*/ 0 w 2570017"/>
-                <a:gd name="connsiteY3" fmla="*/ 2554287 h 2554287"/>
-                <a:gd name="connsiteX4" fmla="*/ 904009 w 2570017"/>
-                <a:gd name="connsiteY4" fmla="*/ 0 h 2554287"/>
-                <a:gd name="connsiteX0" fmla="*/ 644236 w 2570017"/>
-                <a:gd name="connsiteY0" fmla="*/ 10391 h 2554287"/>
-                <a:gd name="connsiteX1" fmla="*/ 2570017 w 2570017"/>
-                <a:gd name="connsiteY1" fmla="*/ 0 h 2554287"/>
-                <a:gd name="connsiteX2" fmla="*/ 2570017 w 2570017"/>
-                <a:gd name="connsiteY2" fmla="*/ 2554287 h 2554287"/>
-                <a:gd name="connsiteX3" fmla="*/ 0 w 2570017"/>
-                <a:gd name="connsiteY3" fmla="*/ 2554287 h 2554287"/>
-                <a:gd name="connsiteX4" fmla="*/ 644236 w 2570017"/>
-                <a:gd name="connsiteY4" fmla="*/ 10391 h 2554287"/>
-                <a:gd name="connsiteX0" fmla="*/ 633845 w 2570017"/>
-                <a:gd name="connsiteY0" fmla="*/ 0 h 2554287"/>
-                <a:gd name="connsiteX1" fmla="*/ 2570017 w 2570017"/>
-                <a:gd name="connsiteY1" fmla="*/ 0 h 2554287"/>
-                <a:gd name="connsiteX2" fmla="*/ 2570017 w 2570017"/>
-                <a:gd name="connsiteY2" fmla="*/ 2554287 h 2554287"/>
-                <a:gd name="connsiteX3" fmla="*/ 0 w 2570017"/>
-                <a:gd name="connsiteY3" fmla="*/ 2554287 h 2554287"/>
-                <a:gd name="connsiteX4" fmla="*/ 633845 w 2570017"/>
-                <a:gd name="connsiteY4" fmla="*/ 0 h 2554287"/>
-                <a:gd name="connsiteX0" fmla="*/ 675409 w 2611581"/>
-                <a:gd name="connsiteY0" fmla="*/ 0 h 2554287"/>
-                <a:gd name="connsiteX1" fmla="*/ 2611581 w 2611581"/>
-                <a:gd name="connsiteY1" fmla="*/ 0 h 2554287"/>
-                <a:gd name="connsiteX2" fmla="*/ 2611581 w 2611581"/>
-                <a:gd name="connsiteY2" fmla="*/ 2554287 h 2554287"/>
-                <a:gd name="connsiteX3" fmla="*/ 0 w 2611581"/>
-                <a:gd name="connsiteY3" fmla="*/ 2554287 h 2554287"/>
-                <a:gd name="connsiteX4" fmla="*/ 675409 w 2611581"/>
-                <a:gd name="connsiteY4" fmla="*/ 0 h 2554287"/>
-                <a:gd name="connsiteX0" fmla="*/ 650979 w 2587151"/>
-                <a:gd name="connsiteY0" fmla="*/ 0 h 2554287"/>
-                <a:gd name="connsiteX1" fmla="*/ 2587151 w 2587151"/>
-                <a:gd name="connsiteY1" fmla="*/ 0 h 2554287"/>
-                <a:gd name="connsiteX2" fmla="*/ 2587151 w 2587151"/>
-                <a:gd name="connsiteY2" fmla="*/ 2554287 h 2554287"/>
-                <a:gd name="connsiteX3" fmla="*/ 0 w 2587151"/>
-                <a:gd name="connsiteY3" fmla="*/ 2548595 h 2554287"/>
-                <a:gd name="connsiteX4" fmla="*/ 650979 w 2587151"/>
-                <a:gd name="connsiteY4" fmla="*/ 0 h 2554287"/>
-                <a:gd name="connsiteX0" fmla="*/ 730379 w 2587151"/>
-                <a:gd name="connsiteY0" fmla="*/ 5692 h 2554287"/>
-                <a:gd name="connsiteX1" fmla="*/ 2587151 w 2587151"/>
-                <a:gd name="connsiteY1" fmla="*/ 0 h 2554287"/>
-                <a:gd name="connsiteX2" fmla="*/ 2587151 w 2587151"/>
-                <a:gd name="connsiteY2" fmla="*/ 2554287 h 2554287"/>
-                <a:gd name="connsiteX3" fmla="*/ 0 w 2587151"/>
-                <a:gd name="connsiteY3" fmla="*/ 2548595 h 2554287"/>
-                <a:gd name="connsiteX4" fmla="*/ 730379 w 2587151"/>
-                <a:gd name="connsiteY4" fmla="*/ 5692 h 2554287"/>
-                <a:gd name="connsiteX0" fmla="*/ 864750 w 2587151"/>
-                <a:gd name="connsiteY0" fmla="*/ 2847 h 2554287"/>
-                <a:gd name="connsiteX1" fmla="*/ 2587151 w 2587151"/>
-                <a:gd name="connsiteY1" fmla="*/ 0 h 2554287"/>
-                <a:gd name="connsiteX2" fmla="*/ 2587151 w 2587151"/>
-                <a:gd name="connsiteY2" fmla="*/ 2554287 h 2554287"/>
-                <a:gd name="connsiteX3" fmla="*/ 0 w 2587151"/>
-                <a:gd name="connsiteY3" fmla="*/ 2548595 h 2554287"/>
-                <a:gd name="connsiteX4" fmla="*/ 864750 w 2587151"/>
-                <a:gd name="connsiteY4" fmla="*/ 2847 h 2554287"/>
-                <a:gd name="connsiteX0" fmla="*/ 883073 w 2587151"/>
-                <a:gd name="connsiteY0" fmla="*/ 1 h 2554287"/>
-                <a:gd name="connsiteX1" fmla="*/ 2587151 w 2587151"/>
-                <a:gd name="connsiteY1" fmla="*/ 0 h 2554287"/>
-                <a:gd name="connsiteX2" fmla="*/ 2587151 w 2587151"/>
-                <a:gd name="connsiteY2" fmla="*/ 2554287 h 2554287"/>
-                <a:gd name="connsiteX3" fmla="*/ 0 w 2587151"/>
-                <a:gd name="connsiteY3" fmla="*/ 2548595 h 2554287"/>
-                <a:gd name="connsiteX4" fmla="*/ 883073 w 2587151"/>
-                <a:gd name="connsiteY4" fmla="*/ 1 h 2554287"/>
-                <a:gd name="connsiteX0" fmla="*/ 895288 w 2599366"/>
-                <a:gd name="connsiteY0" fmla="*/ 1 h 2554287"/>
-                <a:gd name="connsiteX1" fmla="*/ 2599366 w 2599366"/>
-                <a:gd name="connsiteY1" fmla="*/ 0 h 2554287"/>
-                <a:gd name="connsiteX2" fmla="*/ 2599366 w 2599366"/>
-                <a:gd name="connsiteY2" fmla="*/ 2554287 h 2554287"/>
-                <a:gd name="connsiteX3" fmla="*/ 0 w 2599366"/>
-                <a:gd name="connsiteY3" fmla="*/ 2542904 h 2554287"/>
-                <a:gd name="connsiteX4" fmla="*/ 895288 w 2599366"/>
-                <a:gd name="connsiteY4" fmla="*/ 1 h 2554287"/>
-                <a:gd name="connsiteX0" fmla="*/ 895288 w 2599366"/>
-                <a:gd name="connsiteY0" fmla="*/ 1 h 2554287"/>
-                <a:gd name="connsiteX1" fmla="*/ 2599366 w 2599366"/>
-                <a:gd name="connsiteY1" fmla="*/ 0 h 2554287"/>
-                <a:gd name="connsiteX2" fmla="*/ 2599366 w 2599366"/>
-                <a:gd name="connsiteY2" fmla="*/ 2554287 h 2554287"/>
-                <a:gd name="connsiteX3" fmla="*/ 0 w 2599366"/>
-                <a:gd name="connsiteY3" fmla="*/ 2542904 h 2554287"/>
-                <a:gd name="connsiteX4" fmla="*/ 895288 w 2599366"/>
-                <a:gd name="connsiteY4" fmla="*/ 1 h 2554287"/>
-                <a:gd name="connsiteX0" fmla="*/ 895288 w 2611581"/>
-                <a:gd name="connsiteY0" fmla="*/ 1 h 2565670"/>
-                <a:gd name="connsiteX1" fmla="*/ 2599366 w 2611581"/>
-                <a:gd name="connsiteY1" fmla="*/ 0 h 2565670"/>
-                <a:gd name="connsiteX2" fmla="*/ 2611581 w 2611581"/>
-                <a:gd name="connsiteY2" fmla="*/ 2565670 h 2565670"/>
-                <a:gd name="connsiteX3" fmla="*/ 0 w 2611581"/>
-                <a:gd name="connsiteY3" fmla="*/ 2542904 h 2565670"/>
-                <a:gd name="connsiteX4" fmla="*/ 895288 w 2611581"/>
-                <a:gd name="connsiteY4" fmla="*/ 1 h 2565670"/>
-                <a:gd name="connsiteX0" fmla="*/ 895288 w 2611581"/>
-                <a:gd name="connsiteY0" fmla="*/ 1 h 2565670"/>
-                <a:gd name="connsiteX1" fmla="*/ 2599366 w 2611581"/>
-                <a:gd name="connsiteY1" fmla="*/ 0 h 2565670"/>
-                <a:gd name="connsiteX2" fmla="*/ 2611581 w 2611581"/>
-                <a:gd name="connsiteY2" fmla="*/ 2565670 h 2565670"/>
-                <a:gd name="connsiteX3" fmla="*/ 0 w 2611581"/>
-                <a:gd name="connsiteY3" fmla="*/ 2542904 h 2565670"/>
-                <a:gd name="connsiteX4" fmla="*/ 895288 w 2611581"/>
-                <a:gd name="connsiteY4" fmla="*/ 1 h 2565670"/>
-                <a:gd name="connsiteX0" fmla="*/ 895288 w 2611581"/>
-                <a:gd name="connsiteY0" fmla="*/ 1 h 2565670"/>
-                <a:gd name="connsiteX1" fmla="*/ 2599366 w 2611581"/>
-                <a:gd name="connsiteY1" fmla="*/ 0 h 2565670"/>
-                <a:gd name="connsiteX2" fmla="*/ 2611581 w 2611581"/>
-                <a:gd name="connsiteY2" fmla="*/ 2565670 h 2565670"/>
-                <a:gd name="connsiteX3" fmla="*/ 0 w 2611581"/>
-                <a:gd name="connsiteY3" fmla="*/ 2545750 h 2565670"/>
-                <a:gd name="connsiteX4" fmla="*/ 895288 w 2611581"/>
-                <a:gd name="connsiteY4" fmla="*/ 1 h 2565670"/>
-                <a:gd name="connsiteX0" fmla="*/ 1544433 w 3260726"/>
-                <a:gd name="connsiteY0" fmla="*/ 1 h 2565670"/>
-                <a:gd name="connsiteX1" fmla="*/ 3248511 w 3260726"/>
-                <a:gd name="connsiteY1" fmla="*/ 0 h 2565670"/>
-                <a:gd name="connsiteX2" fmla="*/ 3260726 w 3260726"/>
-                <a:gd name="connsiteY2" fmla="*/ 2565670 h 2565670"/>
-                <a:gd name="connsiteX3" fmla="*/ 0 w 3260726"/>
-                <a:gd name="connsiteY3" fmla="*/ 2521058 h 2565670"/>
-                <a:gd name="connsiteX4" fmla="*/ 1544433 w 3260726"/>
-                <a:gd name="connsiteY4" fmla="*/ 1 h 2565670"/>
-                <a:gd name="connsiteX0" fmla="*/ 921784 w 3260726"/>
-                <a:gd name="connsiteY0" fmla="*/ 12347 h 2565670"/>
-                <a:gd name="connsiteX1" fmla="*/ 3248511 w 3260726"/>
-                <a:gd name="connsiteY1" fmla="*/ 0 h 2565670"/>
-                <a:gd name="connsiteX2" fmla="*/ 3260726 w 3260726"/>
-                <a:gd name="connsiteY2" fmla="*/ 2565670 h 2565670"/>
-                <a:gd name="connsiteX3" fmla="*/ 0 w 3260726"/>
-                <a:gd name="connsiteY3" fmla="*/ 2521058 h 2565670"/>
-                <a:gd name="connsiteX4" fmla="*/ 921784 w 3260726"/>
-                <a:gd name="connsiteY4" fmla="*/ 12347 h 2565670"/>
-                <a:gd name="connsiteX0" fmla="*/ 921784 w 3260726"/>
-                <a:gd name="connsiteY0" fmla="*/ 12347 h 2565670"/>
-                <a:gd name="connsiteX1" fmla="*/ 2321160 w 3260726"/>
-                <a:gd name="connsiteY1" fmla="*/ 0 h 2565670"/>
-                <a:gd name="connsiteX2" fmla="*/ 3260726 w 3260726"/>
-                <a:gd name="connsiteY2" fmla="*/ 2565670 h 2565670"/>
-                <a:gd name="connsiteX3" fmla="*/ 0 w 3260726"/>
-                <a:gd name="connsiteY3" fmla="*/ 2521058 h 2565670"/>
-                <a:gd name="connsiteX4" fmla="*/ 921784 w 3260726"/>
-                <a:gd name="connsiteY4" fmla="*/ 12347 h 2565670"/>
-                <a:gd name="connsiteX0" fmla="*/ 921784 w 2322228"/>
-                <a:gd name="connsiteY0" fmla="*/ 12347 h 2565670"/>
-                <a:gd name="connsiteX1" fmla="*/ 2321160 w 2322228"/>
-                <a:gd name="connsiteY1" fmla="*/ 0 h 2565670"/>
-                <a:gd name="connsiteX2" fmla="*/ 2320129 w 2322228"/>
-                <a:gd name="connsiteY2" fmla="*/ 2565670 h 2565670"/>
-                <a:gd name="connsiteX3" fmla="*/ 0 w 2322228"/>
-                <a:gd name="connsiteY3" fmla="*/ 2521058 h 2565670"/>
-                <a:gd name="connsiteX4" fmla="*/ 921784 w 2322228"/>
-                <a:gd name="connsiteY4" fmla="*/ 12347 h 2565670"/>
-                <a:gd name="connsiteX0" fmla="*/ 921784 w 2322228"/>
-                <a:gd name="connsiteY0" fmla="*/ 0 h 2571841"/>
-                <a:gd name="connsiteX1" fmla="*/ 2321160 w 2322228"/>
-                <a:gd name="connsiteY1" fmla="*/ 6171 h 2571841"/>
-                <a:gd name="connsiteX2" fmla="*/ 2320129 w 2322228"/>
-                <a:gd name="connsiteY2" fmla="*/ 2571841 h 2571841"/>
-                <a:gd name="connsiteX3" fmla="*/ 0 w 2322228"/>
-                <a:gd name="connsiteY3" fmla="*/ 2527229 h 2571841"/>
-                <a:gd name="connsiteX4" fmla="*/ 921784 w 2322228"/>
-                <a:gd name="connsiteY4" fmla="*/ 0 h 2571841"/>
-                <a:gd name="connsiteX0" fmla="*/ 921784 w 2611583"/>
-                <a:gd name="connsiteY0" fmla="*/ 0 h 2540977"/>
-                <a:gd name="connsiteX1" fmla="*/ 2321160 w 2611583"/>
-                <a:gd name="connsiteY1" fmla="*/ 6171 h 2540977"/>
-                <a:gd name="connsiteX2" fmla="*/ 2611583 w 2611583"/>
-                <a:gd name="connsiteY2" fmla="*/ 2540977 h 2540977"/>
-                <a:gd name="connsiteX3" fmla="*/ 0 w 2611583"/>
-                <a:gd name="connsiteY3" fmla="*/ 2527229 h 2540977"/>
-                <a:gd name="connsiteX4" fmla="*/ 921784 w 2611583"/>
-                <a:gd name="connsiteY4" fmla="*/ 0 h 2540977"/>
-                <a:gd name="connsiteX0" fmla="*/ 921784 w 2611583"/>
-                <a:gd name="connsiteY0" fmla="*/ 2 h 2540979"/>
-                <a:gd name="connsiteX1" fmla="*/ 2572870 w 2611583"/>
-                <a:gd name="connsiteY1" fmla="*/ 0 h 2540979"/>
-                <a:gd name="connsiteX2" fmla="*/ 2611583 w 2611583"/>
-                <a:gd name="connsiteY2" fmla="*/ 2540979 h 2540979"/>
-                <a:gd name="connsiteX3" fmla="*/ 0 w 2611583"/>
-                <a:gd name="connsiteY3" fmla="*/ 2527231 h 2540979"/>
-                <a:gd name="connsiteX4" fmla="*/ 921784 w 2611583"/>
-                <a:gd name="connsiteY4" fmla="*/ 2 h 2540979"/>
-                <a:gd name="connsiteX0" fmla="*/ 921784 w 2705467"/>
-                <a:gd name="connsiteY0" fmla="*/ 0 h 2540977"/>
-                <a:gd name="connsiteX1" fmla="*/ 2705349 w 2705467"/>
-                <a:gd name="connsiteY1" fmla="*/ 6171 h 2540977"/>
-                <a:gd name="connsiteX2" fmla="*/ 2611583 w 2705467"/>
-                <a:gd name="connsiteY2" fmla="*/ 2540977 h 2540977"/>
-                <a:gd name="connsiteX3" fmla="*/ 0 w 2705467"/>
-                <a:gd name="connsiteY3" fmla="*/ 2527229 h 2540977"/>
-                <a:gd name="connsiteX4" fmla="*/ 921784 w 2705467"/>
-                <a:gd name="connsiteY4" fmla="*/ 0 h 2540977"/>
-                <a:gd name="connsiteX0" fmla="*/ 921784 w 2718702"/>
-                <a:gd name="connsiteY0" fmla="*/ 2 h 2540979"/>
-                <a:gd name="connsiteX1" fmla="*/ 2718597 w 2718702"/>
-                <a:gd name="connsiteY1" fmla="*/ 0 h 2540979"/>
-                <a:gd name="connsiteX2" fmla="*/ 2611583 w 2718702"/>
-                <a:gd name="connsiteY2" fmla="*/ 2540979 h 2540979"/>
-                <a:gd name="connsiteX3" fmla="*/ 0 w 2718702"/>
-                <a:gd name="connsiteY3" fmla="*/ 2527231 h 2540979"/>
-                <a:gd name="connsiteX4" fmla="*/ 921784 w 2718702"/>
-                <a:gd name="connsiteY4" fmla="*/ 2 h 2540979"/>
-                <a:gd name="connsiteX0" fmla="*/ 921784 w 2679012"/>
-                <a:gd name="connsiteY0" fmla="*/ 0 h 2540977"/>
-                <a:gd name="connsiteX1" fmla="*/ 2678853 w 2679012"/>
-                <a:gd name="connsiteY1" fmla="*/ 6171 h 2540977"/>
-                <a:gd name="connsiteX2" fmla="*/ 2611583 w 2679012"/>
-                <a:gd name="connsiteY2" fmla="*/ 2540977 h 2540977"/>
-                <a:gd name="connsiteX3" fmla="*/ 0 w 2679012"/>
-                <a:gd name="connsiteY3" fmla="*/ 2527229 h 2540977"/>
-                <a:gd name="connsiteX4" fmla="*/ 921784 w 2679012"/>
-                <a:gd name="connsiteY4" fmla="*/ 0 h 2540977"/>
-              </a:gdLst>
-              <a:ahLst/>
-              <a:cxnLst>
-                <a:cxn ang="0">
-                  <a:pos x="connsiteX0" y="connsiteY0"/>
-                </a:cxn>
-                <a:cxn ang="0">
-                  <a:pos x="connsiteX1" y="connsiteY1"/>
-                </a:cxn>
-                <a:cxn ang="0">
-                  <a:pos x="connsiteX2" y="connsiteY2"/>
-                </a:cxn>
-                <a:cxn ang="0">
-                  <a:pos x="connsiteX3" y="connsiteY3"/>
-                </a:cxn>
-                <a:cxn ang="0">
-                  <a:pos x="connsiteX4" y="connsiteY4"/>
-                </a:cxn>
-              </a:cxnLst>
-              <a:rect l="l" t="t" r="r" b="b"/>
-              <a:pathLst>
-                <a:path w="2679012" h="2540977">
-                  <a:moveTo>
-                    <a:pt x="921784" y="0"/>
-                  </a:moveTo>
-                  <a:lnTo>
-                    <a:pt x="2678853" y="6171"/>
-                  </a:lnTo>
-                  <a:cubicBezTo>
-                    <a:pt x="2682925" y="861394"/>
-                    <a:pt x="2607511" y="1685754"/>
-                    <a:pt x="2611583" y="2540977"/>
-                  </a:cubicBezTo>
-                  <a:lnTo>
-                    <a:pt x="0" y="2527229"/>
-                  </a:lnTo>
-                  <a:lnTo>
-                    <a:pt x="921784" y="0"/>
-                  </a:lnTo>
-                  <a:close/>
-                </a:path>
-              </a:pathLst>
-            </a:custGeom>
-            <a:blipFill rotWithShape="0">
-              <a:blip r:embed="rId2">
-                <a:duotone>
-                  <a:schemeClr val="bg2">
-                    <a:shade val="76000"/>
-                    <a:satMod val="180000"/>
-                  </a:schemeClr>
-                  <a:schemeClr val="bg2">
-                    <a:tint val="80000"/>
-                    <a:satMod val="120000"/>
-                    <a:lumMod val="180000"/>
-                  </a:schemeClr>
-                </a:duotone>
-              </a:blip>
-              <a:stretch>
-                <a:fillRect l="-114598" r="-265621" b="-28686"/>
-              </a:stretch>
-            </a:blipFill>
-            <a:ln>
-              <a:noFill/>
-            </a:ln>
-          </p:spPr>
-          <p:style>
-            <a:lnRef idx="2">
-              <a:schemeClr val="accent1">
-                <a:shade val="50000"/>
-              </a:schemeClr>
-            </a:lnRef>
-            <a:fillRef idx="1">
-              <a:schemeClr val="accent1"/>
-            </a:fillRef>
-            <a:effectRef idx="0">
-              <a:schemeClr val="accent1"/>
-            </a:effectRef>
-            <a:fontRef idx="minor">
-              <a:schemeClr val="lt1"/>
-            </a:fontRef>
-          </p:style>
-          <p:txBody>
-            <a:bodyPr rtlCol="0" anchor="ctr"/>
-            <a:lstStyle/>
-            <a:p>
-              <a:pPr algn="ctr"/>
-              <a:endParaRPr lang="en-US"/>
-            </a:p>
-          </p:txBody>
-        </p:sp>
-        <p:sp useBgFill="1">
-          <p:nvSpPr>
-            <p:cNvPr id="16" name="Rectangle 20">
-              <a:extLst>
-                <a:ext uri="{FF2B5EF4-FFF2-40B4-BE49-F238E27FC236}">
-                  <a16:creationId xmlns:a16="http://schemas.microsoft.com/office/drawing/2014/main" id="{03DB1AC6-5430-4CD3-BD83-86E675A11A3F}"/>
-                </a:ext>
-                <a:ext uri="{C183D7F6-B498-43B3-948B-1728B52AA6E4}">
-                  <adec:decorative xmlns:adec="http://schemas.microsoft.com/office/drawing/2017/decorative" val="1"/>
-                </a:ext>
-              </a:extLst>
-            </p:cNvPr>
-            <p:cNvSpPr/>
-            <p:nvPr>
-              <p:extLst>
-                <p:ext uri="{386F3935-93C4-4BCD-93E2-E3B085C9AB24}">
-                  <p16:designElem xmlns:p16="http://schemas.microsoft.com/office/powerpoint/2015/main" val="1"/>
-                </p:ext>
-              </p:extLst>
-            </p:nvPr>
-          </p:nvSpPr>
-          <p:spPr bwMode="white">
-            <a:xfrm>
-              <a:off x="2211875" y="5257482"/>
-              <a:ext cx="2586931" cy="1619837"/>
-            </a:xfrm>
-            <a:custGeom>
-              <a:avLst/>
-              <a:gdLst>
-                <a:gd name="connsiteX0" fmla="*/ 0 w 2611581"/>
-                <a:gd name="connsiteY0" fmla="*/ 0 h 4303713"/>
-                <a:gd name="connsiteX1" fmla="*/ 2611581 w 2611581"/>
-                <a:gd name="connsiteY1" fmla="*/ 0 h 4303713"/>
-                <a:gd name="connsiteX2" fmla="*/ 2611581 w 2611581"/>
-                <a:gd name="connsiteY2" fmla="*/ 4303713 h 4303713"/>
-                <a:gd name="connsiteX3" fmla="*/ 0 w 2611581"/>
-                <a:gd name="connsiteY3" fmla="*/ 4303713 h 4303713"/>
-                <a:gd name="connsiteX4" fmla="*/ 0 w 2611581"/>
-                <a:gd name="connsiteY4" fmla="*/ 0 h 4303713"/>
-                <a:gd name="connsiteX0" fmla="*/ 0 w 2611581"/>
-                <a:gd name="connsiteY0" fmla="*/ 0 h 4314104"/>
-                <a:gd name="connsiteX1" fmla="*/ 2611581 w 2611581"/>
-                <a:gd name="connsiteY1" fmla="*/ 0 h 4314104"/>
-                <a:gd name="connsiteX2" fmla="*/ 2611581 w 2611581"/>
-                <a:gd name="connsiteY2" fmla="*/ 4303713 h 4314104"/>
-                <a:gd name="connsiteX3" fmla="*/ 1693718 w 2611581"/>
-                <a:gd name="connsiteY3" fmla="*/ 4314104 h 4314104"/>
-                <a:gd name="connsiteX4" fmla="*/ 0 w 2611581"/>
-                <a:gd name="connsiteY4" fmla="*/ 0 h 4314104"/>
-                <a:gd name="connsiteX0" fmla="*/ 0 w 2611581"/>
-                <a:gd name="connsiteY0" fmla="*/ 0 h 4314104"/>
-                <a:gd name="connsiteX1" fmla="*/ 2611581 w 2611581"/>
-                <a:gd name="connsiteY1" fmla="*/ 0 h 4314104"/>
-                <a:gd name="connsiteX2" fmla="*/ 2611581 w 2611581"/>
-                <a:gd name="connsiteY2" fmla="*/ 4303713 h 4314104"/>
-                <a:gd name="connsiteX3" fmla="*/ 1963882 w 2611581"/>
-                <a:gd name="connsiteY3" fmla="*/ 4314104 h 4314104"/>
-                <a:gd name="connsiteX4" fmla="*/ 0 w 2611581"/>
-                <a:gd name="connsiteY4" fmla="*/ 0 h 4314104"/>
-                <a:gd name="connsiteX0" fmla="*/ 0 w 2611581"/>
-                <a:gd name="connsiteY0" fmla="*/ 0 h 4303713"/>
-                <a:gd name="connsiteX1" fmla="*/ 2611581 w 2611581"/>
-                <a:gd name="connsiteY1" fmla="*/ 0 h 4303713"/>
-                <a:gd name="connsiteX2" fmla="*/ 2611581 w 2611581"/>
-                <a:gd name="connsiteY2" fmla="*/ 4303713 h 4303713"/>
-                <a:gd name="connsiteX3" fmla="*/ 2213264 w 2611581"/>
-                <a:gd name="connsiteY3" fmla="*/ 4293322 h 4303713"/>
-                <a:gd name="connsiteX4" fmla="*/ 0 w 2611581"/>
-                <a:gd name="connsiteY4" fmla="*/ 0 h 4303713"/>
-                <a:gd name="connsiteX0" fmla="*/ 0 w 2611581"/>
-                <a:gd name="connsiteY0" fmla="*/ 0 h 4303713"/>
-                <a:gd name="connsiteX1" fmla="*/ 2611581 w 2611581"/>
-                <a:gd name="connsiteY1" fmla="*/ 0 h 4303713"/>
-                <a:gd name="connsiteX2" fmla="*/ 2611581 w 2611581"/>
-                <a:gd name="connsiteY2" fmla="*/ 4303713 h 4303713"/>
-                <a:gd name="connsiteX3" fmla="*/ 2171701 w 2611581"/>
-                <a:gd name="connsiteY3" fmla="*/ 3638695 h 4303713"/>
-                <a:gd name="connsiteX4" fmla="*/ 0 w 2611581"/>
-                <a:gd name="connsiteY4" fmla="*/ 0 h 4303713"/>
-                <a:gd name="connsiteX0" fmla="*/ 0 w 2720934"/>
-                <a:gd name="connsiteY0" fmla="*/ 268283 h 4303713"/>
-                <a:gd name="connsiteX1" fmla="*/ 2720934 w 2720934"/>
-                <a:gd name="connsiteY1" fmla="*/ 0 h 4303713"/>
-                <a:gd name="connsiteX2" fmla="*/ 2720934 w 2720934"/>
-                <a:gd name="connsiteY2" fmla="*/ 4303713 h 4303713"/>
-                <a:gd name="connsiteX3" fmla="*/ 2281054 w 2720934"/>
-                <a:gd name="connsiteY3" fmla="*/ 3638695 h 4303713"/>
-                <a:gd name="connsiteX4" fmla="*/ 0 w 2720934"/>
-                <a:gd name="connsiteY4" fmla="*/ 268283 h 4303713"/>
-                <a:gd name="connsiteX0" fmla="*/ 0 w 2720934"/>
-                <a:gd name="connsiteY0" fmla="*/ 268283 h 4303713"/>
-                <a:gd name="connsiteX1" fmla="*/ 2720934 w 2720934"/>
-                <a:gd name="connsiteY1" fmla="*/ 0 h 4303713"/>
-                <a:gd name="connsiteX2" fmla="*/ 2720934 w 2720934"/>
-                <a:gd name="connsiteY2" fmla="*/ 4303713 h 4303713"/>
-                <a:gd name="connsiteX3" fmla="*/ 2264231 w 2720934"/>
-                <a:gd name="connsiteY3" fmla="*/ 3717600 h 4303713"/>
-                <a:gd name="connsiteX4" fmla="*/ 0 w 2720934"/>
-                <a:gd name="connsiteY4" fmla="*/ 268283 h 4303713"/>
-                <a:gd name="connsiteX0" fmla="*/ 0 w 2720934"/>
-                <a:gd name="connsiteY0" fmla="*/ 268283 h 4335275"/>
-                <a:gd name="connsiteX1" fmla="*/ 2720934 w 2720934"/>
-                <a:gd name="connsiteY1" fmla="*/ 0 h 4335275"/>
-                <a:gd name="connsiteX2" fmla="*/ 2653639 w 2720934"/>
-                <a:gd name="connsiteY2" fmla="*/ 4335275 h 4335275"/>
-                <a:gd name="connsiteX3" fmla="*/ 2264231 w 2720934"/>
-                <a:gd name="connsiteY3" fmla="*/ 3717600 h 4335275"/>
-                <a:gd name="connsiteX4" fmla="*/ 0 w 2720934"/>
-                <a:gd name="connsiteY4" fmla="*/ 268283 h 4335275"/>
-                <a:gd name="connsiteX0" fmla="*/ 0 w 2737757"/>
-                <a:gd name="connsiteY0" fmla="*/ 236721 h 4335275"/>
-                <a:gd name="connsiteX1" fmla="*/ 2737757 w 2737757"/>
-                <a:gd name="connsiteY1" fmla="*/ 0 h 4335275"/>
-                <a:gd name="connsiteX2" fmla="*/ 2670462 w 2737757"/>
-                <a:gd name="connsiteY2" fmla="*/ 4335275 h 4335275"/>
-                <a:gd name="connsiteX3" fmla="*/ 2281054 w 2737757"/>
-                <a:gd name="connsiteY3" fmla="*/ 3717600 h 4335275"/>
-                <a:gd name="connsiteX4" fmla="*/ 0 w 2737757"/>
-                <a:gd name="connsiteY4" fmla="*/ 236721 h 4335275"/>
-                <a:gd name="connsiteX0" fmla="*/ 0 w 2729346"/>
-                <a:gd name="connsiteY0" fmla="*/ 0 h 4098554"/>
-                <a:gd name="connsiteX1" fmla="*/ 2729346 w 2729346"/>
-                <a:gd name="connsiteY1" fmla="*/ 126250 h 4098554"/>
-                <a:gd name="connsiteX2" fmla="*/ 2670462 w 2729346"/>
-                <a:gd name="connsiteY2" fmla="*/ 4098554 h 4098554"/>
-                <a:gd name="connsiteX3" fmla="*/ 2281054 w 2729346"/>
-                <a:gd name="connsiteY3" fmla="*/ 3480879 h 4098554"/>
-                <a:gd name="connsiteX4" fmla="*/ 0 w 2729346"/>
-                <a:gd name="connsiteY4" fmla="*/ 0 h 4098554"/>
-                <a:gd name="connsiteX0" fmla="*/ 0 w 2720934"/>
-                <a:gd name="connsiteY0" fmla="*/ 0 h 4098554"/>
-                <a:gd name="connsiteX1" fmla="*/ 2720934 w 2720934"/>
-                <a:gd name="connsiteY1" fmla="*/ 31562 h 4098554"/>
-                <a:gd name="connsiteX2" fmla="*/ 2670462 w 2720934"/>
-                <a:gd name="connsiteY2" fmla="*/ 4098554 h 4098554"/>
-                <a:gd name="connsiteX3" fmla="*/ 2281054 w 2720934"/>
-                <a:gd name="connsiteY3" fmla="*/ 3480879 h 4098554"/>
-                <a:gd name="connsiteX4" fmla="*/ 0 w 2720934"/>
-                <a:gd name="connsiteY4" fmla="*/ 0 h 4098554"/>
-                <a:gd name="connsiteX0" fmla="*/ 0 w 2720934"/>
-                <a:gd name="connsiteY0" fmla="*/ 15782 h 4114336"/>
-                <a:gd name="connsiteX1" fmla="*/ 2720934 w 2720934"/>
-                <a:gd name="connsiteY1" fmla="*/ 0 h 4114336"/>
-                <a:gd name="connsiteX2" fmla="*/ 2670462 w 2720934"/>
-                <a:gd name="connsiteY2" fmla="*/ 4114336 h 4114336"/>
-                <a:gd name="connsiteX3" fmla="*/ 2281054 w 2720934"/>
-                <a:gd name="connsiteY3" fmla="*/ 3496661 h 4114336"/>
-                <a:gd name="connsiteX4" fmla="*/ 0 w 2720934"/>
-                <a:gd name="connsiteY4" fmla="*/ 15782 h 4114336"/>
-                <a:gd name="connsiteX0" fmla="*/ 0 w 2820289"/>
-                <a:gd name="connsiteY0" fmla="*/ 15782 h 4114336"/>
-                <a:gd name="connsiteX1" fmla="*/ 2820289 w 2820289"/>
-                <a:gd name="connsiteY1" fmla="*/ 0 h 4114336"/>
-                <a:gd name="connsiteX2" fmla="*/ 2769817 w 2820289"/>
-                <a:gd name="connsiteY2" fmla="*/ 4114336 h 4114336"/>
-                <a:gd name="connsiteX3" fmla="*/ 2380409 w 2820289"/>
-                <a:gd name="connsiteY3" fmla="*/ 3496661 h 4114336"/>
-                <a:gd name="connsiteX4" fmla="*/ 0 w 2820289"/>
-                <a:gd name="connsiteY4" fmla="*/ 15782 h 4114336"/>
-                <a:gd name="connsiteX0" fmla="*/ 0 w 2820289"/>
-                <a:gd name="connsiteY0" fmla="*/ 15782 h 4114336"/>
-                <a:gd name="connsiteX1" fmla="*/ 2820289 w 2820289"/>
-                <a:gd name="connsiteY1" fmla="*/ 0 h 4114336"/>
-                <a:gd name="connsiteX2" fmla="*/ 2769817 w 2820289"/>
-                <a:gd name="connsiteY2" fmla="*/ 4114336 h 4114336"/>
-                <a:gd name="connsiteX3" fmla="*/ 2362876 w 2820289"/>
-                <a:gd name="connsiteY3" fmla="*/ 3517980 h 4114336"/>
-                <a:gd name="connsiteX4" fmla="*/ 0 w 2820289"/>
-                <a:gd name="connsiteY4" fmla="*/ 15782 h 4114336"/>
-                <a:gd name="connsiteX0" fmla="*/ 0 w 2820289"/>
-                <a:gd name="connsiteY0" fmla="*/ 15782 h 4114336"/>
-                <a:gd name="connsiteX1" fmla="*/ 2820289 w 2820289"/>
-                <a:gd name="connsiteY1" fmla="*/ 0 h 4114336"/>
-                <a:gd name="connsiteX2" fmla="*/ 2763972 w 2820289"/>
-                <a:gd name="connsiteY2" fmla="*/ 4114336 h 4114336"/>
-                <a:gd name="connsiteX3" fmla="*/ 2362876 w 2820289"/>
-                <a:gd name="connsiteY3" fmla="*/ 3517980 h 4114336"/>
-                <a:gd name="connsiteX4" fmla="*/ 0 w 2820289"/>
-                <a:gd name="connsiteY4" fmla="*/ 15782 h 4114336"/>
-                <a:gd name="connsiteX0" fmla="*/ 0 w 3721149"/>
-                <a:gd name="connsiteY0" fmla="*/ 0 h 4269703"/>
-                <a:gd name="connsiteX1" fmla="*/ 3721149 w 3721149"/>
-                <a:gd name="connsiteY1" fmla="*/ 155367 h 4269703"/>
-                <a:gd name="connsiteX2" fmla="*/ 3664832 w 3721149"/>
-                <a:gd name="connsiteY2" fmla="*/ 4269703 h 4269703"/>
-                <a:gd name="connsiteX3" fmla="*/ 3263736 w 3721149"/>
-                <a:gd name="connsiteY3" fmla="*/ 3673347 h 4269703"/>
-                <a:gd name="connsiteX4" fmla="*/ 0 w 3721149"/>
-                <a:gd name="connsiteY4" fmla="*/ 0 h 4269703"/>
-                <a:gd name="connsiteX0" fmla="*/ 0 w 3721149"/>
-                <a:gd name="connsiteY0" fmla="*/ 0 h 4289488"/>
-                <a:gd name="connsiteX1" fmla="*/ 3721149 w 3721149"/>
-                <a:gd name="connsiteY1" fmla="*/ 155367 h 4289488"/>
-                <a:gd name="connsiteX2" fmla="*/ 3664832 w 3721149"/>
-                <a:gd name="connsiteY2" fmla="*/ 4269703 h 4289488"/>
-                <a:gd name="connsiteX3" fmla="*/ 1705997 w 3721149"/>
-                <a:gd name="connsiteY3" fmla="*/ 4289488 h 4289488"/>
-                <a:gd name="connsiteX4" fmla="*/ 0 w 3721149"/>
-                <a:gd name="connsiteY4" fmla="*/ 0 h 4289488"/>
-                <a:gd name="connsiteX0" fmla="*/ 0 w 3664846"/>
-                <a:gd name="connsiteY0" fmla="*/ 15785 h 4305273"/>
-                <a:gd name="connsiteX1" fmla="*/ 3664846 w 3664846"/>
-                <a:gd name="connsiteY1" fmla="*/ 0 h 4305273"/>
-                <a:gd name="connsiteX2" fmla="*/ 3664832 w 3664846"/>
-                <a:gd name="connsiteY2" fmla="*/ 4285488 h 4305273"/>
-                <a:gd name="connsiteX3" fmla="*/ 1705997 w 3664846"/>
-                <a:gd name="connsiteY3" fmla="*/ 4305273 h 4305273"/>
-                <a:gd name="connsiteX4" fmla="*/ 0 w 3664846"/>
-                <a:gd name="connsiteY4" fmla="*/ 15785 h 4305273"/>
-              </a:gdLst>
-              <a:ahLst/>
-              <a:cxnLst>
-                <a:cxn ang="0">
-                  <a:pos x="connsiteX0" y="connsiteY0"/>
-                </a:cxn>
-                <a:cxn ang="0">
-                  <a:pos x="connsiteX1" y="connsiteY1"/>
-                </a:cxn>
-                <a:cxn ang="0">
-                  <a:pos x="connsiteX2" y="connsiteY2"/>
-                </a:cxn>
-                <a:cxn ang="0">
-                  <a:pos x="connsiteX3" y="connsiteY3"/>
-                </a:cxn>
-                <a:cxn ang="0">
-                  <a:pos x="connsiteX4" y="connsiteY4"/>
-                </a:cxn>
-              </a:cxnLst>
-              <a:rect l="l" t="t" r="r" b="b"/>
-              <a:pathLst>
-                <a:path w="3664846" h="4305273">
-                  <a:moveTo>
-                    <a:pt x="0" y="15785"/>
-                  </a:moveTo>
-                  <a:lnTo>
-                    <a:pt x="3664846" y="0"/>
-                  </a:lnTo>
-                  <a:cubicBezTo>
-                    <a:pt x="3664841" y="1428496"/>
-                    <a:pt x="3664837" y="2856992"/>
-                    <a:pt x="3664832" y="4285488"/>
-                  </a:cubicBezTo>
-                  <a:lnTo>
-                    <a:pt x="1705997" y="4305273"/>
-                  </a:lnTo>
-                  <a:lnTo>
-                    <a:pt x="0" y="15785"/>
-                  </a:lnTo>
-                  <a:close/>
-                </a:path>
-              </a:pathLst>
-            </a:custGeom>
-            <a:blipFill rotWithShape="0">
-              <a:blip r:embed="rId2">
-                <a:duotone>
-                  <a:schemeClr val="bg2">
-                    <a:shade val="76000"/>
-                    <a:satMod val="180000"/>
-                  </a:schemeClr>
-                  <a:schemeClr val="bg2">
-                    <a:tint val="80000"/>
-                    <a:satMod val="120000"/>
-                    <a:lumMod val="180000"/>
-                  </a:schemeClr>
-                </a:duotone>
-              </a:blip>
-              <a:stretch>
-                <a:fillRect l="-163116" t="-323529" r="-398251"/>
-              </a:stretch>
-            </a:blipFill>
-            <a:ln>
-              <a:noFill/>
-            </a:ln>
-          </p:spPr>
-          <p:style>
-            <a:lnRef idx="2">
-              <a:schemeClr val="accent1">
-                <a:shade val="50000"/>
-              </a:schemeClr>
-            </a:lnRef>
-            <a:fillRef idx="1">
-              <a:schemeClr val="accent1"/>
-            </a:fillRef>
-            <a:effectRef idx="0">
-              <a:schemeClr val="accent1"/>
-            </a:effectRef>
-            <a:fontRef idx="minor">
-              <a:schemeClr val="lt1"/>
-            </a:fontRef>
-          </p:style>
-          <p:txBody>
-            <a:bodyPr rtlCol="0" anchor="ctr"/>
-            <a:lstStyle/>
-            <a:p>
-              <a:pPr algn="ctr"/>
-              <a:endParaRPr lang="en-US"/>
-            </a:p>
-          </p:txBody>
-        </p:sp>
-      </p:grpSp>
-      <p:grpSp>
-        <p:nvGrpSpPr>
-          <p:cNvPr id="18" name="Group 17">
-            <a:extLst>
-              <a:ext uri="{FF2B5EF4-FFF2-40B4-BE49-F238E27FC236}">
-                <a16:creationId xmlns:a16="http://schemas.microsoft.com/office/drawing/2014/main" id="{78326E10-C8CB-487F-A110-F861268DE619}"/>
-              </a:ext>
-              <a:ext uri="{C183D7F6-B498-43B3-948B-1728B52AA6E4}">
-                <adec:decorative xmlns:adec="http://schemas.microsoft.com/office/drawing/2017/decorative" val="1"/>
-              </a:ext>
-            </a:extLst>
-          </p:cNvPr>
-          <p:cNvGrpSpPr>
-            <a:grpSpLocks noGrp="1" noUngrp="1" noRot="1" noChangeAspect="1" noMove="1" noResize="1"/>
-          </p:cNvGrpSpPr>
-          <p:nvPr>
-            <p:extLst>
-              <p:ext uri="{386F3935-93C4-4BCD-93E2-E3B085C9AB24}">
-                <p16:designElem xmlns:p16="http://schemas.microsoft.com/office/powerpoint/2015/main" val="1"/>
-              </p:ext>
-            </p:extLst>
-          </p:nvPr>
-        </p:nvGrpSpPr>
-        <p:grpSpPr>
-          <a:xfrm>
-            <a:off x="2360612" y="0"/>
-            <a:ext cx="2436813" cy="6858001"/>
-            <a:chOff x="1320800" y="0"/>
-            <a:chExt cx="2436813" cy="6858001"/>
-          </a:xfrm>
-        </p:grpSpPr>
-        <p:sp>
-          <p:nvSpPr>
-            <p:cNvPr id="19" name="Freeform 6">
-              <a:extLst>
-                <a:ext uri="{FF2B5EF4-FFF2-40B4-BE49-F238E27FC236}">
-                  <a16:creationId xmlns:a16="http://schemas.microsoft.com/office/drawing/2014/main" id="{3279962B-46D2-4E19-B632-39B80D1E80AA}"/>
-                </a:ext>
-                <a:ext uri="{C183D7F6-B498-43B3-948B-1728B52AA6E4}">
-                  <adec:decorative xmlns:adec="http://schemas.microsoft.com/office/drawing/2017/decorative" val="1"/>
-                </a:ext>
-              </a:extLst>
-            </p:cNvPr>
-            <p:cNvSpPr/>
-            <p:nvPr>
-              <p:extLst>
-                <p:ext uri="{386F3935-93C4-4BCD-93E2-E3B085C9AB24}">
-                  <p16:designElem xmlns:p16="http://schemas.microsoft.com/office/powerpoint/2015/main" val="1"/>
-                </p:ext>
-              </p:extLst>
-            </p:nvPr>
-          </p:nvSpPr>
-          <p:spPr bwMode="auto">
-            <a:xfrm>
-              <a:off x="1627188" y="0"/>
-              <a:ext cx="1122363" cy="5329238"/>
-            </a:xfrm>
-            <a:custGeom>
-              <a:avLst/>
-              <a:gdLst/>
-              <a:ahLst/>
-              <a:cxnLst/>
-              <a:rect l="0" t="0" r="r" b="b"/>
-              <a:pathLst>
-                <a:path w="707" h="3357">
-                  <a:moveTo>
-                    <a:pt x="0" y="3330"/>
-                  </a:moveTo>
-                  <a:lnTo>
-                    <a:pt x="156" y="3357"/>
-                  </a:lnTo>
-                  <a:lnTo>
-                    <a:pt x="707" y="0"/>
-                  </a:lnTo>
-                  <a:lnTo>
-                    <a:pt x="547" y="0"/>
-                  </a:lnTo>
-                  <a:lnTo>
-                    <a:pt x="0" y="3330"/>
-                  </a:lnTo>
-                  <a:close/>
-                </a:path>
-              </a:pathLst>
-            </a:custGeom>
-            <a:solidFill>
-              <a:schemeClr val="accent1"/>
-            </a:solidFill>
-            <a:ln>
-              <a:noFill/>
-            </a:ln>
-          </p:spPr>
-        </p:sp>
-        <p:sp>
-          <p:nvSpPr>
-            <p:cNvPr id="20" name="Freeform 7">
-              <a:extLst>
-                <a:ext uri="{FF2B5EF4-FFF2-40B4-BE49-F238E27FC236}">
-                  <a16:creationId xmlns:a16="http://schemas.microsoft.com/office/drawing/2014/main" id="{321A335A-53CB-4C17-AB51-5D9C2DCB45E0}"/>
-                </a:ext>
-                <a:ext uri="{C183D7F6-B498-43B3-948B-1728B52AA6E4}">
-                  <adec:decorative xmlns:adec="http://schemas.microsoft.com/office/drawing/2017/decorative" val="1"/>
-                </a:ext>
-              </a:extLst>
-            </p:cNvPr>
-            <p:cNvSpPr/>
-            <p:nvPr>
-              <p:extLst>
-                <p:ext uri="{386F3935-93C4-4BCD-93E2-E3B085C9AB24}">
-                  <p16:designElem xmlns:p16="http://schemas.microsoft.com/office/powerpoint/2015/main" val="1"/>
-                </p:ext>
-              </p:extLst>
-            </p:nvPr>
-          </p:nvSpPr>
-          <p:spPr bwMode="auto">
-            <a:xfrm>
-              <a:off x="1320800" y="0"/>
-              <a:ext cx="1117600" cy="5276850"/>
-            </a:xfrm>
-            <a:custGeom>
-              <a:avLst/>
-              <a:gdLst/>
-              <a:ahLst/>
-              <a:cxnLst/>
-              <a:rect l="0" t="0" r="r" b="b"/>
-              <a:pathLst>
-                <a:path w="704" h="3324">
-                  <a:moveTo>
-                    <a:pt x="704" y="0"/>
-                  </a:moveTo>
-                  <a:lnTo>
-                    <a:pt x="545" y="0"/>
-                  </a:lnTo>
-                  <a:lnTo>
-                    <a:pt x="0" y="3300"/>
-                  </a:lnTo>
-                  <a:lnTo>
-                    <a:pt x="157" y="3324"/>
-                  </a:lnTo>
-                  <a:lnTo>
-                    <a:pt x="704" y="0"/>
-                  </a:lnTo>
-                  <a:close/>
-                </a:path>
-              </a:pathLst>
-            </a:custGeom>
-            <a:solidFill>
-              <a:schemeClr val="tx1">
-                <a:lumMod val="65000"/>
-                <a:lumOff val="35000"/>
-              </a:schemeClr>
-            </a:solidFill>
-            <a:ln>
-              <a:noFill/>
-            </a:ln>
-          </p:spPr>
-        </p:sp>
-        <p:sp>
-          <p:nvSpPr>
-            <p:cNvPr id="21" name="Freeform 8">
-              <a:extLst>
-                <a:ext uri="{FF2B5EF4-FFF2-40B4-BE49-F238E27FC236}">
-                  <a16:creationId xmlns:a16="http://schemas.microsoft.com/office/drawing/2014/main" id="{A0E0D557-405B-469F-AEDE-4E3404AA416D}"/>
-                </a:ext>
-                <a:ext uri="{C183D7F6-B498-43B3-948B-1728B52AA6E4}">
-                  <adec:decorative xmlns:adec="http://schemas.microsoft.com/office/drawing/2017/decorative" val="1"/>
-                </a:ext>
-              </a:extLst>
-            </p:cNvPr>
-            <p:cNvSpPr/>
-            <p:nvPr>
-              <p:extLst>
-                <p:ext uri="{386F3935-93C4-4BCD-93E2-E3B085C9AB24}">
-                  <p16:designElem xmlns:p16="http://schemas.microsoft.com/office/powerpoint/2015/main" val="1"/>
-                </p:ext>
-              </p:extLst>
-            </p:nvPr>
-          </p:nvSpPr>
-          <p:spPr bwMode="auto">
-            <a:xfrm>
-              <a:off x="1320800" y="5238750"/>
-              <a:ext cx="1228725" cy="1619250"/>
-            </a:xfrm>
-            <a:custGeom>
-              <a:avLst/>
-              <a:gdLst/>
-              <a:ahLst/>
-              <a:cxnLst/>
-              <a:rect l="0" t="0" r="r" b="b"/>
-              <a:pathLst>
-                <a:path w="774" h="1020">
-                  <a:moveTo>
-                    <a:pt x="0" y="0"/>
-                  </a:moveTo>
-                  <a:lnTo>
-                    <a:pt x="740" y="1020"/>
-                  </a:lnTo>
-                  <a:lnTo>
-                    <a:pt x="774" y="1020"/>
-                  </a:lnTo>
-                  <a:lnTo>
-                    <a:pt x="0" y="0"/>
-                  </a:lnTo>
-                  <a:close/>
-                </a:path>
-              </a:pathLst>
-            </a:custGeom>
-            <a:solidFill>
-              <a:schemeClr val="tx1">
-                <a:lumMod val="85000"/>
-                <a:lumOff val="15000"/>
-              </a:schemeClr>
-            </a:solidFill>
-            <a:ln>
-              <a:noFill/>
-            </a:ln>
-          </p:spPr>
-        </p:sp>
-        <p:sp>
-          <p:nvSpPr>
-            <p:cNvPr id="22" name="Freeform 9">
-              <a:extLst>
-                <a:ext uri="{FF2B5EF4-FFF2-40B4-BE49-F238E27FC236}">
-                  <a16:creationId xmlns:a16="http://schemas.microsoft.com/office/drawing/2014/main" id="{D8D4E62F-9393-40A6-9E85-9F3B59C4628C}"/>
-                </a:ext>
-                <a:ext uri="{C183D7F6-B498-43B3-948B-1728B52AA6E4}">
-                  <adec:decorative xmlns:adec="http://schemas.microsoft.com/office/drawing/2017/decorative" val="1"/>
-                </a:ext>
-              </a:extLst>
-            </p:cNvPr>
-            <p:cNvSpPr/>
-            <p:nvPr>
-              <p:extLst>
-                <p:ext uri="{386F3935-93C4-4BCD-93E2-E3B085C9AB24}">
-                  <p16:designElem xmlns:p16="http://schemas.microsoft.com/office/powerpoint/2015/main" val="1"/>
-                </p:ext>
-              </p:extLst>
-            </p:nvPr>
-          </p:nvSpPr>
-          <p:spPr bwMode="auto">
-            <a:xfrm>
-              <a:off x="1627188" y="5291138"/>
-              <a:ext cx="1495425" cy="1566863"/>
-            </a:xfrm>
-            <a:custGeom>
-              <a:avLst/>
-              <a:gdLst/>
-              <a:ahLst/>
-              <a:cxnLst/>
-              <a:rect l="0" t="0" r="r" b="b"/>
-              <a:pathLst>
-                <a:path w="942" h="987">
-                  <a:moveTo>
-                    <a:pt x="0" y="0"/>
-                  </a:moveTo>
-                  <a:lnTo>
-                    <a:pt x="909" y="987"/>
-                  </a:lnTo>
-                  <a:lnTo>
-                    <a:pt x="942" y="987"/>
-                  </a:lnTo>
-                  <a:lnTo>
-                    <a:pt x="0" y="0"/>
-                  </a:lnTo>
-                  <a:close/>
-                </a:path>
-              </a:pathLst>
-            </a:custGeom>
-            <a:solidFill>
-              <a:schemeClr val="accent1">
-                <a:lumMod val="50000"/>
-              </a:schemeClr>
-            </a:solidFill>
-            <a:ln>
-              <a:noFill/>
-            </a:ln>
-          </p:spPr>
-        </p:sp>
-        <p:sp>
-          <p:nvSpPr>
-            <p:cNvPr id="23" name="Freeform 10">
-              <a:extLst>
-                <a:ext uri="{FF2B5EF4-FFF2-40B4-BE49-F238E27FC236}">
-                  <a16:creationId xmlns:a16="http://schemas.microsoft.com/office/drawing/2014/main" id="{FABD11B1-DE89-45BC-8204-968C88AADC31}"/>
-                </a:ext>
-                <a:ext uri="{C183D7F6-B498-43B3-948B-1728B52AA6E4}">
-                  <adec:decorative xmlns:adec="http://schemas.microsoft.com/office/drawing/2017/decorative" val="1"/>
-                </a:ext>
-              </a:extLst>
-            </p:cNvPr>
-            <p:cNvSpPr/>
-            <p:nvPr>
-              <p:extLst>
-                <p:ext uri="{386F3935-93C4-4BCD-93E2-E3B085C9AB24}">
-                  <p16:designElem xmlns:p16="http://schemas.microsoft.com/office/powerpoint/2015/main" val="1"/>
-                </p:ext>
-              </p:extLst>
-            </p:nvPr>
-          </p:nvSpPr>
-          <p:spPr bwMode="auto">
-            <a:xfrm>
-              <a:off x="1627188" y="5286375"/>
-              <a:ext cx="2130425" cy="1571625"/>
-            </a:xfrm>
-            <a:custGeom>
-              <a:avLst/>
-              <a:gdLst/>
-              <a:ahLst/>
-              <a:cxnLst/>
-              <a:rect l="0" t="0" r="r" b="b"/>
-              <a:pathLst>
-                <a:path w="1342" h="990">
-                  <a:moveTo>
-                    <a:pt x="0" y="3"/>
-                  </a:moveTo>
-                  <a:lnTo>
-                    <a:pt x="942" y="990"/>
-                  </a:lnTo>
-                  <a:lnTo>
-                    <a:pt x="1342" y="990"/>
-                  </a:lnTo>
-                  <a:lnTo>
-                    <a:pt x="156" y="27"/>
-                  </a:lnTo>
-                  <a:lnTo>
-                    <a:pt x="0" y="0"/>
-                  </a:lnTo>
-                  <a:lnTo>
-                    <a:pt x="0" y="3"/>
-                  </a:lnTo>
-                  <a:close/>
-                </a:path>
-              </a:pathLst>
-            </a:custGeom>
-            <a:solidFill>
-              <a:schemeClr val="accent1">
-                <a:lumMod val="75000"/>
-              </a:schemeClr>
-            </a:solidFill>
-            <a:ln>
-              <a:noFill/>
-            </a:ln>
-          </p:spPr>
-        </p:sp>
-        <p:sp>
-          <p:nvSpPr>
-            <p:cNvPr id="24" name="Freeform 11">
-              <a:extLst>
-                <a:ext uri="{FF2B5EF4-FFF2-40B4-BE49-F238E27FC236}">
-                  <a16:creationId xmlns:a16="http://schemas.microsoft.com/office/drawing/2014/main" id="{AFA4965A-1FBC-44B8-B96A-3F5275C3AEF7}"/>
-                </a:ext>
-                <a:ext uri="{C183D7F6-B498-43B3-948B-1728B52AA6E4}">
-                  <adec:decorative xmlns:adec="http://schemas.microsoft.com/office/drawing/2017/decorative" val="1"/>
-                </a:ext>
-              </a:extLst>
-            </p:cNvPr>
-            <p:cNvSpPr/>
-            <p:nvPr>
-              <p:extLst>
-                <p:ext uri="{386F3935-93C4-4BCD-93E2-E3B085C9AB24}">
-                  <p16:designElem xmlns:p16="http://schemas.microsoft.com/office/powerpoint/2015/main" val="1"/>
-                </p:ext>
-              </p:extLst>
-            </p:nvPr>
-          </p:nvSpPr>
-          <p:spPr bwMode="auto">
-            <a:xfrm>
-              <a:off x="1320800" y="5238750"/>
-              <a:ext cx="1695450" cy="1619250"/>
-            </a:xfrm>
-            <a:custGeom>
-              <a:avLst/>
-              <a:gdLst/>
-              <a:ahLst/>
-              <a:cxnLst/>
-              <a:rect l="0" t="0" r="r" b="b"/>
-              <a:pathLst>
-                <a:path w="1068" h="1020">
-                  <a:moveTo>
-                    <a:pt x="1068" y="1020"/>
-                  </a:moveTo>
-                  <a:lnTo>
-                    <a:pt x="184" y="60"/>
-                  </a:lnTo>
-                  <a:lnTo>
-                    <a:pt x="154" y="27"/>
-                  </a:lnTo>
-                  <a:lnTo>
-                    <a:pt x="157" y="27"/>
-                  </a:lnTo>
-                  <a:lnTo>
-                    <a:pt x="157" y="24"/>
-                  </a:lnTo>
-                  <a:lnTo>
-                    <a:pt x="154" y="24"/>
-                  </a:lnTo>
-                  <a:lnTo>
-                    <a:pt x="0" y="0"/>
-                  </a:lnTo>
-                  <a:lnTo>
-                    <a:pt x="0" y="0"/>
-                  </a:lnTo>
-                  <a:lnTo>
-                    <a:pt x="774" y="1020"/>
-                  </a:lnTo>
-                  <a:lnTo>
-                    <a:pt x="1068" y="1020"/>
-                  </a:lnTo>
-                  <a:close/>
-                </a:path>
-              </a:pathLst>
-            </a:custGeom>
-            <a:solidFill>
-              <a:schemeClr val="tx1">
-                <a:lumMod val="75000"/>
-                <a:lumOff val="25000"/>
-              </a:schemeClr>
-            </a:solidFill>
-            <a:ln>
-              <a:noFill/>
-            </a:ln>
-          </p:spPr>
-        </p:sp>
-      </p:grpSp>
       <p:sp>
         <p:nvSpPr>
           <p:cNvPr id="2" name="Title 1">
             <a:extLst>
               <a:ext uri="{FF2B5EF4-FFF2-40B4-BE49-F238E27FC236}">
-                <a16:creationId xmlns:a16="http://schemas.microsoft.com/office/drawing/2014/main" id="{0D637750-39E7-4740-B4CA-AC9E1C2D9651}"/>
+                <a16:creationId xmlns:a16="http://schemas.microsoft.com/office/drawing/2014/main" id="{AECD1CDC-5C15-4E4D-9DBA-4087168C3BA7}"/>
               </a:ext>
             </a:extLst>
           </p:cNvPr>
@@ -7965,207 +11708,27 @@
         </p:nvSpPr>
         <p:spPr>
           <a:xfrm>
-            <a:off x="3962399" y="685800"/>
-            <a:ext cx="7345891" cy="1413933"/>
+            <a:off x="1484309" y="0"/>
+            <a:ext cx="10018713" cy="1247632"/>
           </a:xfrm>
         </p:spPr>
         <p:txBody>
-          <a:bodyPr>
-            <a:normAutofit/>
-          </a:bodyPr>
+          <a:bodyPr/>
           <a:lstStyle/>
           <a:p>
             <a:r>
-              <a:rPr lang="en-GB"/>
-              <a:t>The Game: Ultimate Tic Tac Toe</a:t>
+              <a:rPr lang="en-GB" dirty="0"/>
+              <a:t>MCTS</a:t>
             </a:r>
           </a:p>
         </p:txBody>
       </p:sp>
-      <p:pic>
-        <p:nvPicPr>
-          <p:cNvPr id="7" name="Picture 6" descr="A screenshot of a cell phone&#10;&#10;Description automatically generated">
-            <a:extLst>
-              <a:ext uri="{FF2B5EF4-FFF2-40B4-BE49-F238E27FC236}">
-                <a16:creationId xmlns:a16="http://schemas.microsoft.com/office/drawing/2014/main" id="{F18FC949-E122-487D-B114-78EA149682E3}"/>
-              </a:ext>
-            </a:extLst>
-          </p:cNvPr>
-          <p:cNvPicPr>
-            <a:picLocks noChangeAspect="1"/>
-          </p:cNvPicPr>
-          <p:nvPr/>
-        </p:nvPicPr>
-        <p:blipFill rotWithShape="1">
-          <a:blip r:embed="rId3">
-            <a:extLst>
-              <a:ext uri="{28A0092B-C50C-407E-A947-70E740481C1C}">
-                <a14:useLocalDpi xmlns:a14="http://schemas.microsoft.com/office/drawing/2010/main" val="0"/>
-              </a:ext>
-            </a:extLst>
-          </a:blip>
-          <a:srcRect l="48180" r="1381"/>
-          <a:stretch/>
-        </p:blipFill>
-        <p:spPr>
-          <a:xfrm>
-            <a:off x="20" y="10"/>
-            <a:ext cx="3459143" cy="6857990"/>
-          </a:xfrm>
-          <a:custGeom>
-            <a:avLst/>
-            <a:gdLst>
-              <a:gd name="connsiteX0" fmla="*/ 0 w 5435600"/>
-              <a:gd name="connsiteY0" fmla="*/ 0 h 6858000"/>
-              <a:gd name="connsiteX1" fmla="*/ 5435600 w 5435600"/>
-              <a:gd name="connsiteY1" fmla="*/ 0 h 6858000"/>
-              <a:gd name="connsiteX2" fmla="*/ 5435600 w 5435600"/>
-              <a:gd name="connsiteY2" fmla="*/ 6858000 h 6858000"/>
-              <a:gd name="connsiteX3" fmla="*/ 0 w 5435600"/>
-              <a:gd name="connsiteY3" fmla="*/ 6858000 h 6858000"/>
-              <a:gd name="connsiteX4" fmla="*/ 0 w 5435600"/>
-              <a:gd name="connsiteY4" fmla="*/ 0 h 6858000"/>
-              <a:gd name="connsiteX0" fmla="*/ 0 w 5435600"/>
-              <a:gd name="connsiteY0" fmla="*/ 0 h 6858000"/>
-              <a:gd name="connsiteX1" fmla="*/ 3513666 w 5435600"/>
-              <a:gd name="connsiteY1" fmla="*/ 0 h 6858000"/>
-              <a:gd name="connsiteX2" fmla="*/ 5435600 w 5435600"/>
-              <a:gd name="connsiteY2" fmla="*/ 6858000 h 6858000"/>
-              <a:gd name="connsiteX3" fmla="*/ 0 w 5435600"/>
-              <a:gd name="connsiteY3" fmla="*/ 6858000 h 6858000"/>
-              <a:gd name="connsiteX4" fmla="*/ 0 w 5435600"/>
-              <a:gd name="connsiteY4" fmla="*/ 0 h 6858000"/>
-              <a:gd name="connsiteX0" fmla="*/ 0 w 5435600"/>
-              <a:gd name="connsiteY0" fmla="*/ 0 h 6858000"/>
-              <a:gd name="connsiteX1" fmla="*/ 3513666 w 5435600"/>
-              <a:gd name="connsiteY1" fmla="*/ 0 h 6858000"/>
-              <a:gd name="connsiteX2" fmla="*/ 4199467 w 5435600"/>
-              <a:gd name="connsiteY2" fmla="*/ 2455333 h 6858000"/>
-              <a:gd name="connsiteX3" fmla="*/ 5435600 w 5435600"/>
-              <a:gd name="connsiteY3" fmla="*/ 6858000 h 6858000"/>
-              <a:gd name="connsiteX4" fmla="*/ 0 w 5435600"/>
-              <a:gd name="connsiteY4" fmla="*/ 6858000 h 6858000"/>
-              <a:gd name="connsiteX5" fmla="*/ 0 w 5435600"/>
-              <a:gd name="connsiteY5" fmla="*/ 0 h 6858000"/>
-              <a:gd name="connsiteX0" fmla="*/ 0 w 5435600"/>
-              <a:gd name="connsiteY0" fmla="*/ 0 h 6858000"/>
-              <a:gd name="connsiteX1" fmla="*/ 3513666 w 5435600"/>
-              <a:gd name="connsiteY1" fmla="*/ 0 h 6858000"/>
-              <a:gd name="connsiteX2" fmla="*/ 2861733 w 5435600"/>
-              <a:gd name="connsiteY2" fmla="*/ 2548466 h 6858000"/>
-              <a:gd name="connsiteX3" fmla="*/ 5435600 w 5435600"/>
-              <a:gd name="connsiteY3" fmla="*/ 6858000 h 6858000"/>
-              <a:gd name="connsiteX4" fmla="*/ 0 w 5435600"/>
-              <a:gd name="connsiteY4" fmla="*/ 6858000 h 6858000"/>
-              <a:gd name="connsiteX5" fmla="*/ 0 w 5435600"/>
-              <a:gd name="connsiteY5" fmla="*/ 0 h 6858000"/>
-              <a:gd name="connsiteX0" fmla="*/ 0 w 5448300"/>
-              <a:gd name="connsiteY0" fmla="*/ 0 h 6858000"/>
-              <a:gd name="connsiteX1" fmla="*/ 3513666 w 5448300"/>
-              <a:gd name="connsiteY1" fmla="*/ 0 h 6858000"/>
-              <a:gd name="connsiteX2" fmla="*/ 2861733 w 5448300"/>
-              <a:gd name="connsiteY2" fmla="*/ 2548466 h 6858000"/>
-              <a:gd name="connsiteX3" fmla="*/ 5448300 w 5448300"/>
-              <a:gd name="connsiteY3" fmla="*/ 6853767 h 6858000"/>
-              <a:gd name="connsiteX4" fmla="*/ 0 w 5448300"/>
-              <a:gd name="connsiteY4" fmla="*/ 6858000 h 6858000"/>
-              <a:gd name="connsiteX5" fmla="*/ 0 w 5448300"/>
-              <a:gd name="connsiteY5" fmla="*/ 0 h 6858000"/>
-              <a:gd name="connsiteX0" fmla="*/ 0 w 5448300"/>
-              <a:gd name="connsiteY0" fmla="*/ 0 h 6858000"/>
-              <a:gd name="connsiteX1" fmla="*/ 3174999 w 5448300"/>
-              <a:gd name="connsiteY1" fmla="*/ 0 h 6858000"/>
-              <a:gd name="connsiteX2" fmla="*/ 2861733 w 5448300"/>
-              <a:gd name="connsiteY2" fmla="*/ 2548466 h 6858000"/>
-              <a:gd name="connsiteX3" fmla="*/ 5448300 w 5448300"/>
-              <a:gd name="connsiteY3" fmla="*/ 6853767 h 6858000"/>
-              <a:gd name="connsiteX4" fmla="*/ 0 w 5448300"/>
-              <a:gd name="connsiteY4" fmla="*/ 6858000 h 6858000"/>
-              <a:gd name="connsiteX5" fmla="*/ 0 w 5448300"/>
-              <a:gd name="connsiteY5" fmla="*/ 0 h 6858000"/>
-              <a:gd name="connsiteX0" fmla="*/ 0 w 5448300"/>
-              <a:gd name="connsiteY0" fmla="*/ 0 h 6858000"/>
-              <a:gd name="connsiteX1" fmla="*/ 3174999 w 5448300"/>
-              <a:gd name="connsiteY1" fmla="*/ 0 h 6858000"/>
-              <a:gd name="connsiteX2" fmla="*/ 2294466 w 5448300"/>
-              <a:gd name="connsiteY2" fmla="*/ 5223932 h 6858000"/>
-              <a:gd name="connsiteX3" fmla="*/ 5448300 w 5448300"/>
-              <a:gd name="connsiteY3" fmla="*/ 6853767 h 6858000"/>
-              <a:gd name="connsiteX4" fmla="*/ 0 w 5448300"/>
-              <a:gd name="connsiteY4" fmla="*/ 6858000 h 6858000"/>
-              <a:gd name="connsiteX5" fmla="*/ 0 w 5448300"/>
-              <a:gd name="connsiteY5" fmla="*/ 0 h 6858000"/>
-              <a:gd name="connsiteX0" fmla="*/ 0 w 3458633"/>
-              <a:gd name="connsiteY0" fmla="*/ 0 h 6858000"/>
-              <a:gd name="connsiteX1" fmla="*/ 3174999 w 3458633"/>
-              <a:gd name="connsiteY1" fmla="*/ 0 h 6858000"/>
-              <a:gd name="connsiteX2" fmla="*/ 2294466 w 3458633"/>
-              <a:gd name="connsiteY2" fmla="*/ 5223932 h 6858000"/>
-              <a:gd name="connsiteX3" fmla="*/ 3458633 w 3458633"/>
-              <a:gd name="connsiteY3" fmla="*/ 6853767 h 6858000"/>
-              <a:gd name="connsiteX4" fmla="*/ 0 w 3458633"/>
-              <a:gd name="connsiteY4" fmla="*/ 6858000 h 6858000"/>
-              <a:gd name="connsiteX5" fmla="*/ 0 w 3458633"/>
-              <a:gd name="connsiteY5" fmla="*/ 0 h 6858000"/>
-            </a:gdLst>
-            <a:ahLst/>
-            <a:cxnLst>
-              <a:cxn ang="0">
-                <a:pos x="connsiteX0" y="connsiteY0"/>
-              </a:cxn>
-              <a:cxn ang="0">
-                <a:pos x="connsiteX1" y="connsiteY1"/>
-              </a:cxn>
-              <a:cxn ang="0">
-                <a:pos x="connsiteX2" y="connsiteY2"/>
-              </a:cxn>
-              <a:cxn ang="0">
-                <a:pos x="connsiteX3" y="connsiteY3"/>
-              </a:cxn>
-              <a:cxn ang="0">
-                <a:pos x="connsiteX4" y="connsiteY4"/>
-              </a:cxn>
-              <a:cxn ang="0">
-                <a:pos x="connsiteX5" y="connsiteY5"/>
-              </a:cxn>
-            </a:cxnLst>
-            <a:rect l="l" t="t" r="r" b="b"/>
-            <a:pathLst>
-              <a:path w="3458633" h="6858000">
-                <a:moveTo>
-                  <a:pt x="0" y="0"/>
-                </a:moveTo>
-                <a:lnTo>
-                  <a:pt x="3174999" y="0"/>
-                </a:lnTo>
-                <a:lnTo>
-                  <a:pt x="2294466" y="5223932"/>
-                </a:lnTo>
-                <a:lnTo>
-                  <a:pt x="3458633" y="6853767"/>
-                </a:lnTo>
-                <a:lnTo>
-                  <a:pt x="0" y="6858000"/>
-                </a:lnTo>
-                <a:lnTo>
-                  <a:pt x="0" y="0"/>
-                </a:lnTo>
-                <a:close/>
-              </a:path>
-            </a:pathLst>
-          </a:custGeom>
-          <a:ln w="38100">
-            <a:noFill/>
-          </a:ln>
-          <a:effectLst/>
-        </p:spPr>
-      </p:pic>
       <p:sp>
         <p:nvSpPr>
           <p:cNvPr id="3" name="Content Placeholder 2">
             <a:extLst>
               <a:ext uri="{FF2B5EF4-FFF2-40B4-BE49-F238E27FC236}">
-                <a16:creationId xmlns:a16="http://schemas.microsoft.com/office/drawing/2014/main" id="{DB98F5AA-8541-4EBA-92BD-74D7598C888E}"/>
+                <a16:creationId xmlns:a16="http://schemas.microsoft.com/office/drawing/2014/main" id="{DC5B7365-FD89-4F1D-B09E-9046575447ED}"/>
               </a:ext>
             </a:extLst>
           </p:cNvPr>
@@ -8178,60 +11741,111 @@
         </p:nvSpPr>
         <p:spPr>
           <a:xfrm>
-            <a:off x="3843867" y="2048933"/>
-            <a:ext cx="7659156" cy="3742267"/>
+            <a:off x="1484308" y="1001972"/>
+            <a:ext cx="10018713" cy="3124201"/>
           </a:xfrm>
         </p:spPr>
         <p:txBody>
-          <a:bodyPr>
-            <a:normAutofit/>
+          <a:bodyPr/>
+          <a:lstStyle/>
+          <a:p>
+            <a:r>
+              <a:rPr lang="en-GB" dirty="0"/>
+              <a:t>System for gathering information of a game</a:t>
+            </a:r>
+          </a:p>
+          <a:p>
+            <a:r>
+              <a:rPr lang="en-GB" dirty="0"/>
+              <a:t>Has four steps</a:t>
+            </a:r>
+          </a:p>
+          <a:p>
+            <a:r>
+              <a:rPr lang="en-GB" dirty="0"/>
+              <a:t>Does not require a heuristic</a:t>
+            </a:r>
+          </a:p>
+        </p:txBody>
+      </p:sp>
+      <p:pic>
+        <p:nvPicPr>
+          <p:cNvPr id="4" name="Picture 3" descr="https://upload.wikimedia.org/wikipedia/commons/thumb/6/62/MCTS_%28English%29_-_Updated_2017-11-19.svg/808px-MCTS_%28English%29_-_Updated_2017-11-19.svg.png">
+            <a:extLst>
+              <a:ext uri="{FF2B5EF4-FFF2-40B4-BE49-F238E27FC236}">
+                <a16:creationId xmlns:a16="http://schemas.microsoft.com/office/drawing/2014/main" id="{EB09EB98-3F87-44B7-89DF-7981F7F5DBC7}"/>
+              </a:ext>
+            </a:extLst>
+          </p:cNvPr>
+          <p:cNvPicPr/>
+          <p:nvPr/>
+        </p:nvPicPr>
+        <p:blipFill>
+          <a:blip r:embed="rId2">
+            <a:extLst>
+              <a:ext uri="{28A0092B-C50C-407E-A947-70E740481C1C}">
+                <a14:useLocalDpi xmlns:a14="http://schemas.microsoft.com/office/drawing/2010/main" val="0"/>
+              </a:ext>
+            </a:extLst>
+          </a:blip>
+          <a:srcRect/>
+          <a:stretch>
+            <a:fillRect/>
+          </a:stretch>
+        </p:blipFill>
+        <p:spPr bwMode="auto">
+          <a:xfrm>
+            <a:off x="1484306" y="3428999"/>
+            <a:ext cx="9223385" cy="2943665"/>
+          </a:xfrm>
+          <a:prstGeom prst="rect">
+            <a:avLst/>
+          </a:prstGeom>
+          <a:noFill/>
+          <a:ln>
+            <a:noFill/>
+          </a:ln>
+        </p:spPr>
+      </p:pic>
+      <p:sp>
+        <p:nvSpPr>
+          <p:cNvPr id="5" name="TextBox 4">
+            <a:extLst>
+              <a:ext uri="{FF2B5EF4-FFF2-40B4-BE49-F238E27FC236}">
+                <a16:creationId xmlns:a16="http://schemas.microsoft.com/office/drawing/2014/main" id="{70108C92-1A9B-45D9-8266-EBDF8D6B62C5}"/>
+              </a:ext>
+            </a:extLst>
+          </p:cNvPr>
+          <p:cNvSpPr txBox="1"/>
+          <p:nvPr/>
+        </p:nvSpPr>
+        <p:spPr>
+          <a:xfrm>
+            <a:off x="3430366" y="6293472"/>
+            <a:ext cx="5331268" cy="369332"/>
+          </a:xfrm>
+          <a:prstGeom prst="rect">
+            <a:avLst/>
+          </a:prstGeom>
+          <a:noFill/>
+        </p:spPr>
+        <p:txBody>
+          <a:bodyPr wrap="none" rtlCol="0">
+            <a:spAutoFit/>
           </a:bodyPr>
           <a:lstStyle/>
           <a:p>
             <a:r>
-              <a:rPr lang="en-GB"/>
-              <a:t>Criteria </a:t>
-            </a:r>
-          </a:p>
-          <a:p>
-            <a:pPr lvl="1"/>
-            <a:r>
-              <a:rPr lang="en-GB"/>
-              <a:t>Game must be quick to play</a:t>
-            </a:r>
-          </a:p>
-          <a:p>
-            <a:pPr lvl="1"/>
-            <a:r>
-              <a:rPr lang="en-GB"/>
-              <a:t>Must be somewhat novel </a:t>
-            </a:r>
-          </a:p>
-          <a:p>
-            <a:pPr lvl="1"/>
-            <a:r>
-              <a:rPr lang="en-GB"/>
-              <a:t>Rules must be quick to learn</a:t>
-            </a:r>
-          </a:p>
-          <a:p>
-            <a:r>
-              <a:rPr lang="en-GB"/>
-              <a:t>Choice to implement</a:t>
-            </a:r>
-          </a:p>
-          <a:p>
-            <a:pPr lvl="1"/>
-            <a:r>
-              <a:rPr lang="en-GB"/>
-              <a:t>Allows complete control over code</a:t>
-            </a:r>
-          </a:p>
-          <a:p>
-            <a:pPr lvl="1"/>
-            <a:r>
-              <a:rPr lang="en-GB"/>
-              <a:t>Don’t have to deal with adapting API’s that are not designed for AI play</a:t>
+              <a:rPr lang="en-GB" dirty="0"/>
+              <a:t>MCTS diagram taken from </a:t>
+            </a:r>
+            <a:r>
+              <a:rPr lang="en-GB" dirty="0" err="1"/>
+              <a:t>wikipedia</a:t>
+            </a:r>
+            <a:r>
+              <a:rPr lang="en-GB" dirty="0"/>
+              <a:t> (Wikipedia, 2017)</a:t>
             </a:r>
           </a:p>
         </p:txBody>
@@ -8239,7 +11853,7 @@
     </p:spTree>
     <p:extLst>
       <p:ext uri="{BB962C8B-B14F-4D97-AF65-F5344CB8AC3E}">
-        <p14:creationId xmlns:p14="http://schemas.microsoft.com/office/powerpoint/2010/main" val="2496004142"/>
+        <p14:creationId xmlns:p14="http://schemas.microsoft.com/office/powerpoint/2010/main" val="3614809879"/>
       </p:ext>
     </p:extLst>
   </p:cSld>
@@ -8271,7 +11885,7 @@
           <p:cNvPr id="2" name="Title 1">
             <a:extLst>
               <a:ext uri="{FF2B5EF4-FFF2-40B4-BE49-F238E27FC236}">
-                <a16:creationId xmlns:a16="http://schemas.microsoft.com/office/drawing/2014/main" id="{11C6D028-73D3-40F9-A892-19D3219E85F3}"/>
+                <a16:creationId xmlns:a16="http://schemas.microsoft.com/office/drawing/2014/main" id="{658F61CA-C5FD-4DA9-AB54-6C34BBDD4F8C}"/>
               </a:ext>
             </a:extLst>
           </p:cNvPr>
@@ -8284,7 +11898,7 @@
         </p:nvSpPr>
         <p:spPr>
           <a:xfrm>
-            <a:off x="1086643" y="13252"/>
+            <a:off x="-2425080" y="36443"/>
             <a:ext cx="10018713" cy="1752599"/>
           </a:xfrm>
         </p:spPr>
@@ -8294,45 +11908,138 @@
           <a:p>
             <a:r>
               <a:rPr lang="en-GB" dirty="0"/>
-              <a:t>Project Plan</a:t>
+              <a:t>AI Design</a:t>
             </a:r>
           </a:p>
         </p:txBody>
       </p:sp>
-      <p:pic>
-        <p:nvPicPr>
-          <p:cNvPr id="4" name="Picture 3">
+      <p:sp>
+        <p:nvSpPr>
+          <p:cNvPr id="3" name="Content Placeholder 2">
             <a:extLst>
               <a:ext uri="{FF2B5EF4-FFF2-40B4-BE49-F238E27FC236}">
-                <a16:creationId xmlns:a16="http://schemas.microsoft.com/office/drawing/2014/main" id="{B6BC2D96-AC9D-4A3A-A969-BD6A2447FE53}"/>
+                <a16:creationId xmlns:a16="http://schemas.microsoft.com/office/drawing/2014/main" id="{3D463255-060D-449C-AE5B-F67B066018FB}"/>
               </a:ext>
             </a:extLst>
           </p:cNvPr>
-          <p:cNvPicPr>
-            <a:picLocks noChangeAspect="1"/>
-          </p:cNvPicPr>
-          <p:nvPr/>
-        </p:nvPicPr>
-        <p:blipFill>
-          <a:blip r:embed="rId2"/>
-          <a:stretch>
-            <a:fillRect/>
-          </a:stretch>
-        </p:blipFill>
+          <p:cNvSpPr>
+            <a:spLocks noGrp="1"/>
+          </p:cNvSpPr>
+          <p:nvPr>
+            <p:ph idx="1"/>
+          </p:nvPr>
+        </p:nvSpPr>
         <p:spPr>
           <a:xfrm>
-            <a:off x="0" y="1286228"/>
-            <a:ext cx="12192000" cy="5766017"/>
+            <a:off x="1603580" y="1297056"/>
+            <a:ext cx="10946229" cy="5524501"/>
           </a:xfrm>
-          <a:prstGeom prst="rect">
-            <a:avLst/>
-          </a:prstGeom>
         </p:spPr>
-      </p:pic>
+        <p:txBody>
+          <a:bodyPr>
+            <a:normAutofit/>
+          </a:bodyPr>
+          <a:lstStyle/>
+          <a:p>
+            <a:r>
+              <a:rPr lang="en-GB" dirty="0"/>
+              <a:t>MCTS AI</a:t>
+            </a:r>
+          </a:p>
+          <a:p>
+            <a:pPr lvl="1"/>
+            <a:r>
+              <a:rPr lang="en-GB" dirty="0"/>
+              <a:t>Uses pure MCTS algorithm to attempt to find best possible move</a:t>
+            </a:r>
+          </a:p>
+          <a:p>
+            <a:r>
+              <a:rPr lang="en-GB" dirty="0"/>
+              <a:t>Good Dad v1</a:t>
+            </a:r>
+          </a:p>
+          <a:p>
+            <a:pPr lvl="1"/>
+            <a:r>
+              <a:rPr lang="en-GB" dirty="0"/>
+              <a:t>Uses modified Monte Carlo Tree Search (MCTS)</a:t>
+            </a:r>
+          </a:p>
+          <a:p>
+            <a:pPr lvl="1"/>
+            <a:r>
+              <a:rPr lang="en-GB" dirty="0"/>
+              <a:t>Takes into account the players skill level and move accordingly</a:t>
+            </a:r>
+          </a:p>
+          <a:p>
+            <a:r>
+              <a:rPr lang="en-GB" dirty="0"/>
+              <a:t>Good Dad v2</a:t>
+            </a:r>
+          </a:p>
+          <a:p>
+            <a:pPr lvl="1"/>
+            <a:r>
+              <a:rPr lang="en-GB" dirty="0"/>
+              <a:t>Calculates the standard deviation (</a:t>
+            </a:r>
+            <a:r>
+              <a:rPr lang="en-GB" dirty="0" err="1"/>
+              <a:t>sd</a:t>
+            </a:r>
+            <a:r>
+              <a:rPr lang="en-GB" dirty="0"/>
+              <a:t>) of the placements of opponents moves</a:t>
+            </a:r>
+          </a:p>
+          <a:p>
+            <a:pPr lvl="1"/>
+            <a:r>
+              <a:rPr lang="en-GB" dirty="0"/>
+              <a:t>Selects a move at random whose placement is within the average ± (</a:t>
+            </a:r>
+            <a:r>
+              <a:rPr lang="en-GB" dirty="0" err="1"/>
+              <a:t>sd</a:t>
+            </a:r>
+            <a:r>
+              <a:rPr lang="en-GB" dirty="0"/>
+              <a:t>)</a:t>
+            </a:r>
+          </a:p>
+          <a:p>
+            <a:r>
+              <a:rPr lang="en-GB" dirty="0"/>
+              <a:t>Minefield</a:t>
+            </a:r>
+          </a:p>
+          <a:p>
+            <a:pPr lvl="1"/>
+            <a:r>
+              <a:rPr lang="en-GB" dirty="0"/>
+              <a:t>Makes moves so its pieces lie on straight lines</a:t>
+            </a:r>
+          </a:p>
+          <a:p>
+            <a:pPr lvl="1"/>
+            <a:r>
+              <a:rPr lang="en-GB" dirty="0"/>
+              <a:t>Intended to make the user feel a sense of </a:t>
+            </a:r>
+            <a:r>
+              <a:rPr lang="en-GB" dirty="0" err="1"/>
+              <a:t>presure</a:t>
+            </a:r>
+            <a:endParaRPr lang="en-GB" dirty="0"/>
+          </a:p>
+        </p:txBody>
+      </p:sp>
     </p:spTree>
     <p:extLst>
       <p:ext uri="{BB962C8B-B14F-4D97-AF65-F5344CB8AC3E}">
-        <p14:creationId xmlns:p14="http://schemas.microsoft.com/office/powerpoint/2010/main" val="1775905025"/>
+        <p14:creationId xmlns:p14="http://schemas.microsoft.com/office/powerpoint/2010/main" val="804488247"/>
       </p:ext>
     </p:extLst>
   </p:cSld>
@@ -8364,7 +12071,7 @@
           <p:cNvPr id="2" name="Title 1">
             <a:extLst>
               <a:ext uri="{FF2B5EF4-FFF2-40B4-BE49-F238E27FC236}">
-                <a16:creationId xmlns:a16="http://schemas.microsoft.com/office/drawing/2014/main" id="{BD956859-C5DF-4A6A-B65C-02A6292095D5}"/>
+                <a16:creationId xmlns:a16="http://schemas.microsoft.com/office/drawing/2014/main" id="{B9DB0734-4FB6-4AA8-9786-76E25157E9C6}"/>
               </a:ext>
             </a:extLst>
           </p:cNvPr>
@@ -8377,7 +12084,7 @@
         </p:nvSpPr>
         <p:spPr>
           <a:xfrm>
-            <a:off x="-715550" y="279951"/>
+            <a:off x="1484310" y="0"/>
             <a:ext cx="10018713" cy="1752599"/>
           </a:xfrm>
         </p:spPr>
@@ -8387,7 +12094,7 @@
           <a:p>
             <a:r>
               <a:rPr lang="en-GB" dirty="0"/>
-              <a:t>Design</a:t>
+              <a:t>Adaptive AI</a:t>
             </a:r>
           </a:p>
         </p:txBody>
@@ -8397,7 +12104,7 @@
           <p:cNvPr id="3" name="Content Placeholder 2">
             <a:extLst>
               <a:ext uri="{FF2B5EF4-FFF2-40B4-BE49-F238E27FC236}">
-                <a16:creationId xmlns:a16="http://schemas.microsoft.com/office/drawing/2014/main" id="{5A268B97-2DBB-448D-B5C1-074B1A67DDAF}"/>
+                <a16:creationId xmlns:a16="http://schemas.microsoft.com/office/drawing/2014/main" id="{C89141C5-D406-4E39-A84E-A053CC1271AF}"/>
               </a:ext>
             </a:extLst>
           </p:cNvPr>
@@ -8410,444 +12117,68 @@
         </p:nvSpPr>
         <p:spPr>
           <a:xfrm>
-            <a:off x="1484310" y="1156251"/>
+            <a:off x="1484310" y="1752599"/>
             <a:ext cx="10018713" cy="3124201"/>
           </a:xfrm>
         </p:spPr>
         <p:txBody>
-          <a:bodyPr/>
+          <a:bodyPr>
+            <a:normAutofit lnSpcReduction="10000"/>
+          </a:bodyPr>
           <a:lstStyle/>
           <a:p>
             <a:r>
-              <a:rPr lang="en-GB" dirty="0" err="1"/>
-              <a:t>.Net</a:t>
-            </a:r>
-            <a:r>
               <a:rPr lang="en-GB" dirty="0"/>
-              <a:t> Web app with angular front end</a:t>
-            </a:r>
-          </a:p>
-          <a:p>
+              <a:t>Good Dad v1</a:t>
+            </a:r>
+          </a:p>
+          <a:p>
+            <a:pPr lvl="1"/>
             <a:r>
               <a:rPr lang="en-GB" dirty="0"/>
-              <a:t>Layered Architecture Server side</a:t>
-            </a:r>
-          </a:p>
-          <a:p>
+              <a:t>Picks whatever available move is closest to the opponents average reward</a:t>
+            </a:r>
+          </a:p>
+          <a:p>
+            <a:pPr lvl="1"/>
             <a:r>
               <a:rPr lang="en-GB" dirty="0"/>
-              <a:t>MVVM Architecture Client Side</a:t>
+              <a:t>Went through some design changes</a:t>
+            </a:r>
+          </a:p>
+          <a:p>
+            <a:pPr lvl="1"/>
+            <a:r>
+              <a:rPr lang="en-GB" dirty="0"/>
+              <a:t>Struggled against Minefield</a:t>
+            </a:r>
+          </a:p>
+          <a:p>
+            <a:r>
+              <a:rPr lang="en-GB" dirty="0"/>
+              <a:t>Good Dad v2</a:t>
+            </a:r>
+          </a:p>
+          <a:p>
+            <a:pPr lvl="1"/>
+            <a:r>
+              <a:rPr lang="en-GB" dirty="0"/>
+              <a:t>Uses simple statistical analysis of the opponents move placement</a:t>
+            </a:r>
+          </a:p>
+          <a:p>
+            <a:pPr lvl="1"/>
+            <a:r>
+              <a:rPr lang="en-GB" dirty="0"/>
+              <a:t>Still struggled against Minefield</a:t>
             </a:r>
           </a:p>
         </p:txBody>
       </p:sp>
-      <p:sp>
-        <p:nvSpPr>
-          <p:cNvPr id="4" name="Rectangle 3">
-            <a:extLst>
-              <a:ext uri="{FF2B5EF4-FFF2-40B4-BE49-F238E27FC236}">
-                <a16:creationId xmlns:a16="http://schemas.microsoft.com/office/drawing/2014/main" id="{18DD74A5-8386-40E6-ADDE-B81691FF09FC}"/>
-              </a:ext>
-            </a:extLst>
-          </p:cNvPr>
-          <p:cNvSpPr/>
-          <p:nvPr/>
-        </p:nvSpPr>
-        <p:spPr>
-          <a:xfrm>
-            <a:off x="7421217" y="2438399"/>
-            <a:ext cx="2981740" cy="1752599"/>
-          </a:xfrm>
-          <a:prstGeom prst="rect">
-            <a:avLst/>
-          </a:prstGeom>
-        </p:spPr>
-        <p:style>
-          <a:lnRef idx="2">
-            <a:schemeClr val="accent1"/>
-          </a:lnRef>
-          <a:fillRef idx="1">
-            <a:schemeClr val="lt1"/>
-          </a:fillRef>
-          <a:effectRef idx="0">
-            <a:schemeClr val="accent1"/>
-          </a:effectRef>
-          <a:fontRef idx="minor">
-            <a:schemeClr val="dk1"/>
-          </a:fontRef>
-        </p:style>
-        <p:txBody>
-          <a:bodyPr rtlCol="0" anchor="ctr"/>
-          <a:lstStyle/>
-          <a:p>
-            <a:pPr algn="ctr"/>
-            <a:r>
-              <a:rPr lang="en-GB" sz="2000" dirty="0"/>
-              <a:t>API Layer</a:t>
-            </a:r>
-          </a:p>
-          <a:p>
-            <a:pPr algn="ctr"/>
-            <a:endParaRPr lang="en-GB" sz="2000" dirty="0"/>
-          </a:p>
-          <a:p>
-            <a:pPr algn="ctr"/>
-            <a:r>
-              <a:rPr lang="en-GB" sz="2000" dirty="0"/>
-              <a:t>Logic Layer</a:t>
-            </a:r>
-          </a:p>
-          <a:p>
-            <a:pPr algn="ctr"/>
-            <a:endParaRPr lang="en-GB" sz="2000" dirty="0"/>
-          </a:p>
-          <a:p>
-            <a:pPr algn="ctr"/>
-            <a:r>
-              <a:rPr lang="en-GB" sz="2000" dirty="0"/>
-              <a:t>Data Layer</a:t>
-            </a:r>
-          </a:p>
-        </p:txBody>
-      </p:sp>
-      <p:cxnSp>
-        <p:nvCxnSpPr>
-          <p:cNvPr id="6" name="Straight Connector 5">
-            <a:extLst>
-              <a:ext uri="{FF2B5EF4-FFF2-40B4-BE49-F238E27FC236}">
-                <a16:creationId xmlns:a16="http://schemas.microsoft.com/office/drawing/2014/main" id="{31DDDC20-2989-4BAE-8336-40A758453504}"/>
-              </a:ext>
-            </a:extLst>
-          </p:cNvPr>
-          <p:cNvCxnSpPr>
-            <a:cxnSpLocks/>
-          </p:cNvCxnSpPr>
-          <p:nvPr/>
-        </p:nvCxnSpPr>
-        <p:spPr>
-          <a:xfrm>
-            <a:off x="7421217" y="3021496"/>
-            <a:ext cx="2981740" cy="0"/>
-          </a:xfrm>
-          <a:prstGeom prst="line">
-            <a:avLst/>
-          </a:prstGeom>
-        </p:spPr>
-        <p:style>
-          <a:lnRef idx="2">
-            <a:schemeClr val="accent1"/>
-          </a:lnRef>
-          <a:fillRef idx="0">
-            <a:schemeClr val="accent1"/>
-          </a:fillRef>
-          <a:effectRef idx="1">
-            <a:schemeClr val="accent1"/>
-          </a:effectRef>
-          <a:fontRef idx="minor">
-            <a:schemeClr val="tx1"/>
-          </a:fontRef>
-        </p:style>
-      </p:cxnSp>
-      <p:cxnSp>
-        <p:nvCxnSpPr>
-          <p:cNvPr id="7" name="Straight Connector 6">
-            <a:extLst>
-              <a:ext uri="{FF2B5EF4-FFF2-40B4-BE49-F238E27FC236}">
-                <a16:creationId xmlns:a16="http://schemas.microsoft.com/office/drawing/2014/main" id="{253A20FF-3C59-4180-88A8-C9CF32F2CC34}"/>
-              </a:ext>
-            </a:extLst>
-          </p:cNvPr>
-          <p:cNvCxnSpPr>
-            <a:cxnSpLocks/>
-          </p:cNvCxnSpPr>
-          <p:nvPr/>
-        </p:nvCxnSpPr>
-        <p:spPr>
-          <a:xfrm>
-            <a:off x="7421217" y="3664226"/>
-            <a:ext cx="2981740" cy="0"/>
-          </a:xfrm>
-          <a:prstGeom prst="line">
-            <a:avLst/>
-          </a:prstGeom>
-        </p:spPr>
-        <p:style>
-          <a:lnRef idx="2">
-            <a:schemeClr val="accent1"/>
-          </a:lnRef>
-          <a:fillRef idx="0">
-            <a:schemeClr val="accent1"/>
-          </a:fillRef>
-          <a:effectRef idx="1">
-            <a:schemeClr val="accent1"/>
-          </a:effectRef>
-          <a:fontRef idx="minor">
-            <a:schemeClr val="tx1"/>
-          </a:fontRef>
-        </p:style>
-      </p:cxnSp>
-      <p:sp>
-        <p:nvSpPr>
-          <p:cNvPr id="9" name="Rectangle 8">
-            <a:extLst>
-              <a:ext uri="{FF2B5EF4-FFF2-40B4-BE49-F238E27FC236}">
-                <a16:creationId xmlns:a16="http://schemas.microsoft.com/office/drawing/2014/main" id="{289D4668-3EDC-43B6-963A-36D90AB2D9F3}"/>
-              </a:ext>
-            </a:extLst>
-          </p:cNvPr>
-          <p:cNvSpPr/>
-          <p:nvPr/>
-        </p:nvSpPr>
-        <p:spPr>
-          <a:xfrm>
-            <a:off x="7421217" y="279951"/>
-            <a:ext cx="2981740" cy="1752599"/>
-          </a:xfrm>
-          <a:prstGeom prst="rect">
-            <a:avLst/>
-          </a:prstGeom>
-        </p:spPr>
-        <p:style>
-          <a:lnRef idx="2">
-            <a:schemeClr val="accent1"/>
-          </a:lnRef>
-          <a:fillRef idx="1">
-            <a:schemeClr val="lt1"/>
-          </a:fillRef>
-          <a:effectRef idx="0">
-            <a:schemeClr val="accent1"/>
-          </a:effectRef>
-          <a:fontRef idx="minor">
-            <a:schemeClr val="dk1"/>
-          </a:fontRef>
-        </p:style>
-        <p:txBody>
-          <a:bodyPr rtlCol="0" anchor="ctr"/>
-          <a:lstStyle/>
-          <a:p>
-            <a:pPr algn="ctr"/>
-            <a:r>
-              <a:rPr lang="en-GB" sz="2800" dirty="0"/>
-              <a:t>Client</a:t>
-            </a:r>
-          </a:p>
-        </p:txBody>
-      </p:sp>
-      <p:sp>
-        <p:nvSpPr>
-          <p:cNvPr id="12" name="Rectangle 11">
-            <a:extLst>
-              <a:ext uri="{FF2B5EF4-FFF2-40B4-BE49-F238E27FC236}">
-                <a16:creationId xmlns:a16="http://schemas.microsoft.com/office/drawing/2014/main" id="{539F38CE-6012-4ED8-A166-FE4100609252}"/>
-              </a:ext>
-            </a:extLst>
-          </p:cNvPr>
-          <p:cNvSpPr/>
-          <p:nvPr/>
-        </p:nvSpPr>
-        <p:spPr>
-          <a:xfrm>
-            <a:off x="7421217" y="4686301"/>
-            <a:ext cx="2981740" cy="1752599"/>
-          </a:xfrm>
-          <a:prstGeom prst="rect">
-            <a:avLst/>
-          </a:prstGeom>
-        </p:spPr>
-        <p:style>
-          <a:lnRef idx="2">
-            <a:schemeClr val="accent1"/>
-          </a:lnRef>
-          <a:fillRef idx="1">
-            <a:schemeClr val="lt1"/>
-          </a:fillRef>
-          <a:effectRef idx="0">
-            <a:schemeClr val="accent1"/>
-          </a:effectRef>
-          <a:fontRef idx="minor">
-            <a:schemeClr val="dk1"/>
-          </a:fontRef>
-        </p:style>
-        <p:txBody>
-          <a:bodyPr rtlCol="0" anchor="ctr"/>
-          <a:lstStyle/>
-          <a:p>
-            <a:pPr algn="ctr"/>
-            <a:r>
-              <a:rPr lang="en-GB" sz="2800" dirty="0"/>
-              <a:t>Database</a:t>
-            </a:r>
-          </a:p>
-        </p:txBody>
-      </p:sp>
-      <p:cxnSp>
-        <p:nvCxnSpPr>
-          <p:cNvPr id="14" name="Straight Arrow Connector 13">
-            <a:extLst>
-              <a:ext uri="{FF2B5EF4-FFF2-40B4-BE49-F238E27FC236}">
-                <a16:creationId xmlns:a16="http://schemas.microsoft.com/office/drawing/2014/main" id="{28D392BA-98C1-4F1D-8A74-54BE7412EB58}"/>
-              </a:ext>
-            </a:extLst>
-          </p:cNvPr>
-          <p:cNvCxnSpPr>
-            <a:stCxn id="4" idx="0"/>
-          </p:cNvCxnSpPr>
-          <p:nvPr/>
-        </p:nvCxnSpPr>
-        <p:spPr>
-          <a:xfrm flipV="1">
-            <a:off x="8912087" y="2032550"/>
-            <a:ext cx="0" cy="405849"/>
-          </a:xfrm>
-          <a:prstGeom prst="straightConnector1">
-            <a:avLst/>
-          </a:prstGeom>
-          <a:ln>
-            <a:tailEnd type="triangle"/>
-          </a:ln>
-        </p:spPr>
-        <p:style>
-          <a:lnRef idx="3">
-            <a:schemeClr val="accent1"/>
-          </a:lnRef>
-          <a:fillRef idx="0">
-            <a:schemeClr val="accent1"/>
-          </a:fillRef>
-          <a:effectRef idx="2">
-            <a:schemeClr val="accent1"/>
-          </a:effectRef>
-          <a:fontRef idx="minor">
-            <a:schemeClr val="tx1"/>
-          </a:fontRef>
-        </p:style>
-      </p:cxnSp>
-      <p:cxnSp>
-        <p:nvCxnSpPr>
-          <p:cNvPr id="15" name="Straight Arrow Connector 14">
-            <a:extLst>
-              <a:ext uri="{FF2B5EF4-FFF2-40B4-BE49-F238E27FC236}">
-                <a16:creationId xmlns:a16="http://schemas.microsoft.com/office/drawing/2014/main" id="{E8389A07-FD12-4CE4-B4F6-D9CC6A40522B}"/>
-              </a:ext>
-            </a:extLst>
-          </p:cNvPr>
-          <p:cNvCxnSpPr>
-            <a:cxnSpLocks/>
-          </p:cNvCxnSpPr>
-          <p:nvPr/>
-        </p:nvCxnSpPr>
-        <p:spPr>
-          <a:xfrm>
-            <a:off x="8912087" y="4194314"/>
-            <a:ext cx="0" cy="491987"/>
-          </a:xfrm>
-          <a:prstGeom prst="straightConnector1">
-            <a:avLst/>
-          </a:prstGeom>
-          <a:ln>
-            <a:tailEnd type="triangle"/>
-          </a:ln>
-        </p:spPr>
-        <p:style>
-          <a:lnRef idx="3">
-            <a:schemeClr val="accent1"/>
-          </a:lnRef>
-          <a:fillRef idx="0">
-            <a:schemeClr val="accent1"/>
-          </a:fillRef>
-          <a:effectRef idx="2">
-            <a:schemeClr val="accent1"/>
-          </a:effectRef>
-          <a:fontRef idx="minor">
-            <a:schemeClr val="tx1"/>
-          </a:fontRef>
-        </p:style>
-      </p:cxnSp>
-      <p:cxnSp>
-        <p:nvCxnSpPr>
-          <p:cNvPr id="17" name="Straight Arrow Connector 16">
-            <a:extLst>
-              <a:ext uri="{FF2B5EF4-FFF2-40B4-BE49-F238E27FC236}">
-                <a16:creationId xmlns:a16="http://schemas.microsoft.com/office/drawing/2014/main" id="{A1A2791F-E990-4373-AF8F-F8CF591E5F5B}"/>
-              </a:ext>
-            </a:extLst>
-          </p:cNvPr>
-          <p:cNvCxnSpPr>
-            <a:cxnSpLocks/>
-          </p:cNvCxnSpPr>
-          <p:nvPr/>
-        </p:nvCxnSpPr>
-        <p:spPr>
-          <a:xfrm>
-            <a:off x="9303163" y="2032550"/>
-            <a:ext cx="0" cy="405849"/>
-          </a:xfrm>
-          <a:prstGeom prst="straightConnector1">
-            <a:avLst/>
-          </a:prstGeom>
-          <a:ln>
-            <a:tailEnd type="triangle"/>
-          </a:ln>
-        </p:spPr>
-        <p:style>
-          <a:lnRef idx="3">
-            <a:schemeClr val="accent1"/>
-          </a:lnRef>
-          <a:fillRef idx="0">
-            <a:schemeClr val="accent1"/>
-          </a:fillRef>
-          <a:effectRef idx="2">
-            <a:schemeClr val="accent1"/>
-          </a:effectRef>
-          <a:fontRef idx="minor">
-            <a:schemeClr val="tx1"/>
-          </a:fontRef>
-        </p:style>
-      </p:cxnSp>
-      <p:cxnSp>
-        <p:nvCxnSpPr>
-          <p:cNvPr id="19" name="Straight Arrow Connector 18">
-            <a:extLst>
-              <a:ext uri="{FF2B5EF4-FFF2-40B4-BE49-F238E27FC236}">
-                <a16:creationId xmlns:a16="http://schemas.microsoft.com/office/drawing/2014/main" id="{E7738007-13FF-4280-B3AA-0D70C53C8BDD}"/>
-              </a:ext>
-            </a:extLst>
-          </p:cNvPr>
-          <p:cNvCxnSpPr>
-            <a:cxnSpLocks/>
-          </p:cNvCxnSpPr>
-          <p:nvPr/>
-        </p:nvCxnSpPr>
-        <p:spPr>
-          <a:xfrm flipV="1">
-            <a:off x="9303163" y="4190998"/>
-            <a:ext cx="0" cy="495304"/>
-          </a:xfrm>
-          <a:prstGeom prst="straightConnector1">
-            <a:avLst/>
-          </a:prstGeom>
-          <a:ln>
-            <a:tailEnd type="triangle"/>
-          </a:ln>
-        </p:spPr>
-        <p:style>
-          <a:lnRef idx="3">
-            <a:schemeClr val="accent1"/>
-          </a:lnRef>
-          <a:fillRef idx="0">
-            <a:schemeClr val="accent1"/>
-          </a:fillRef>
-          <a:effectRef idx="2">
-            <a:schemeClr val="accent1"/>
-          </a:effectRef>
-          <a:fontRef idx="minor">
-            <a:schemeClr val="tx1"/>
-          </a:fontRef>
-        </p:style>
-      </p:cxnSp>
     </p:spTree>
     <p:extLst>
       <p:ext uri="{BB962C8B-B14F-4D97-AF65-F5344CB8AC3E}">
-        <p14:creationId xmlns:p14="http://schemas.microsoft.com/office/powerpoint/2010/main" val="70604173"/>
+        <p14:creationId xmlns:p14="http://schemas.microsoft.com/office/powerpoint/2010/main" val="571897737"/>
       </p:ext>
     </p:extLst>
   </p:cSld>
@@ -8874,42 +12205,12 @@
           <a:chExt cx="0" cy="0"/>
         </a:xfrm>
       </p:grpSpPr>
-      <p:pic>
-        <p:nvPicPr>
-          <p:cNvPr id="4" name="Picture 3">
-            <a:extLst>
-              <a:ext uri="{FF2B5EF4-FFF2-40B4-BE49-F238E27FC236}">
-                <a16:creationId xmlns:a16="http://schemas.microsoft.com/office/drawing/2014/main" id="{347CCD08-B685-4EAC-8F36-E1C6033279BC}"/>
-              </a:ext>
-            </a:extLst>
-          </p:cNvPr>
-          <p:cNvPicPr>
-            <a:picLocks noChangeAspect="1"/>
-          </p:cNvPicPr>
-          <p:nvPr/>
-        </p:nvPicPr>
-        <p:blipFill>
-          <a:blip r:embed="rId2"/>
-          <a:stretch>
-            <a:fillRect/>
-          </a:stretch>
-        </p:blipFill>
-        <p:spPr>
-          <a:xfrm>
-            <a:off x="5399727" y="36443"/>
-            <a:ext cx="6792273" cy="3153215"/>
-          </a:xfrm>
-          <a:prstGeom prst="rect">
-            <a:avLst/>
-          </a:prstGeom>
-        </p:spPr>
-      </p:pic>
       <p:sp>
         <p:nvSpPr>
           <p:cNvPr id="2" name="Title 1">
             <a:extLst>
               <a:ext uri="{FF2B5EF4-FFF2-40B4-BE49-F238E27FC236}">
-                <a16:creationId xmlns:a16="http://schemas.microsoft.com/office/drawing/2014/main" id="{658F61CA-C5FD-4DA9-AB54-6C34BBDD4F8C}"/>
+                <a16:creationId xmlns:a16="http://schemas.microsoft.com/office/drawing/2014/main" id="{C1765516-7007-4763-A5F9-803BF843E914}"/>
               </a:ext>
             </a:extLst>
           </p:cNvPr>
@@ -8922,8 +12223,8 @@
         </p:nvSpPr>
         <p:spPr>
           <a:xfrm>
-            <a:off x="-2425080" y="36443"/>
-            <a:ext cx="10018713" cy="1752599"/>
+            <a:off x="1484310" y="0"/>
+            <a:ext cx="10018713" cy="1081708"/>
           </a:xfrm>
         </p:spPr>
         <p:txBody>
@@ -8932,110 +12233,261 @@
           <a:p>
             <a:r>
               <a:rPr lang="en-GB" dirty="0"/>
-              <a:t>AI Design</a:t>
+              <a:t>Ultimate Tic Tac Toe</a:t>
             </a:r>
           </a:p>
         </p:txBody>
       </p:sp>
-      <p:sp>
-        <p:nvSpPr>
-          <p:cNvPr id="3" name="Content Placeholder 2">
+      <mc:AlternateContent xmlns:mc="http://schemas.openxmlformats.org/markup-compatibility/2006">
+        <mc:Choice xmlns:a14="http://schemas.microsoft.com/office/drawing/2010/main" Requires="a14">
+          <p:sp>
+            <p:nvSpPr>
+              <p:cNvPr id="3" name="Content Placeholder 2">
+                <a:extLst>
+                  <a:ext uri="{FF2B5EF4-FFF2-40B4-BE49-F238E27FC236}">
+                    <a16:creationId xmlns:a16="http://schemas.microsoft.com/office/drawing/2014/main" id="{1AB3F8F7-B679-451B-AA5D-233CBE5FB4EC}"/>
+                  </a:ext>
+                </a:extLst>
+              </p:cNvPr>
+              <p:cNvSpPr>
+                <a:spLocks noGrp="1"/>
+              </p:cNvSpPr>
+              <p:nvPr>
+                <p:ph idx="1"/>
+              </p:nvPr>
+            </p:nvSpPr>
+            <p:spPr>
+              <a:xfrm>
+                <a:off x="1484309" y="660951"/>
+                <a:ext cx="10018713" cy="3124201"/>
+              </a:xfrm>
+            </p:spPr>
+            <p:txBody>
+              <a:bodyPr/>
+              <a:lstStyle/>
+              <a:p>
+                <a:r>
+                  <a:rPr lang="en-GB" dirty="0"/>
+                  <a:t>Twist on the pen and paper classic</a:t>
+                </a:r>
+              </a:p>
+              <a:p>
+                <a:r>
+                  <a:rPr lang="en-GB" dirty="0"/>
+                  <a:t>Easy to learn rule set</a:t>
+                </a:r>
+              </a:p>
+              <a:p>
+                <a:r>
+                  <a:rPr lang="en-GB" dirty="0"/>
+                  <a:t>Big game space, </a:t>
+                </a:r>
+                <a14:m>
+                  <m:oMath xmlns:m="http://schemas.openxmlformats.org/officeDocument/2006/math">
+                    <m:r>
+                      <a:rPr lang="en-GB" b="0" i="1" smtClean="0">
+                        <a:latin typeface="Cambria Math" panose="02040503050406030204" pitchFamily="18" charset="0"/>
+                      </a:rPr>
+                      <m:t>1.8 </m:t>
+                    </m:r>
+                    <m:r>
+                      <a:rPr lang="en-GB" b="0" i="1" smtClean="0">
+                        <a:latin typeface="Cambria Math" panose="02040503050406030204" pitchFamily="18" charset="0"/>
+                        <a:ea typeface="Cambria Math" panose="02040503050406030204" pitchFamily="18" charset="0"/>
+                      </a:rPr>
+                      <m:t>×</m:t>
+                    </m:r>
+                    <m:sSup>
+                      <m:sSupPr>
+                        <m:ctrlPr>
+                          <a:rPr lang="en-GB" b="0" i="1" smtClean="0">
+                            <a:latin typeface="Cambria Math" panose="02040503050406030204" pitchFamily="18" charset="0"/>
+                            <a:ea typeface="Cambria Math" panose="02040503050406030204" pitchFamily="18" charset="0"/>
+                          </a:rPr>
+                        </m:ctrlPr>
+                      </m:sSupPr>
+                      <m:e>
+                        <m:r>
+                          <a:rPr lang="en-GB" b="0" i="1" smtClean="0">
+                            <a:latin typeface="Cambria Math" panose="02040503050406030204" pitchFamily="18" charset="0"/>
+                            <a:ea typeface="Cambria Math" panose="02040503050406030204" pitchFamily="18" charset="0"/>
+                          </a:rPr>
+                          <m:t>10</m:t>
+                        </m:r>
+                      </m:e>
+                      <m:sup>
+                        <m:r>
+                          <a:rPr lang="en-GB" b="0" i="1" smtClean="0">
+                            <a:latin typeface="Cambria Math" panose="02040503050406030204" pitchFamily="18" charset="0"/>
+                            <a:ea typeface="Cambria Math" panose="02040503050406030204" pitchFamily="18" charset="0"/>
+                          </a:rPr>
+                          <m:t>78</m:t>
+                        </m:r>
+                      </m:sup>
+                    </m:sSup>
+                    <m:r>
+                      <m:rPr>
+                        <m:nor/>
+                      </m:rPr>
+                      <a:rPr lang="en-GB"/>
+                      <m:t>(</m:t>
+                    </m:r>
+                    <m:r>
+                      <m:rPr>
+                        <m:nor/>
+                      </m:rPr>
+                      <a:rPr lang="en-GB"/>
+                      <m:t>Bredyn</m:t>
+                    </m:r>
+                    <m:r>
+                      <m:rPr>
+                        <m:nor/>
+                      </m:rPr>
+                      <a:rPr lang="en-GB"/>
+                      <m:t> </m:t>
+                    </m:r>
+                    <m:r>
+                      <m:rPr>
+                        <m:nor/>
+                      </m:rPr>
+                      <a:rPr lang="en-GB"/>
+                      <m:t>McCombs</m:t>
+                    </m:r>
+                    <m:r>
+                      <m:rPr>
+                        <m:nor/>
+                      </m:rPr>
+                      <a:rPr lang="en-GB"/>
+                      <m:t>, 2018)</m:t>
+                    </m:r>
+                  </m:oMath>
+                </a14:m>
+                <a:endParaRPr lang="en-GB" dirty="0"/>
+              </a:p>
+              <a:p>
+                <a:r>
+                  <a:rPr lang="en-GB" dirty="0"/>
+                  <a:t>Quick to play</a:t>
+                </a:r>
+              </a:p>
+              <a:p>
+                <a:r>
+                  <a:rPr lang="en-GB" dirty="0"/>
+                  <a:t>Unfamiliar to most people</a:t>
+                </a:r>
+              </a:p>
+            </p:txBody>
+          </p:sp>
+        </mc:Choice>
+        <mc:Fallback>
+          <p:sp>
+            <p:nvSpPr>
+              <p:cNvPr id="3" name="Content Placeholder 2">
+                <a:extLst>
+                  <a:ext uri="{FF2B5EF4-FFF2-40B4-BE49-F238E27FC236}">
+                    <a16:creationId xmlns:a16="http://schemas.microsoft.com/office/drawing/2014/main" id="{1AB3F8F7-B679-451B-AA5D-233CBE5FB4EC}"/>
+                  </a:ext>
+                </a:extLst>
+              </p:cNvPr>
+              <p:cNvSpPr>
+                <a:spLocks noGrp="1" noRot="1" noChangeAspect="1" noMove="1" noResize="1" noEditPoints="1" noAdjustHandles="1" noChangeArrowheads="1" noChangeShapeType="1" noTextEdit="1"/>
+              </p:cNvSpPr>
+              <p:nvPr>
+                <p:ph idx="1"/>
+              </p:nvPr>
+            </p:nvSpPr>
+            <p:spPr>
+              <a:xfrm>
+                <a:off x="1484309" y="660951"/>
+                <a:ext cx="10018713" cy="3124201"/>
+              </a:xfrm>
+              <a:blipFill>
+                <a:blip r:embed="rId2"/>
+                <a:stretch>
+                  <a:fillRect l="-1521"/>
+                </a:stretch>
+              </a:blipFill>
+            </p:spPr>
+            <p:txBody>
+              <a:bodyPr/>
+              <a:lstStyle/>
+              <a:p>
+                <a:r>
+                  <a:rPr lang="en-GB">
+                    <a:noFill/>
+                  </a:rPr>
+                  <a:t> </a:t>
+                </a:r>
+              </a:p>
+            </p:txBody>
+          </p:sp>
+        </mc:Fallback>
+      </mc:AlternateContent>
+      <p:pic>
+        <p:nvPicPr>
+          <p:cNvPr id="4" name="Picture 3" descr="A picture containing antenna, object&#10;&#10;Description automatically generated">
             <a:extLst>
               <a:ext uri="{FF2B5EF4-FFF2-40B4-BE49-F238E27FC236}">
-                <a16:creationId xmlns:a16="http://schemas.microsoft.com/office/drawing/2014/main" id="{3D463255-060D-449C-AE5B-F67B066018FB}"/>
+                <a16:creationId xmlns:a16="http://schemas.microsoft.com/office/drawing/2014/main" id="{1BAFFF5B-E1BB-4769-AD2D-0A82FB2203F9}"/>
               </a:ext>
             </a:extLst>
           </p:cNvPr>
-          <p:cNvSpPr>
-            <a:spLocks noGrp="1"/>
-          </p:cNvSpPr>
-          <p:nvPr>
-            <p:ph idx="1"/>
-          </p:nvPr>
+          <p:cNvPicPr/>
+          <p:nvPr/>
+        </p:nvPicPr>
+        <p:blipFill>
+          <a:blip r:embed="rId3" cstate="print">
+            <a:extLst>
+              <a:ext uri="{28A0092B-C50C-407E-A947-70E740481C1C}">
+                <a14:useLocalDpi xmlns:a14="http://schemas.microsoft.com/office/drawing/2010/main" val="0"/>
+              </a:ext>
+            </a:extLst>
+          </a:blip>
+          <a:stretch>
+            <a:fillRect/>
+          </a:stretch>
+        </p:blipFill>
+        <p:spPr>
+          <a:xfrm>
+            <a:off x="1484308" y="3444435"/>
+            <a:ext cx="9223380" cy="2752614"/>
+          </a:xfrm>
+          <a:prstGeom prst="rect">
+            <a:avLst/>
+          </a:prstGeom>
+        </p:spPr>
+      </p:pic>
+      <p:sp>
+        <p:nvSpPr>
+          <p:cNvPr id="5" name="TextBox 4">
+            <a:extLst>
+              <a:ext uri="{FF2B5EF4-FFF2-40B4-BE49-F238E27FC236}">
+                <a16:creationId xmlns:a16="http://schemas.microsoft.com/office/drawing/2014/main" id="{9FC0B780-8752-45D5-8739-85F5E1ABD69D}"/>
+              </a:ext>
+            </a:extLst>
+          </p:cNvPr>
+          <p:cNvSpPr txBox="1"/>
+          <p:nvPr/>
         </p:nvSpPr>
         <p:spPr>
           <a:xfrm>
-            <a:off x="1365040" y="1333499"/>
-            <a:ext cx="10946229" cy="5524501"/>
+            <a:off x="2928731" y="6199304"/>
+            <a:ext cx="5890972" cy="369332"/>
           </a:xfrm>
+          <a:prstGeom prst="rect">
+            <a:avLst/>
+          </a:prstGeom>
+          <a:noFill/>
         </p:spPr>
         <p:txBody>
-          <a:bodyPr>
-            <a:normAutofit/>
+          <a:bodyPr wrap="none" rtlCol="0">
+            <a:spAutoFit/>
           </a:bodyPr>
           <a:lstStyle/>
           <a:p>
             <a:r>
               <a:rPr lang="en-GB" dirty="0"/>
-              <a:t>Random AI</a:t>
-            </a:r>
-          </a:p>
-          <a:p>
-            <a:pPr lvl="1"/>
-            <a:r>
-              <a:rPr lang="en-GB" dirty="0"/>
-              <a:t>Will pick moves at random</a:t>
-            </a:r>
-          </a:p>
-          <a:p>
-            <a:pPr lvl="1"/>
-            <a:r>
-              <a:rPr lang="en-GB" dirty="0"/>
-              <a:t>Intended to be easiest AI opponent</a:t>
-            </a:r>
-          </a:p>
-          <a:p>
-            <a:r>
-              <a:rPr lang="en-GB" dirty="0"/>
-              <a:t>Good Dad Ai</a:t>
-            </a:r>
-          </a:p>
-          <a:p>
-            <a:pPr lvl="1"/>
-            <a:r>
-              <a:rPr lang="en-GB" dirty="0"/>
-              <a:t>Will use modified Monte Carlo Tree Search (MCTS)</a:t>
-            </a:r>
-          </a:p>
-          <a:p>
-            <a:pPr lvl="1"/>
-            <a:r>
-              <a:rPr lang="en-GB" dirty="0"/>
-              <a:t>Will take into account the players skill level and move accordingly</a:t>
-            </a:r>
-          </a:p>
-          <a:p>
-            <a:r>
-              <a:rPr lang="en-GB" dirty="0"/>
-              <a:t>MCTS AI</a:t>
-            </a:r>
-          </a:p>
-          <a:p>
-            <a:pPr lvl="1"/>
-            <a:r>
-              <a:rPr lang="en-GB" dirty="0"/>
-              <a:t>Will use pure MCTS algorithm to attempt to find best possible move</a:t>
-            </a:r>
-          </a:p>
-          <a:p>
-            <a:r>
-              <a:rPr lang="en-GB" dirty="0"/>
-              <a:t>Rule Based AI</a:t>
-            </a:r>
-          </a:p>
-          <a:p>
-            <a:pPr lvl="1"/>
-            <a:r>
-              <a:rPr lang="en-GB" dirty="0"/>
-              <a:t>Will follow the strategy put forth in </a:t>
-            </a:r>
-            <a:r>
-              <a:rPr lang="en-GB" b="1" dirty="0"/>
-              <a:t>Group Actions on Winning Games of Super Tic-Tac-Toe </a:t>
-            </a:r>
-            <a:r>
-              <a:rPr lang="en-GB" dirty="0"/>
-              <a:t>(George and </a:t>
+              <a:t>Progression of game adapted from (George &amp; </a:t>
             </a:r>
             <a:r>
               <a:rPr lang="en-GB" dirty="0" err="1"/>
@@ -9043,14 +12495,7 @@
             </a:r>
             <a:r>
               <a:rPr lang="en-GB" dirty="0"/>
-              <a:t>, 2019)</a:t>
-            </a:r>
-          </a:p>
-          <a:p>
-            <a:pPr lvl="1"/>
-            <a:r>
-              <a:rPr lang="en-GB" dirty="0"/>
-              <a:t>Will give user advice on how to best play based on it’s rule set</a:t>
+              <a:t>, 2016)</a:t>
             </a:r>
           </a:p>
         </p:txBody>
@@ -9058,7 +12503,7 @@
     </p:spTree>
     <p:extLst>
       <p:ext uri="{BB962C8B-B14F-4D97-AF65-F5344CB8AC3E}">
-        <p14:creationId xmlns:p14="http://schemas.microsoft.com/office/powerpoint/2010/main" val="804488247"/>
+        <p14:creationId xmlns:p14="http://schemas.microsoft.com/office/powerpoint/2010/main" val="1104502978"/>
       </p:ext>
     </p:extLst>
   </p:cSld>
@@ -9090,7 +12535,7 @@
           <p:cNvPr id="2" name="Title 1">
             <a:extLst>
               <a:ext uri="{FF2B5EF4-FFF2-40B4-BE49-F238E27FC236}">
-                <a16:creationId xmlns:a16="http://schemas.microsoft.com/office/drawing/2014/main" id="{8F40A1B7-4D96-4C11-9791-7F40F16A17BA}"/>
+                <a16:creationId xmlns:a16="http://schemas.microsoft.com/office/drawing/2014/main" id="{A556E2DF-4E1B-4B62-A903-B06CE58726EA}"/>
               </a:ext>
             </a:extLst>
           </p:cNvPr>
@@ -9101,14 +12546,294 @@
             <p:ph type="title"/>
           </p:nvPr>
         </p:nvSpPr>
-        <p:spPr/>
+        <p:spPr>
+          <a:xfrm>
+            <a:off x="1484309" y="1"/>
+            <a:ext cx="10018713" cy="1066800"/>
+          </a:xfrm>
+        </p:spPr>
         <p:txBody>
           <a:bodyPr/>
           <a:lstStyle/>
           <a:p>
             <a:r>
               <a:rPr lang="en-GB" dirty="0"/>
-              <a:t>Evaluating AI</a:t>
+              <a:t>Adaptability Results</a:t>
+            </a:r>
+          </a:p>
+        </p:txBody>
+      </p:sp>
+      <p:graphicFrame>
+        <p:nvGraphicFramePr>
+          <p:cNvPr id="4" name="Content Placeholder 3">
+            <a:extLst>
+              <a:ext uri="{FF2B5EF4-FFF2-40B4-BE49-F238E27FC236}">
+                <a16:creationId xmlns:a16="http://schemas.microsoft.com/office/drawing/2014/main" id="{17701AD8-9A75-4BAB-8713-4F87DAAD5714}"/>
+              </a:ext>
+            </a:extLst>
+          </p:cNvPr>
+          <p:cNvGraphicFramePr>
+            <a:graphicFrameLocks noGrp="1"/>
+          </p:cNvGraphicFramePr>
+          <p:nvPr>
+            <p:ph idx="1"/>
+            <p:extLst>
+              <p:ext uri="{D42A27DB-BD31-4B8C-83A1-F6EECF244321}">
+                <p14:modId xmlns:p14="http://schemas.microsoft.com/office/powerpoint/2010/main" val="686536016"/>
+              </p:ext>
+            </p:extLst>
+          </p:nvPr>
+        </p:nvGraphicFramePr>
+        <p:xfrm>
+          <a:off x="1484309" y="3674011"/>
+          <a:ext cx="10018712" cy="3124200"/>
+        </p:xfrm>
+        <a:graphic>
+          <a:graphicData uri="http://schemas.openxmlformats.org/drawingml/2006/chart">
+            <c:chart xmlns:c="http://schemas.openxmlformats.org/drawingml/2006/chart" xmlns:r="http://schemas.openxmlformats.org/officeDocument/2006/relationships" r:id="rId2"/>
+          </a:graphicData>
+        </a:graphic>
+      </p:graphicFrame>
+      <p:graphicFrame>
+        <p:nvGraphicFramePr>
+          <p:cNvPr id="5" name="Chart 4">
+            <a:extLst>
+              <a:ext uri="{FF2B5EF4-FFF2-40B4-BE49-F238E27FC236}">
+                <a16:creationId xmlns:a16="http://schemas.microsoft.com/office/drawing/2014/main" id="{7F88AF4C-7347-4AFF-A5D0-43C0805A974D}"/>
+              </a:ext>
+            </a:extLst>
+          </p:cNvPr>
+          <p:cNvGraphicFramePr/>
+          <p:nvPr>
+            <p:extLst>
+              <p:ext uri="{D42A27DB-BD31-4B8C-83A1-F6EECF244321}">
+                <p14:modId xmlns:p14="http://schemas.microsoft.com/office/powerpoint/2010/main" val="913171036"/>
+              </p:ext>
+            </p:extLst>
+          </p:nvPr>
+        </p:nvGraphicFramePr>
+        <p:xfrm>
+          <a:off x="688979" y="1149886"/>
+          <a:ext cx="4825556" cy="2845339"/>
+        </p:xfrm>
+        <a:graphic>
+          <a:graphicData uri="http://schemas.openxmlformats.org/drawingml/2006/chart">
+            <c:chart xmlns:c="http://schemas.openxmlformats.org/drawingml/2006/chart" xmlns:r="http://schemas.openxmlformats.org/officeDocument/2006/relationships" r:id="rId3"/>
+          </a:graphicData>
+        </a:graphic>
+      </p:graphicFrame>
+      <p:graphicFrame>
+        <p:nvGraphicFramePr>
+          <p:cNvPr id="6" name="Chart 5">
+            <a:extLst>
+              <a:ext uri="{FF2B5EF4-FFF2-40B4-BE49-F238E27FC236}">
+                <a16:creationId xmlns:a16="http://schemas.microsoft.com/office/drawing/2014/main" id="{1EB31632-4CC6-4070-BD9F-CCA529DA862A}"/>
+              </a:ext>
+            </a:extLst>
+          </p:cNvPr>
+          <p:cNvGraphicFramePr>
+            <a:graphicFrameLocks/>
+          </p:cNvGraphicFramePr>
+          <p:nvPr>
+            <p:extLst>
+              <p:ext uri="{D42A27DB-BD31-4B8C-83A1-F6EECF244321}">
+                <p14:modId xmlns:p14="http://schemas.microsoft.com/office/powerpoint/2010/main" val="911695531"/>
+              </p:ext>
+            </p:extLst>
+          </p:nvPr>
+        </p:nvGraphicFramePr>
+        <p:xfrm>
+          <a:off x="6931021" y="1252025"/>
+          <a:ext cx="4572000" cy="2743200"/>
+        </p:xfrm>
+        <a:graphic>
+          <a:graphicData uri="http://schemas.openxmlformats.org/drawingml/2006/chart">
+            <c:chart xmlns:c="http://schemas.openxmlformats.org/drawingml/2006/chart" xmlns:r="http://schemas.openxmlformats.org/officeDocument/2006/relationships" r:id="rId4"/>
+          </a:graphicData>
+        </a:graphic>
+      </p:graphicFrame>
+    </p:spTree>
+    <p:extLst>
+      <p:ext uri="{BB962C8B-B14F-4D97-AF65-F5344CB8AC3E}">
+        <p14:creationId xmlns:p14="http://schemas.microsoft.com/office/powerpoint/2010/main" val="2552117144"/>
+      </p:ext>
+    </p:extLst>
+  </p:cSld>
+  <p:clrMapOvr>
+    <a:masterClrMapping/>
+  </p:clrMapOvr>
+</p:sld>
+</file>
+
+<file path=ppt/slides/slide8.xml><?xml version="1.0" encoding="utf-8"?>
+<p:sld xmlns:a="http://schemas.openxmlformats.org/drawingml/2006/main" xmlns:r="http://schemas.openxmlformats.org/officeDocument/2006/relationships" xmlns:p="http://schemas.openxmlformats.org/presentationml/2006/main">
+  <p:cSld>
+    <p:spTree>
+      <p:nvGrpSpPr>
+        <p:cNvPr id="1" name=""/>
+        <p:cNvGrpSpPr/>
+        <p:nvPr/>
+      </p:nvGrpSpPr>
+      <p:grpSpPr>
+        <a:xfrm>
+          <a:off x="0" y="0"/>
+          <a:ext cx="0" cy="0"/>
+          <a:chOff x="0" y="0"/>
+          <a:chExt cx="0" cy="0"/>
+        </a:xfrm>
+      </p:grpSpPr>
+      <p:sp>
+        <p:nvSpPr>
+          <p:cNvPr id="2" name="Title 1">
+            <a:extLst>
+              <a:ext uri="{FF2B5EF4-FFF2-40B4-BE49-F238E27FC236}">
+                <a16:creationId xmlns:a16="http://schemas.microsoft.com/office/drawing/2014/main" id="{FC6A3D06-3D35-40E0-821F-BBB01C909683}"/>
+              </a:ext>
+            </a:extLst>
+          </p:cNvPr>
+          <p:cNvSpPr>
+            <a:spLocks noGrp="1"/>
+          </p:cNvSpPr>
+          <p:nvPr>
+            <p:ph type="title"/>
+          </p:nvPr>
+        </p:nvSpPr>
+        <p:spPr>
+          <a:xfrm>
+            <a:off x="1484310" y="0"/>
+            <a:ext cx="10018713" cy="792479"/>
+          </a:xfrm>
+        </p:spPr>
+        <p:txBody>
+          <a:bodyPr/>
+          <a:lstStyle/>
+          <a:p>
+            <a:r>
+              <a:rPr lang="en-GB" dirty="0"/>
+              <a:t>Enjoyment</a:t>
+            </a:r>
+          </a:p>
+        </p:txBody>
+      </p:sp>
+      <p:graphicFrame>
+        <p:nvGraphicFramePr>
+          <p:cNvPr id="4" name="Chart 3">
+            <a:extLst>
+              <a:ext uri="{FF2B5EF4-FFF2-40B4-BE49-F238E27FC236}">
+                <a16:creationId xmlns:a16="http://schemas.microsoft.com/office/drawing/2014/main" id="{0C82B251-44E1-4030-93B4-A251016AAED6}"/>
+              </a:ext>
+            </a:extLst>
+          </p:cNvPr>
+          <p:cNvGraphicFramePr>
+            <a:graphicFrameLocks/>
+          </p:cNvGraphicFramePr>
+          <p:nvPr>
+            <p:extLst>
+              <p:ext uri="{D42A27DB-BD31-4B8C-83A1-F6EECF244321}">
+                <p14:modId xmlns:p14="http://schemas.microsoft.com/office/powerpoint/2010/main" val="3957349517"/>
+              </p:ext>
+            </p:extLst>
+          </p:nvPr>
+        </p:nvGraphicFramePr>
+        <p:xfrm>
+          <a:off x="1484310" y="1047750"/>
+          <a:ext cx="9355140" cy="2895600"/>
+        </p:xfrm>
+        <a:graphic>
+          <a:graphicData uri="http://schemas.openxmlformats.org/drawingml/2006/chart">
+            <c:chart xmlns:c="http://schemas.openxmlformats.org/drawingml/2006/chart" xmlns:r="http://schemas.openxmlformats.org/officeDocument/2006/relationships" r:id="rId2"/>
+          </a:graphicData>
+        </a:graphic>
+      </p:graphicFrame>
+      <p:graphicFrame>
+        <p:nvGraphicFramePr>
+          <p:cNvPr id="6" name="Chart 5">
+            <a:extLst>
+              <a:ext uri="{FF2B5EF4-FFF2-40B4-BE49-F238E27FC236}">
+                <a16:creationId xmlns:a16="http://schemas.microsoft.com/office/drawing/2014/main" id="{890C6D81-C9F6-4967-9607-68E686E525A5}"/>
+              </a:ext>
+            </a:extLst>
+          </p:cNvPr>
+          <p:cNvGraphicFramePr>
+            <a:graphicFrameLocks/>
+          </p:cNvGraphicFramePr>
+          <p:nvPr>
+            <p:extLst>
+              <p:ext uri="{D42A27DB-BD31-4B8C-83A1-F6EECF244321}">
+                <p14:modId xmlns:p14="http://schemas.microsoft.com/office/powerpoint/2010/main" val="626489459"/>
+              </p:ext>
+            </p:extLst>
+          </p:nvPr>
+        </p:nvGraphicFramePr>
+        <p:xfrm>
+          <a:off x="1352550" y="3429000"/>
+          <a:ext cx="9486900" cy="3276600"/>
+        </p:xfrm>
+        <a:graphic>
+          <a:graphicData uri="http://schemas.openxmlformats.org/drawingml/2006/chart">
+            <c:chart xmlns:c="http://schemas.openxmlformats.org/drawingml/2006/chart" xmlns:r="http://schemas.openxmlformats.org/officeDocument/2006/relationships" r:id="rId3"/>
+          </a:graphicData>
+        </a:graphic>
+      </p:graphicFrame>
+    </p:spTree>
+    <p:extLst>
+      <p:ext uri="{BB962C8B-B14F-4D97-AF65-F5344CB8AC3E}">
+        <p14:creationId xmlns:p14="http://schemas.microsoft.com/office/powerpoint/2010/main" val="104154136"/>
+      </p:ext>
+    </p:extLst>
+  </p:cSld>
+  <p:clrMapOvr>
+    <a:masterClrMapping/>
+  </p:clrMapOvr>
+</p:sld>
+</file>
+
+<file path=ppt/slides/slide9.xml><?xml version="1.0" encoding="utf-8"?>
+<p:sld xmlns:a="http://schemas.openxmlformats.org/drawingml/2006/main" xmlns:r="http://schemas.openxmlformats.org/officeDocument/2006/relationships" xmlns:p="http://schemas.openxmlformats.org/presentationml/2006/main">
+  <p:cSld>
+    <p:spTree>
+      <p:nvGrpSpPr>
+        <p:cNvPr id="1" name=""/>
+        <p:cNvGrpSpPr/>
+        <p:nvPr/>
+      </p:nvGrpSpPr>
+      <p:grpSpPr>
+        <a:xfrm>
+          <a:off x="0" y="0"/>
+          <a:ext cx="0" cy="0"/>
+          <a:chOff x="0" y="0"/>
+          <a:chExt cx="0" cy="0"/>
+        </a:xfrm>
+      </p:grpSpPr>
+      <p:sp>
+        <p:nvSpPr>
+          <p:cNvPr id="2" name="Title 1">
+            <a:extLst>
+              <a:ext uri="{FF2B5EF4-FFF2-40B4-BE49-F238E27FC236}">
+                <a16:creationId xmlns:a16="http://schemas.microsoft.com/office/drawing/2014/main" id="{423ED93E-CB89-4A6E-9C1B-3964084639C6}"/>
+              </a:ext>
+            </a:extLst>
+          </p:cNvPr>
+          <p:cNvSpPr>
+            <a:spLocks noGrp="1"/>
+          </p:cNvSpPr>
+          <p:nvPr>
+            <p:ph type="title"/>
+          </p:nvPr>
+        </p:nvSpPr>
+        <p:spPr>
+          <a:xfrm>
+            <a:off x="1577076" y="0"/>
+            <a:ext cx="10018713" cy="1752599"/>
+          </a:xfrm>
+        </p:spPr>
+        <p:txBody>
+          <a:bodyPr/>
+          <a:lstStyle/>
+          <a:p>
+            <a:r>
+              <a:rPr lang="en-GB" dirty="0"/>
+              <a:t>References</a:t>
             </a:r>
           </a:p>
         </p:txBody>
@@ -9118,7 +12843,7 @@
           <p:cNvPr id="3" name="Content Placeholder 2">
             <a:extLst>
               <a:ext uri="{FF2B5EF4-FFF2-40B4-BE49-F238E27FC236}">
-                <a16:creationId xmlns:a16="http://schemas.microsoft.com/office/drawing/2014/main" id="{773FD8CB-D520-4171-B88F-50F3C08B8D12}"/>
+                <a16:creationId xmlns:a16="http://schemas.microsoft.com/office/drawing/2014/main" id="{1033CA5A-6CAF-42CC-B9DC-A85F257D9863}"/>
               </a:ext>
             </a:extLst>
           </p:cNvPr>
@@ -9131,68 +12856,98 @@
         </p:nvSpPr>
         <p:spPr>
           <a:xfrm>
-            <a:off x="1484310" y="2639290"/>
-            <a:ext cx="10707690" cy="4218710"/>
+            <a:off x="1577076" y="1461051"/>
+            <a:ext cx="10018713" cy="3124201"/>
           </a:xfrm>
         </p:spPr>
         <p:txBody>
           <a:bodyPr>
-            <a:normAutofit/>
+            <a:normAutofit fontScale="92500" lnSpcReduction="20000"/>
           </a:bodyPr>
           <a:lstStyle/>
           <a:p>
             <a:r>
+              <a:rPr lang="en-GB" dirty="0" err="1"/>
+              <a:t>Bredyn</a:t>
+            </a:r>
+            <a:r>
               <a:rPr lang="en-GB" dirty="0"/>
-              <a:t>User Comments</a:t>
-            </a:r>
-          </a:p>
-          <a:p>
-            <a:pPr lvl="1"/>
+              <a:t> McCombs, C. L., 2018. </a:t>
+            </a:r>
+            <a:r>
+              <a:rPr lang="en-GB" i="1" dirty="0"/>
+              <a:t>Ultimate Tic Tac Toe Search Strategies. </a:t>
+            </a:r>
             <a:r>
               <a:rPr lang="en-GB" dirty="0"/>
-              <a:t>Play through sessions</a:t>
-            </a:r>
-          </a:p>
-          <a:p>
-            <a:pPr lvl="1"/>
+              <a:t>St George, Dixie State Regional Symposium</a:t>
+            </a:r>
+          </a:p>
+          <a:p>
             <a:r>
               <a:rPr lang="en-GB" dirty="0"/>
-              <a:t>Or online questionnaire after games</a:t>
-            </a:r>
-          </a:p>
-          <a:p>
+              <a:t>George, W. &amp; </a:t>
+            </a:r>
+            <a:r>
+              <a:rPr lang="en-GB" dirty="0" err="1"/>
+              <a:t>Janoski</a:t>
+            </a:r>
             <a:r>
               <a:rPr lang="en-GB" dirty="0"/>
-              <a:t>Experiments</a:t>
-            </a:r>
-          </a:p>
-          <a:p>
-            <a:pPr lvl="1"/>
+              <a:t>, J. E., 2016. </a:t>
+            </a:r>
+            <a:r>
+              <a:rPr lang="en-GB" i="1" dirty="0"/>
+              <a:t>Group Actions on Winning Games of Super Tic-Tac-Toe</a:t>
+            </a:r>
+            <a:endParaRPr lang="en-GB" dirty="0"/>
+          </a:p>
+          <a:p>
+            <a:r>
+              <a:rPr lang="en-GB" dirty="0" err="1"/>
+              <a:t>Lidén</a:t>
+            </a:r>
             <a:r>
               <a:rPr lang="en-GB" dirty="0"/>
-              <a:t>Measure player performance (How often they pick the best move, second best etc) let them play a couple games against an AI then measure performance</a:t>
-            </a:r>
-          </a:p>
-          <a:p>
-            <a:pPr lvl="1"/>
+              <a:t>, L., 2004. Artificial Stupidity: The Art of Intentional Mistakes. In: </a:t>
+            </a:r>
+            <a:r>
+              <a:rPr lang="en-GB" i="1" dirty="0"/>
+              <a:t>AI Game Programming Wisdom 2. </a:t>
+            </a:r>
+            <a:r>
+              <a:rPr lang="en-GB" dirty="0" err="1"/>
+              <a:t>s.l.:Charles</a:t>
+            </a:r>
             <a:r>
               <a:rPr lang="en-GB" dirty="0"/>
-              <a:t>Have Player play against an anonymous AI then a second AI and have them comment on how much they enjoyed one game compared to </a:t>
-            </a:r>
-            <a:r>
-              <a:rPr lang="en-GB"/>
-              <a:t>the other</a:t>
-            </a:r>
-            <a:endParaRPr lang="en-GB" dirty="0"/>
-          </a:p>
-          <a:p>
-            <a:pPr lvl="1"/>
-            <a:endParaRPr lang="en-GB" dirty="0"/>
-          </a:p>
-          <a:p>
-            <a:endParaRPr lang="en-GB" dirty="0"/>
-          </a:p>
-          <a:p>
+              <a:t> River Media, pp. 41-48</a:t>
+            </a:r>
+          </a:p>
+          <a:p>
+            <a:r>
+              <a:rPr lang="en-GB" dirty="0"/>
+              <a:t>Wikipedia, 2017. </a:t>
+            </a:r>
+            <a:r>
+              <a:rPr lang="en-GB" i="1" dirty="0"/>
+              <a:t>Wikipedia. </a:t>
+            </a:r>
+            <a:r>
+              <a:rPr lang="en-GB" dirty="0"/>
+              <a:t>[Online] </a:t>
+            </a:r>
+            <a:br>
+              <a:rPr lang="en-GB" dirty="0"/>
+            </a:br>
+            <a:r>
+              <a:rPr lang="en-GB" dirty="0"/>
+              <a:t>Available at: </a:t>
+            </a:r>
+            <a:r>
+              <a:rPr lang="en-GB" u="sng" dirty="0"/>
+              <a:t>https://en.wikipedia.org/wiki/File:MCTS_(English)_-_Updated_2017-11-19.svg</a:t>
+            </a:r>
             <a:endParaRPr lang="en-GB" dirty="0"/>
           </a:p>
         </p:txBody>
@@ -9200,7 +12955,7 @@
     </p:spTree>
     <p:extLst>
       <p:ext uri="{BB962C8B-B14F-4D97-AF65-F5344CB8AC3E}">
-        <p14:creationId xmlns:p14="http://schemas.microsoft.com/office/powerpoint/2010/main" val="656170417"/>
+        <p14:creationId xmlns:p14="http://schemas.microsoft.com/office/powerpoint/2010/main" val="4171686213"/>
       </p:ext>
     </p:extLst>
   </p:cSld>
